--- a/파이썬활용 워크샵(2020.08.26)/기본자료처리/IMG/table.pptx
+++ b/파이썬활용 워크샵(2020.08.26)/기본자료처리/IMG/table.pptx
@@ -17,6 +17,10 @@
     <p:sldId id="265" r:id="rId11"/>
     <p:sldId id="266" r:id="rId12"/>
     <p:sldId id="267" r:id="rId13"/>
+    <p:sldId id="268" r:id="rId14"/>
+    <p:sldId id="269" r:id="rId15"/>
+    <p:sldId id="270" r:id="rId16"/>
+    <p:sldId id="271" r:id="rId17"/>
   </p:sldIdLst>
   <p:sldSz cx="12192000" cy="6858000"/>
   <p:notesSz cx="6858000" cy="9144000"/>
@@ -270,7 +274,7 @@
           <a:p>
             <a:fld id="{6F518B68-7C97-4CCC-91B3-962C66229486}" type="datetimeFigureOut">
               <a:rPr lang="ko-KR" altLang="en-US" smtClean="0"/>
-              <a:t>2020-08-24</a:t>
+              <a:t>2020-08-25</a:t>
             </a:fld>
             <a:endParaRPr lang="ko-KR" altLang="en-US"/>
           </a:p>
@@ -468,7 +472,7 @@
           <a:p>
             <a:fld id="{6F518B68-7C97-4CCC-91B3-962C66229486}" type="datetimeFigureOut">
               <a:rPr lang="ko-KR" altLang="en-US" smtClean="0"/>
-              <a:t>2020-08-24</a:t>
+              <a:t>2020-08-25</a:t>
             </a:fld>
             <a:endParaRPr lang="ko-KR" altLang="en-US"/>
           </a:p>
@@ -676,7 +680,7 @@
           <a:p>
             <a:fld id="{6F518B68-7C97-4CCC-91B3-962C66229486}" type="datetimeFigureOut">
               <a:rPr lang="ko-KR" altLang="en-US" smtClean="0"/>
-              <a:t>2020-08-24</a:t>
+              <a:t>2020-08-25</a:t>
             </a:fld>
             <a:endParaRPr lang="ko-KR" altLang="en-US"/>
           </a:p>
@@ -874,7 +878,7 @@
           <a:p>
             <a:fld id="{6F518B68-7C97-4CCC-91B3-962C66229486}" type="datetimeFigureOut">
               <a:rPr lang="ko-KR" altLang="en-US" smtClean="0"/>
-              <a:t>2020-08-24</a:t>
+              <a:t>2020-08-25</a:t>
             </a:fld>
             <a:endParaRPr lang="ko-KR" altLang="en-US"/>
           </a:p>
@@ -1149,7 +1153,7 @@
           <a:p>
             <a:fld id="{6F518B68-7C97-4CCC-91B3-962C66229486}" type="datetimeFigureOut">
               <a:rPr lang="ko-KR" altLang="en-US" smtClean="0"/>
-              <a:t>2020-08-24</a:t>
+              <a:t>2020-08-25</a:t>
             </a:fld>
             <a:endParaRPr lang="ko-KR" altLang="en-US"/>
           </a:p>
@@ -1414,7 +1418,7 @@
           <a:p>
             <a:fld id="{6F518B68-7C97-4CCC-91B3-962C66229486}" type="datetimeFigureOut">
               <a:rPr lang="ko-KR" altLang="en-US" smtClean="0"/>
-              <a:t>2020-08-24</a:t>
+              <a:t>2020-08-25</a:t>
             </a:fld>
             <a:endParaRPr lang="ko-KR" altLang="en-US"/>
           </a:p>
@@ -1826,7 +1830,7 @@
           <a:p>
             <a:fld id="{6F518B68-7C97-4CCC-91B3-962C66229486}" type="datetimeFigureOut">
               <a:rPr lang="ko-KR" altLang="en-US" smtClean="0"/>
-              <a:t>2020-08-24</a:t>
+              <a:t>2020-08-25</a:t>
             </a:fld>
             <a:endParaRPr lang="ko-KR" altLang="en-US"/>
           </a:p>
@@ -1967,7 +1971,7 @@
           <a:p>
             <a:fld id="{6F518B68-7C97-4CCC-91B3-962C66229486}" type="datetimeFigureOut">
               <a:rPr lang="ko-KR" altLang="en-US" smtClean="0"/>
-              <a:t>2020-08-24</a:t>
+              <a:t>2020-08-25</a:t>
             </a:fld>
             <a:endParaRPr lang="ko-KR" altLang="en-US"/>
           </a:p>
@@ -2080,7 +2084,7 @@
           <a:p>
             <a:fld id="{6F518B68-7C97-4CCC-91B3-962C66229486}" type="datetimeFigureOut">
               <a:rPr lang="ko-KR" altLang="en-US" smtClean="0"/>
-              <a:t>2020-08-24</a:t>
+              <a:t>2020-08-25</a:t>
             </a:fld>
             <a:endParaRPr lang="ko-KR" altLang="en-US"/>
           </a:p>
@@ -2391,7 +2395,7 @@
           <a:p>
             <a:fld id="{6F518B68-7C97-4CCC-91B3-962C66229486}" type="datetimeFigureOut">
               <a:rPr lang="ko-KR" altLang="en-US" smtClean="0"/>
-              <a:t>2020-08-24</a:t>
+              <a:t>2020-08-25</a:t>
             </a:fld>
             <a:endParaRPr lang="ko-KR" altLang="en-US"/>
           </a:p>
@@ -2679,7 +2683,7 @@
           <a:p>
             <a:fld id="{6F518B68-7C97-4CCC-91B3-962C66229486}" type="datetimeFigureOut">
               <a:rPr lang="ko-KR" altLang="en-US" smtClean="0"/>
-              <a:t>2020-08-24</a:t>
+              <a:t>2020-08-25</a:t>
             </a:fld>
             <a:endParaRPr lang="ko-KR" altLang="en-US"/>
           </a:p>
@@ -2920,7 +2924,7 @@
           <a:p>
             <a:fld id="{6F518B68-7C97-4CCC-91B3-962C66229486}" type="datetimeFigureOut">
               <a:rPr lang="ko-KR" altLang="en-US" smtClean="0"/>
-              <a:t>2020-08-24</a:t>
+              <a:t>2020-08-25</a:t>
             </a:fld>
             <a:endParaRPr lang="ko-KR" altLang="en-US"/>
           </a:p>
@@ -5732,6 +5736,5002 @@
 </p:sld>
 </file>
 
+<file path=ppt/slides/slide13.xml><?xml version="1.0" encoding="utf-8"?>
+<p:sld xmlns:a="http://schemas.openxmlformats.org/drawingml/2006/main" xmlns:r="http://schemas.openxmlformats.org/officeDocument/2006/relationships" xmlns:p="http://schemas.openxmlformats.org/presentationml/2006/main">
+  <p:cSld>
+    <p:spTree>
+      <p:nvGrpSpPr>
+        <p:cNvPr id="1" name=""/>
+        <p:cNvGrpSpPr/>
+        <p:nvPr/>
+      </p:nvGrpSpPr>
+      <p:grpSpPr>
+        <a:xfrm>
+          <a:off x="0" y="0"/>
+          <a:ext cx="0" cy="0"/>
+          <a:chOff x="0" y="0"/>
+          <a:chExt cx="0" cy="0"/>
+        </a:xfrm>
+      </p:grpSpPr>
+      <p:graphicFrame>
+        <p:nvGraphicFramePr>
+          <p:cNvPr id="2" name="표 1">
+            <a:extLst>
+              <a:ext uri="{FF2B5EF4-FFF2-40B4-BE49-F238E27FC236}">
+                <a16:creationId xmlns:a16="http://schemas.microsoft.com/office/drawing/2014/main" id="{317D1F58-19A4-493F-BF53-E38506C7470E}"/>
+              </a:ext>
+            </a:extLst>
+          </p:cNvPr>
+          <p:cNvGraphicFramePr>
+            <a:graphicFrameLocks noGrp="1"/>
+          </p:cNvGraphicFramePr>
+          <p:nvPr>
+            <p:extLst>
+              <p:ext uri="{D42A27DB-BD31-4B8C-83A1-F6EECF244321}">
+                <p14:modId xmlns:p14="http://schemas.microsoft.com/office/powerpoint/2010/main" val="2250785730"/>
+              </p:ext>
+            </p:extLst>
+          </p:nvPr>
+        </p:nvGraphicFramePr>
+        <p:xfrm>
+          <a:off x="156000" y="1533962"/>
+          <a:ext cx="11160000" cy="4306890"/>
+        </p:xfrm>
+        <a:graphic>
+          <a:graphicData uri="http://schemas.openxmlformats.org/drawingml/2006/table">
+            <a:tbl>
+              <a:tblPr firstRow="1" bandRow="1">
+                <a:tableStyleId>{5FD0F851-EC5A-4D38-B0AD-8093EC10F338}</a:tableStyleId>
+              </a:tblPr>
+              <a:tblGrid>
+                <a:gridCol w="4680000">
+                  <a:extLst>
+                    <a:ext uri="{9D8B030D-6E8A-4147-A177-3AD203B41FA5}">
+                      <a16:colId xmlns:a16="http://schemas.microsoft.com/office/drawing/2014/main" val="3349319659"/>
+                    </a:ext>
+                  </a:extLst>
+                </a:gridCol>
+                <a:gridCol w="6480000">
+                  <a:extLst>
+                    <a:ext uri="{9D8B030D-6E8A-4147-A177-3AD203B41FA5}">
+                      <a16:colId xmlns:a16="http://schemas.microsoft.com/office/drawing/2014/main" val="3857639582"/>
+                    </a:ext>
+                  </a:extLst>
+                </a:gridCol>
+              </a:tblGrid>
+              <a:tr h="370840">
+                <a:tc>
+                  <a:txBody>
+                    <a:bodyPr/>
+                    <a:lstStyle/>
+                    <a:p>
+                      <a:pPr latinLnBrk="1">
+                        <a:lnSpc>
+                          <a:spcPct val="150000"/>
+                        </a:lnSpc>
+                      </a:pPr>
+                      <a:r>
+                        <a:rPr lang="en-US" altLang="ko-KR" b="1" dirty="0"/>
+                        <a:t>import</a:t>
+                      </a:r>
+                      <a:r>
+                        <a:rPr lang="ko-KR" altLang="en-US" b="1" dirty="0"/>
+                        <a:t> </a:t>
+                      </a:r>
+                      <a:r>
+                        <a:rPr lang="en-US" altLang="ko-KR" b="1" dirty="0"/>
+                        <a:t>pandas as pd</a:t>
+                      </a:r>
+                    </a:p>
+                  </a:txBody>
+                  <a:tcPr>
+                    <a:lnL w="12700" cap="flat" cmpd="sng" algn="ctr">
+                      <a:noFill/>
+                      <a:prstDash val="solid"/>
+                      <a:round/>
+                      <a:headEnd type="none" w="med" len="med"/>
+                      <a:tailEnd type="none" w="med" len="med"/>
+                    </a:lnL>
+                    <a:lnR w="12700" cap="flat" cmpd="sng" algn="ctr">
+                      <a:solidFill>
+                        <a:schemeClr val="tx1"/>
+                      </a:solidFill>
+                      <a:prstDash val="solid"/>
+                      <a:round/>
+                      <a:headEnd type="none" w="med" len="med"/>
+                      <a:tailEnd type="none" w="med" len="med"/>
+                    </a:lnR>
+                    <a:lnB w="12700" cap="flat" cmpd="sng" algn="ctr">
+                      <a:noFill/>
+                      <a:prstDash val="solid"/>
+                      <a:round/>
+                      <a:headEnd type="none" w="med" len="med"/>
+                      <a:tailEnd type="none" w="med" len="med"/>
+                    </a:lnB>
+                  </a:tcPr>
+                </a:tc>
+                <a:tc>
+                  <a:txBody>
+                    <a:bodyPr/>
+                    <a:lstStyle/>
+                    <a:p>
+                      <a:pPr marL="285750" indent="-285750" latinLnBrk="1">
+                        <a:lnSpc>
+                          <a:spcPct val="150000"/>
+                        </a:lnSpc>
+                        <a:buFont typeface="Arial" panose="020B0604020202020204" pitchFamily="34" charset="0"/>
+                        <a:buChar char="•"/>
+                      </a:pPr>
+                      <a:r>
+                        <a:rPr lang="en-US" altLang="ko-KR" b="0" dirty="0"/>
+                        <a:t>Pandas</a:t>
+                      </a:r>
+                      <a:r>
+                        <a:rPr lang="ko-KR" altLang="en-US" b="0" dirty="0"/>
+                        <a:t> 패키지</a:t>
+                      </a:r>
+                    </a:p>
+                  </a:txBody>
+                  <a:tcPr>
+                    <a:lnL w="12700" cap="flat" cmpd="sng" algn="ctr">
+                      <a:solidFill>
+                        <a:schemeClr val="tx1"/>
+                      </a:solidFill>
+                      <a:prstDash val="solid"/>
+                      <a:round/>
+                      <a:headEnd type="none" w="med" len="med"/>
+                      <a:tailEnd type="none" w="med" len="med"/>
+                    </a:lnL>
+                    <a:lnB w="12700" cap="flat" cmpd="sng" algn="ctr">
+                      <a:noFill/>
+                      <a:prstDash val="solid"/>
+                      <a:round/>
+                      <a:headEnd type="none" w="med" len="med"/>
+                      <a:tailEnd type="none" w="med" len="med"/>
+                    </a:lnB>
+                  </a:tcPr>
+                </a:tc>
+                <a:extLst>
+                  <a:ext uri="{0D108BD9-81ED-4DB2-BD59-A6C34878D82A}">
+                    <a16:rowId xmlns:a16="http://schemas.microsoft.com/office/drawing/2014/main" val="1699189099"/>
+                  </a:ext>
+                </a:extLst>
+              </a:tr>
+              <a:tr h="370840">
+                <a:tc>
+                  <a:txBody>
+                    <a:bodyPr/>
+                    <a:lstStyle/>
+                    <a:p>
+                      <a:pPr latinLnBrk="1">
+                        <a:lnSpc>
+                          <a:spcPct val="150000"/>
+                        </a:lnSpc>
+                      </a:pPr>
+                      <a:r>
+                        <a:rPr lang="en-US" altLang="ko-KR" b="1" dirty="0"/>
+                        <a:t>series = </a:t>
+                      </a:r>
+                      <a:r>
+                        <a:rPr lang="en-US" altLang="ko-KR" b="1" dirty="0" err="1"/>
+                        <a:t>pd.Series</a:t>
+                      </a:r>
+                      <a:r>
+                        <a:rPr lang="en-US" altLang="ko-KR" b="1" dirty="0"/>
+                        <a:t>(</a:t>
+                      </a:r>
+                      <a:r>
+                        <a:rPr lang="en-US" altLang="ko-KR" b="0" dirty="0"/>
+                        <a:t>1</a:t>
+                      </a:r>
+                      <a:r>
+                        <a:rPr lang="ko-KR" altLang="en-US" b="0" dirty="0"/>
+                        <a:t>차원 배열</a:t>
+                      </a:r>
+                      <a:r>
+                        <a:rPr lang="en-US" altLang="ko-KR" b="0" dirty="0"/>
+                        <a:t>,</a:t>
+                      </a:r>
+                    </a:p>
+                    <a:p>
+                      <a:pPr lvl="2" latinLnBrk="1">
+                        <a:lnSpc>
+                          <a:spcPct val="150000"/>
+                        </a:lnSpc>
+                      </a:pPr>
+                      <a:r>
+                        <a:rPr lang="en-US" altLang="ko-KR" b="0" dirty="0"/>
+                        <a:t>index</a:t>
+                      </a:r>
+                      <a:r>
+                        <a:rPr lang="ko-KR" altLang="en-US" b="0" dirty="0"/>
+                        <a:t> </a:t>
+                      </a:r>
+                      <a:r>
+                        <a:rPr lang="en-US" altLang="ko-KR" b="0" dirty="0"/>
+                        <a:t>=</a:t>
+                      </a:r>
+                      <a:r>
+                        <a:rPr lang="ko-KR" altLang="en-US" b="0" dirty="0"/>
+                        <a:t> 인덱스 배열</a:t>
+                      </a:r>
+                      <a:r>
+                        <a:rPr lang="en-US" altLang="ko-KR" b="1" dirty="0"/>
+                        <a:t>)</a:t>
+                      </a:r>
+                    </a:p>
+                  </a:txBody>
+                  <a:tcPr>
+                    <a:lnL w="12700" cap="flat" cmpd="sng" algn="ctr">
+                      <a:noFill/>
+                      <a:prstDash val="solid"/>
+                      <a:round/>
+                      <a:headEnd type="none" w="med" len="med"/>
+                      <a:tailEnd type="none" w="med" len="med"/>
+                    </a:lnL>
+                    <a:lnR w="12700" cap="flat" cmpd="sng" algn="ctr">
+                      <a:solidFill>
+                        <a:schemeClr val="tx1"/>
+                      </a:solidFill>
+                      <a:prstDash val="solid"/>
+                      <a:round/>
+                      <a:headEnd type="none" w="med" len="med"/>
+                      <a:tailEnd type="none" w="med" len="med"/>
+                    </a:lnR>
+                    <a:lnT w="12700" cmpd="sng">
+                      <a:noFill/>
+                    </a:lnT>
+                    <a:lnB w="12700" cap="flat" cmpd="sng" algn="ctr">
+                      <a:noFill/>
+                      <a:prstDash val="solid"/>
+                      <a:round/>
+                      <a:headEnd type="none" w="med" len="med"/>
+                      <a:tailEnd type="none" w="med" len="med"/>
+                    </a:lnB>
+                  </a:tcPr>
+                </a:tc>
+                <a:tc>
+                  <a:txBody>
+                    <a:bodyPr/>
+                    <a:lstStyle/>
+                    <a:p>
+                      <a:pPr marL="285750" indent="-285750" latinLnBrk="1">
+                        <a:lnSpc>
+                          <a:spcPct val="150000"/>
+                        </a:lnSpc>
+                        <a:buFont typeface="Arial" panose="020B0604020202020204" pitchFamily="34" charset="0"/>
+                        <a:buChar char="•"/>
+                      </a:pPr>
+                      <a:r>
+                        <a:rPr lang="en-US" altLang="ko-KR" b="0" dirty="0"/>
+                        <a:t>1</a:t>
+                      </a:r>
+                      <a:r>
+                        <a:rPr lang="ko-KR" altLang="en-US" b="0" dirty="0"/>
+                        <a:t>차원 배열 형태의 자료 구조</a:t>
+                      </a:r>
+                      <a:endParaRPr lang="en-US" altLang="ko-KR" b="0" dirty="0"/>
+                    </a:p>
+                    <a:p>
+                      <a:pPr marL="285750" indent="-285750" latinLnBrk="1">
+                        <a:lnSpc>
+                          <a:spcPct val="150000"/>
+                        </a:lnSpc>
+                        <a:buFont typeface="Arial" panose="020B0604020202020204" pitchFamily="34" charset="0"/>
+                        <a:buChar char="•"/>
+                      </a:pPr>
+                      <a:r>
+                        <a:rPr lang="ko-KR" altLang="en-US" b="0" dirty="0"/>
+                        <a:t>인덱스</a:t>
+                      </a:r>
+                      <a:r>
+                        <a:rPr lang="en-US" altLang="ko-KR" b="0" dirty="0"/>
+                        <a:t>(index)</a:t>
+                      </a:r>
+                      <a:r>
+                        <a:rPr lang="ko-KR" altLang="en-US" b="0" dirty="0"/>
+                        <a:t>와 해당 인덱스의 값으로 구성</a:t>
+                      </a:r>
+                      <a:endParaRPr lang="en-US" altLang="ko-KR" b="0" dirty="0"/>
+                    </a:p>
+                    <a:p>
+                      <a:pPr marL="285750" indent="-285750" latinLnBrk="1">
+                        <a:lnSpc>
+                          <a:spcPct val="150000"/>
+                        </a:lnSpc>
+                        <a:buFont typeface="Arial" panose="020B0604020202020204" pitchFamily="34" charset="0"/>
+                        <a:buChar char="•"/>
+                      </a:pPr>
+                      <a:r>
+                        <a:rPr lang="ko-KR" altLang="en-US" b="0" dirty="0"/>
+                        <a:t>인덱스는 지정할 수 있음</a:t>
+                      </a:r>
+                      <a:endParaRPr lang="en-US" altLang="ko-KR" b="0" dirty="0"/>
+                    </a:p>
+                    <a:p>
+                      <a:pPr marL="285750" indent="-285750" latinLnBrk="1">
+                        <a:lnSpc>
+                          <a:spcPct val="150000"/>
+                        </a:lnSpc>
+                        <a:buFont typeface="Arial" panose="020B0604020202020204" pitchFamily="34" charset="0"/>
+                        <a:buChar char="•"/>
+                      </a:pPr>
+                      <a:r>
+                        <a:rPr lang="ko-KR" altLang="en-US" b="0" dirty="0"/>
+                        <a:t>인덱스를 정하지 않으면 </a:t>
+                      </a:r>
+                      <a:r>
+                        <a:rPr lang="en-US" altLang="ko-KR" b="0" dirty="0"/>
+                        <a:t>0</a:t>
+                      </a:r>
+                      <a:r>
+                        <a:rPr lang="ko-KR" altLang="en-US" b="0" dirty="0"/>
+                        <a:t>부터 정수로 표현</a:t>
+                      </a:r>
+                      <a:endParaRPr lang="en-US" altLang="ko-KR" b="0" dirty="0"/>
+                    </a:p>
+                  </a:txBody>
+                  <a:tcPr>
+                    <a:lnL w="12700" cap="flat" cmpd="sng" algn="ctr">
+                      <a:solidFill>
+                        <a:schemeClr val="tx1"/>
+                      </a:solidFill>
+                      <a:prstDash val="solid"/>
+                      <a:round/>
+                      <a:headEnd type="none" w="med" len="med"/>
+                      <a:tailEnd type="none" w="med" len="med"/>
+                    </a:lnL>
+                    <a:lnT w="12700" cmpd="sng">
+                      <a:noFill/>
+                    </a:lnT>
+                    <a:lnB w="12700" cap="flat" cmpd="sng" algn="ctr">
+                      <a:noFill/>
+                      <a:prstDash val="solid"/>
+                      <a:round/>
+                      <a:headEnd type="none" w="med" len="med"/>
+                      <a:tailEnd type="none" w="med" len="med"/>
+                    </a:lnB>
+                  </a:tcPr>
+                </a:tc>
+                <a:extLst>
+                  <a:ext uri="{0D108BD9-81ED-4DB2-BD59-A6C34878D82A}">
+                    <a16:rowId xmlns:a16="http://schemas.microsoft.com/office/drawing/2014/main" val="1485324030"/>
+                  </a:ext>
+                </a:extLst>
+              </a:tr>
+              <a:tr h="370840">
+                <a:tc>
+                  <a:txBody>
+                    <a:bodyPr/>
+                    <a:lstStyle/>
+                    <a:p>
+                      <a:pPr marL="0" marR="0" lvl="0" indent="0" algn="l" defTabSz="914400" rtl="0" eaLnBrk="1" fontAlgn="auto" latinLnBrk="1" hangingPunct="1">
+                        <a:lnSpc>
+                          <a:spcPct val="150000"/>
+                        </a:lnSpc>
+                        <a:spcBef>
+                          <a:spcPts val="0"/>
+                        </a:spcBef>
+                        <a:spcAft>
+                          <a:spcPts val="0"/>
+                        </a:spcAft>
+                        <a:buClrTx/>
+                        <a:buSzTx/>
+                        <a:buFontTx/>
+                        <a:buNone/>
+                        <a:tabLst/>
+                        <a:defRPr/>
+                      </a:pPr>
+                      <a:r>
+                        <a:rPr lang="en-US" altLang="ko-KR" b="1" dirty="0"/>
+                        <a:t>series = </a:t>
+                      </a:r>
+                      <a:r>
+                        <a:rPr lang="en-US" altLang="ko-KR" b="1" dirty="0" err="1"/>
+                        <a:t>pd.Series</a:t>
+                      </a:r>
+                      <a:r>
+                        <a:rPr lang="en-US" altLang="ko-KR" b="1" dirty="0"/>
+                        <a:t>(</a:t>
+                      </a:r>
+                      <a:r>
+                        <a:rPr lang="en-US" altLang="ko-KR" b="0" dirty="0"/>
+                        <a:t>{</a:t>
+                      </a:r>
+                      <a:r>
+                        <a:rPr lang="ko-KR" altLang="en-US" b="0" dirty="0"/>
+                        <a:t>인덱스</a:t>
+                      </a:r>
+                      <a:r>
+                        <a:rPr lang="en-US" altLang="ko-KR" b="0" dirty="0"/>
+                        <a:t>1: </a:t>
+                      </a:r>
+                      <a:r>
+                        <a:rPr lang="ko-KR" altLang="en-US" b="0" dirty="0"/>
+                        <a:t>인덱스</a:t>
+                      </a:r>
+                      <a:r>
+                        <a:rPr lang="en-US" altLang="ko-KR" b="0" dirty="0"/>
+                        <a:t>1 </a:t>
+                      </a:r>
+                      <a:r>
+                        <a:rPr lang="ko-KR" altLang="en-US" b="0" dirty="0"/>
+                        <a:t>값</a:t>
+                      </a:r>
+                      <a:r>
+                        <a:rPr lang="en-US" altLang="ko-KR" b="0" dirty="0"/>
+                        <a:t>,</a:t>
+                      </a:r>
+                    </a:p>
+                    <a:p>
+                      <a:pPr marL="1828800" marR="0" lvl="4" indent="0" algn="l" defTabSz="914400" rtl="0" eaLnBrk="1" fontAlgn="auto" latinLnBrk="1" hangingPunct="1">
+                        <a:lnSpc>
+                          <a:spcPct val="150000"/>
+                        </a:lnSpc>
+                        <a:spcBef>
+                          <a:spcPts val="0"/>
+                        </a:spcBef>
+                        <a:spcAft>
+                          <a:spcPts val="0"/>
+                        </a:spcAft>
+                        <a:buClrTx/>
+                        <a:buSzTx/>
+                        <a:buFontTx/>
+                        <a:buNone/>
+                        <a:tabLst/>
+                        <a:defRPr/>
+                      </a:pPr>
+                      <a:r>
+                        <a:rPr lang="ko-KR" altLang="en-US" b="0" dirty="0"/>
+                        <a:t>인덱스</a:t>
+                      </a:r>
+                      <a:r>
+                        <a:rPr lang="en-US" altLang="ko-KR" b="0" dirty="0"/>
+                        <a:t>2: </a:t>
+                      </a:r>
+                      <a:r>
+                        <a:rPr lang="ko-KR" altLang="en-US" b="0" dirty="0"/>
+                        <a:t>인덱스</a:t>
+                      </a:r>
+                      <a:r>
+                        <a:rPr lang="en-US" altLang="ko-KR" b="0" dirty="0"/>
+                        <a:t>2 </a:t>
+                      </a:r>
+                      <a:r>
+                        <a:rPr lang="ko-KR" altLang="en-US" b="0" dirty="0"/>
+                        <a:t>값</a:t>
+                      </a:r>
+                      <a:r>
+                        <a:rPr lang="en-US" altLang="ko-KR" b="0" dirty="0"/>
+                        <a:t>, …}</a:t>
+                      </a:r>
+                      <a:r>
+                        <a:rPr lang="en-US" altLang="ko-KR" b="1" dirty="0"/>
+                        <a:t>)</a:t>
+                      </a:r>
+                    </a:p>
+                  </a:txBody>
+                  <a:tcPr>
+                    <a:lnL w="12700" cap="flat" cmpd="sng" algn="ctr">
+                      <a:noFill/>
+                      <a:prstDash val="solid"/>
+                      <a:round/>
+                      <a:headEnd type="none" w="med" len="med"/>
+                      <a:tailEnd type="none" w="med" len="med"/>
+                    </a:lnL>
+                    <a:lnR w="12700" cap="flat" cmpd="sng" algn="ctr">
+                      <a:solidFill>
+                        <a:schemeClr val="tx1"/>
+                      </a:solidFill>
+                      <a:prstDash val="solid"/>
+                      <a:round/>
+                      <a:headEnd type="none" w="med" len="med"/>
+                      <a:tailEnd type="none" w="med" len="med"/>
+                    </a:lnR>
+                    <a:lnT w="12700" cmpd="sng">
+                      <a:noFill/>
+                    </a:lnT>
+                    <a:lnB w="12700" cap="flat" cmpd="sng" algn="ctr">
+                      <a:noFill/>
+                      <a:prstDash val="solid"/>
+                      <a:round/>
+                      <a:headEnd type="none" w="med" len="med"/>
+                      <a:tailEnd type="none" w="med" len="med"/>
+                    </a:lnB>
+                  </a:tcPr>
+                </a:tc>
+                <a:tc>
+                  <a:txBody>
+                    <a:bodyPr/>
+                    <a:lstStyle/>
+                    <a:p>
+                      <a:pPr marL="285750" marR="0" lvl="0" indent="-285750" algn="l" defTabSz="914400" rtl="0" eaLnBrk="1" fontAlgn="auto" latinLnBrk="1" hangingPunct="1">
+                        <a:lnSpc>
+                          <a:spcPct val="150000"/>
+                        </a:lnSpc>
+                        <a:spcBef>
+                          <a:spcPts val="0"/>
+                        </a:spcBef>
+                        <a:spcAft>
+                          <a:spcPts val="0"/>
+                        </a:spcAft>
+                        <a:buClrTx/>
+                        <a:buSzTx/>
+                        <a:buFont typeface="Arial" panose="020B0604020202020204" pitchFamily="34" charset="0"/>
+                        <a:buChar char="•"/>
+                        <a:tabLst/>
+                        <a:defRPr/>
+                      </a:pPr>
+                      <a:r>
+                        <a:rPr lang="ko-KR" altLang="en-US" b="0" dirty="0" err="1"/>
+                        <a:t>딕셔너리</a:t>
+                      </a:r>
+                      <a:r>
+                        <a:rPr lang="ko-KR" altLang="en-US" b="0" dirty="0"/>
+                        <a:t> 자료형으로 만들 경우</a:t>
+                      </a:r>
+                      <a:r>
+                        <a:rPr lang="en-US" altLang="ko-KR" b="0" dirty="0"/>
+                        <a:t> </a:t>
+                      </a:r>
+                      <a:r>
+                        <a:rPr lang="ko-KR" altLang="en-US" b="0" dirty="0"/>
+                        <a:t>순차적으로 저장되지 않음</a:t>
+                      </a:r>
+                    </a:p>
+                  </a:txBody>
+                  <a:tcPr>
+                    <a:lnL w="12700" cap="flat" cmpd="sng" algn="ctr">
+                      <a:solidFill>
+                        <a:schemeClr val="tx1"/>
+                      </a:solidFill>
+                      <a:prstDash val="solid"/>
+                      <a:round/>
+                      <a:headEnd type="none" w="med" len="med"/>
+                      <a:tailEnd type="none" w="med" len="med"/>
+                    </a:lnL>
+                    <a:lnT w="12700" cmpd="sng">
+                      <a:noFill/>
+                    </a:lnT>
+                    <a:lnB w="12700" cap="flat" cmpd="sng" algn="ctr">
+                      <a:noFill/>
+                      <a:prstDash val="solid"/>
+                      <a:round/>
+                      <a:headEnd type="none" w="med" len="med"/>
+                      <a:tailEnd type="none" w="med" len="med"/>
+                    </a:lnB>
+                  </a:tcPr>
+                </a:tc>
+                <a:extLst>
+                  <a:ext uri="{0D108BD9-81ED-4DB2-BD59-A6C34878D82A}">
+                    <a16:rowId xmlns:a16="http://schemas.microsoft.com/office/drawing/2014/main" val="966678781"/>
+                  </a:ext>
+                </a:extLst>
+              </a:tr>
+              <a:tr h="370840">
+                <a:tc>
+                  <a:txBody>
+                    <a:bodyPr/>
+                    <a:lstStyle/>
+                    <a:p>
+                      <a:pPr marL="0" marR="0" lvl="0" indent="0" algn="l" defTabSz="914400" rtl="0" eaLnBrk="1" fontAlgn="auto" latinLnBrk="1" hangingPunct="1">
+                        <a:lnSpc>
+                          <a:spcPct val="150000"/>
+                        </a:lnSpc>
+                        <a:spcBef>
+                          <a:spcPts val="0"/>
+                        </a:spcBef>
+                        <a:spcAft>
+                          <a:spcPts val="0"/>
+                        </a:spcAft>
+                        <a:buClrTx/>
+                        <a:buSzTx/>
+                        <a:buFontTx/>
+                        <a:buNone/>
+                        <a:tabLst/>
+                        <a:defRPr/>
+                      </a:pPr>
+                      <a:r>
+                        <a:rPr lang="en-US" altLang="ko-KR" b="1" dirty="0"/>
+                        <a:t>series[</a:t>
+                      </a:r>
+                      <a:r>
+                        <a:rPr lang="ko-KR" altLang="en-US" b="0" dirty="0"/>
+                        <a:t>인덱스</a:t>
+                      </a:r>
+                      <a:r>
+                        <a:rPr lang="en-US" altLang="ko-KR" b="1" dirty="0"/>
+                        <a:t>]</a:t>
+                      </a:r>
+                    </a:p>
+                  </a:txBody>
+                  <a:tcPr>
+                    <a:lnL w="12700" cap="flat" cmpd="sng" algn="ctr">
+                      <a:noFill/>
+                      <a:prstDash val="solid"/>
+                      <a:round/>
+                      <a:headEnd type="none" w="med" len="med"/>
+                      <a:tailEnd type="none" w="med" len="med"/>
+                    </a:lnL>
+                    <a:lnR w="12700" cap="flat" cmpd="sng" algn="ctr">
+                      <a:solidFill>
+                        <a:schemeClr val="tx1"/>
+                      </a:solidFill>
+                      <a:prstDash val="solid"/>
+                      <a:round/>
+                      <a:headEnd type="none" w="med" len="med"/>
+                      <a:tailEnd type="none" w="med" len="med"/>
+                    </a:lnR>
+                    <a:lnT w="12700" cmpd="sng">
+                      <a:noFill/>
+                    </a:lnT>
+                    <a:lnB w="12700" cap="flat" cmpd="sng" algn="ctr">
+                      <a:noFill/>
+                      <a:prstDash val="solid"/>
+                      <a:round/>
+                      <a:headEnd type="none" w="med" len="med"/>
+                      <a:tailEnd type="none" w="med" len="med"/>
+                    </a:lnB>
+                  </a:tcPr>
+                </a:tc>
+                <a:tc>
+                  <a:txBody>
+                    <a:bodyPr/>
+                    <a:lstStyle/>
+                    <a:p>
+                      <a:pPr marL="285750" marR="0" lvl="0" indent="-285750" algn="l" defTabSz="914400" rtl="0" eaLnBrk="1" fontAlgn="auto" latinLnBrk="1" hangingPunct="1">
+                        <a:lnSpc>
+                          <a:spcPct val="150000"/>
+                        </a:lnSpc>
+                        <a:spcBef>
+                          <a:spcPts val="0"/>
+                        </a:spcBef>
+                        <a:spcAft>
+                          <a:spcPts val="0"/>
+                        </a:spcAft>
+                        <a:buClrTx/>
+                        <a:buSzTx/>
+                        <a:buFont typeface="Arial" panose="020B0604020202020204" pitchFamily="34" charset="0"/>
+                        <a:buChar char="•"/>
+                        <a:tabLst/>
+                        <a:defRPr/>
+                      </a:pPr>
+                      <a:r>
+                        <a:rPr lang="ko-KR" altLang="en-US" b="0" dirty="0"/>
+                        <a:t>해당 인덱스에 해당하는 값을 불러옴</a:t>
+                      </a:r>
+                    </a:p>
+                  </a:txBody>
+                  <a:tcPr>
+                    <a:lnL w="12700" cap="flat" cmpd="sng" algn="ctr">
+                      <a:solidFill>
+                        <a:schemeClr val="tx1"/>
+                      </a:solidFill>
+                      <a:prstDash val="solid"/>
+                      <a:round/>
+                      <a:headEnd type="none" w="med" len="med"/>
+                      <a:tailEnd type="none" w="med" len="med"/>
+                    </a:lnL>
+                    <a:lnT w="12700" cmpd="sng">
+                      <a:noFill/>
+                    </a:lnT>
+                    <a:lnB w="12700" cap="flat" cmpd="sng" algn="ctr">
+                      <a:noFill/>
+                      <a:prstDash val="solid"/>
+                      <a:round/>
+                      <a:headEnd type="none" w="med" len="med"/>
+                      <a:tailEnd type="none" w="med" len="med"/>
+                    </a:lnB>
+                  </a:tcPr>
+                </a:tc>
+                <a:extLst>
+                  <a:ext uri="{0D108BD9-81ED-4DB2-BD59-A6C34878D82A}">
+                    <a16:rowId xmlns:a16="http://schemas.microsoft.com/office/drawing/2014/main" val="3277534977"/>
+                  </a:ext>
+                </a:extLst>
+              </a:tr>
+              <a:tr h="370840">
+                <a:tc>
+                  <a:txBody>
+                    <a:bodyPr/>
+                    <a:lstStyle/>
+                    <a:p>
+                      <a:pPr marL="0" marR="0" lvl="0" indent="0" algn="l" defTabSz="914400" rtl="0" eaLnBrk="1" fontAlgn="auto" latinLnBrk="1" hangingPunct="1">
+                        <a:lnSpc>
+                          <a:spcPct val="150000"/>
+                        </a:lnSpc>
+                        <a:spcBef>
+                          <a:spcPts val="0"/>
+                        </a:spcBef>
+                        <a:spcAft>
+                          <a:spcPts val="0"/>
+                        </a:spcAft>
+                        <a:buClrTx/>
+                        <a:buSzTx/>
+                        <a:buFontTx/>
+                        <a:buNone/>
+                        <a:tabLst/>
+                        <a:defRPr/>
+                      </a:pPr>
+                      <a:r>
+                        <a:rPr lang="en-US" altLang="ko-KR" b="1" dirty="0"/>
+                        <a:t>Series</a:t>
+                      </a:r>
+                      <a:r>
+                        <a:rPr lang="ko-KR" altLang="en-US" b="1" dirty="0"/>
+                        <a:t>의</a:t>
+                      </a:r>
+                      <a:r>
+                        <a:rPr lang="en-US" altLang="ko-KR" b="1" dirty="0"/>
+                        <a:t> </a:t>
+                      </a:r>
+                      <a:r>
+                        <a:rPr lang="ko-KR" altLang="en-US" b="1" dirty="0"/>
+                        <a:t>사칙연산</a:t>
+                      </a:r>
+                      <a:endParaRPr lang="en-US" altLang="ko-KR" b="1" dirty="0"/>
+                    </a:p>
+                  </a:txBody>
+                  <a:tcPr>
+                    <a:lnL w="12700" cap="flat" cmpd="sng" algn="ctr">
+                      <a:noFill/>
+                      <a:prstDash val="solid"/>
+                      <a:round/>
+                      <a:headEnd type="none" w="med" len="med"/>
+                      <a:tailEnd type="none" w="med" len="med"/>
+                    </a:lnL>
+                    <a:lnR w="12700" cap="flat" cmpd="sng" algn="ctr">
+                      <a:solidFill>
+                        <a:schemeClr val="tx1"/>
+                      </a:solidFill>
+                      <a:prstDash val="solid"/>
+                      <a:round/>
+                      <a:headEnd type="none" w="med" len="med"/>
+                      <a:tailEnd type="none" w="med" len="med"/>
+                    </a:lnR>
+                    <a:lnT w="12700" cmpd="sng">
+                      <a:noFill/>
+                    </a:lnT>
+                    <a:lnB w="12700" cap="flat" cmpd="sng" algn="ctr">
+                      <a:noFill/>
+                      <a:prstDash val="solid"/>
+                      <a:round/>
+                      <a:headEnd type="none" w="med" len="med"/>
+                      <a:tailEnd type="none" w="med" len="med"/>
+                    </a:lnB>
+                  </a:tcPr>
+                </a:tc>
+                <a:tc>
+                  <a:txBody>
+                    <a:bodyPr/>
+                    <a:lstStyle/>
+                    <a:p>
+                      <a:pPr marL="285750" marR="0" lvl="0" indent="-285750" algn="l" defTabSz="914400" rtl="0" eaLnBrk="1" fontAlgn="auto" latinLnBrk="1" hangingPunct="1">
+                        <a:lnSpc>
+                          <a:spcPct val="150000"/>
+                        </a:lnSpc>
+                        <a:spcBef>
+                          <a:spcPts val="0"/>
+                        </a:spcBef>
+                        <a:spcAft>
+                          <a:spcPts val="0"/>
+                        </a:spcAft>
+                        <a:buClrTx/>
+                        <a:buSzTx/>
+                        <a:buFont typeface="Arial" panose="020B0604020202020204" pitchFamily="34" charset="0"/>
+                        <a:buChar char="•"/>
+                        <a:tabLst/>
+                        <a:defRPr/>
+                      </a:pPr>
+                      <a:r>
+                        <a:rPr lang="ko-KR" altLang="en-US" b="0" dirty="0"/>
+                        <a:t>동일한 인덱스를 기준으로 연산</a:t>
+                      </a:r>
+                      <a:endParaRPr lang="en-US" altLang="ko-KR" b="0" dirty="0"/>
+                    </a:p>
+                    <a:p>
+                      <a:pPr marL="285750" marR="0" lvl="0" indent="-285750" algn="l" defTabSz="914400" rtl="0" eaLnBrk="1" fontAlgn="auto" latinLnBrk="1" hangingPunct="1">
+                        <a:lnSpc>
+                          <a:spcPct val="150000"/>
+                        </a:lnSpc>
+                        <a:spcBef>
+                          <a:spcPts val="0"/>
+                        </a:spcBef>
+                        <a:spcAft>
+                          <a:spcPts val="0"/>
+                        </a:spcAft>
+                        <a:buClrTx/>
+                        <a:buSzTx/>
+                        <a:buFont typeface="Arial" panose="020B0604020202020204" pitchFamily="34" charset="0"/>
+                        <a:buChar char="•"/>
+                        <a:tabLst/>
+                        <a:defRPr/>
+                      </a:pPr>
+                      <a:r>
+                        <a:rPr lang="ko-KR" altLang="en-US" b="0" dirty="0"/>
+                        <a:t>둘 중 하나에 </a:t>
+                      </a:r>
+                      <a:r>
+                        <a:rPr lang="ko-KR" altLang="en-US" b="0" dirty="0" err="1"/>
+                        <a:t>결측이</a:t>
+                      </a:r>
+                      <a:r>
+                        <a:rPr lang="ko-KR" altLang="en-US" b="0" dirty="0"/>
+                        <a:t> 존재하면 </a:t>
+                      </a:r>
+                      <a:r>
+                        <a:rPr lang="en-US" altLang="ko-KR" b="0" dirty="0" err="1"/>
+                        <a:t>NaN</a:t>
+                      </a:r>
+                      <a:r>
+                        <a:rPr lang="ko-KR" altLang="en-US" b="0" dirty="0"/>
+                        <a:t>으로 출력</a:t>
+                      </a:r>
+                    </a:p>
+                  </a:txBody>
+                  <a:tcPr>
+                    <a:lnL w="12700" cap="flat" cmpd="sng" algn="ctr">
+                      <a:solidFill>
+                        <a:schemeClr val="tx1"/>
+                      </a:solidFill>
+                      <a:prstDash val="solid"/>
+                      <a:round/>
+                      <a:headEnd type="none" w="med" len="med"/>
+                      <a:tailEnd type="none" w="med" len="med"/>
+                    </a:lnL>
+                    <a:lnT w="12700" cmpd="sng">
+                      <a:noFill/>
+                    </a:lnT>
+                    <a:lnB w="12700" cap="flat" cmpd="sng" algn="ctr">
+                      <a:noFill/>
+                      <a:prstDash val="solid"/>
+                      <a:round/>
+                      <a:headEnd type="none" w="med" len="med"/>
+                      <a:tailEnd type="none" w="med" len="med"/>
+                    </a:lnB>
+                  </a:tcPr>
+                </a:tc>
+                <a:extLst>
+                  <a:ext uri="{0D108BD9-81ED-4DB2-BD59-A6C34878D82A}">
+                    <a16:rowId xmlns:a16="http://schemas.microsoft.com/office/drawing/2014/main" val="1353185641"/>
+                  </a:ext>
+                </a:extLst>
+              </a:tr>
+            </a:tbl>
+          </a:graphicData>
+        </a:graphic>
+      </p:graphicFrame>
+    </p:spTree>
+    <p:extLst>
+      <p:ext uri="{BB962C8B-B14F-4D97-AF65-F5344CB8AC3E}">
+        <p14:creationId xmlns:p14="http://schemas.microsoft.com/office/powerpoint/2010/main" val="2795419978"/>
+      </p:ext>
+    </p:extLst>
+  </p:cSld>
+  <p:clrMapOvr>
+    <a:masterClrMapping/>
+  </p:clrMapOvr>
+</p:sld>
+</file>
+
+<file path=ppt/slides/slide14.xml><?xml version="1.0" encoding="utf-8"?>
+<p:sld xmlns:a="http://schemas.openxmlformats.org/drawingml/2006/main" xmlns:r="http://schemas.openxmlformats.org/officeDocument/2006/relationships" xmlns:p="http://schemas.openxmlformats.org/presentationml/2006/main">
+  <p:cSld>
+    <p:spTree>
+      <p:nvGrpSpPr>
+        <p:cNvPr id="1" name=""/>
+        <p:cNvGrpSpPr/>
+        <p:nvPr/>
+      </p:nvGrpSpPr>
+      <p:grpSpPr>
+        <a:xfrm>
+          <a:off x="0" y="0"/>
+          <a:ext cx="0" cy="0"/>
+          <a:chOff x="0" y="0"/>
+          <a:chExt cx="0" cy="0"/>
+        </a:xfrm>
+      </p:grpSpPr>
+      <p:graphicFrame>
+        <p:nvGraphicFramePr>
+          <p:cNvPr id="2" name="표 1">
+            <a:extLst>
+              <a:ext uri="{FF2B5EF4-FFF2-40B4-BE49-F238E27FC236}">
+                <a16:creationId xmlns:a16="http://schemas.microsoft.com/office/drawing/2014/main" id="{317D1F58-19A4-493F-BF53-E38506C7470E}"/>
+              </a:ext>
+            </a:extLst>
+          </p:cNvPr>
+          <p:cNvGraphicFramePr>
+            <a:graphicFrameLocks noGrp="1"/>
+          </p:cNvGraphicFramePr>
+          <p:nvPr>
+            <p:extLst>
+              <p:ext uri="{D42A27DB-BD31-4B8C-83A1-F6EECF244321}">
+                <p14:modId xmlns:p14="http://schemas.microsoft.com/office/powerpoint/2010/main" val="172102005"/>
+              </p:ext>
+            </p:extLst>
+          </p:nvPr>
+        </p:nvGraphicFramePr>
+        <p:xfrm>
+          <a:off x="156000" y="170245"/>
+          <a:ext cx="11880000" cy="11005824"/>
+        </p:xfrm>
+        <a:graphic>
+          <a:graphicData uri="http://schemas.openxmlformats.org/drawingml/2006/table">
+            <a:tbl>
+              <a:tblPr firstRow="1" bandRow="1">
+                <a:tableStyleId>{5FD0F851-EC5A-4D38-B0AD-8093EC10F338}</a:tableStyleId>
+              </a:tblPr>
+              <a:tblGrid>
+                <a:gridCol w="6120000">
+                  <a:extLst>
+                    <a:ext uri="{9D8B030D-6E8A-4147-A177-3AD203B41FA5}">
+                      <a16:colId xmlns:a16="http://schemas.microsoft.com/office/drawing/2014/main" val="3349319659"/>
+                    </a:ext>
+                  </a:extLst>
+                </a:gridCol>
+                <a:gridCol w="5760000">
+                  <a:extLst>
+                    <a:ext uri="{9D8B030D-6E8A-4147-A177-3AD203B41FA5}">
+                      <a16:colId xmlns:a16="http://schemas.microsoft.com/office/drawing/2014/main" val="3857639582"/>
+                    </a:ext>
+                  </a:extLst>
+                </a:gridCol>
+              </a:tblGrid>
+              <a:tr h="370840">
+                <a:tc>
+                  <a:txBody>
+                    <a:bodyPr/>
+                    <a:lstStyle/>
+                    <a:p>
+                      <a:pPr latinLnBrk="1">
+                        <a:lnSpc>
+                          <a:spcPct val="150000"/>
+                        </a:lnSpc>
+                      </a:pPr>
+                      <a:r>
+                        <a:rPr lang="en-US" altLang="ko-KR" b="1" dirty="0"/>
+                        <a:t>df</a:t>
+                      </a:r>
+                      <a:r>
+                        <a:rPr lang="ko-KR" altLang="en-US" b="1" dirty="0"/>
+                        <a:t> </a:t>
+                      </a:r>
+                      <a:r>
+                        <a:rPr lang="en-US" altLang="ko-KR" b="1" dirty="0"/>
+                        <a:t>=</a:t>
+                      </a:r>
+                      <a:r>
+                        <a:rPr lang="ko-KR" altLang="en-US" b="1" dirty="0"/>
+                        <a:t> </a:t>
+                      </a:r>
+                      <a:r>
+                        <a:rPr lang="en-US" altLang="ko-KR" b="1" dirty="0" err="1"/>
+                        <a:t>pd.DataFrame</a:t>
+                      </a:r>
+                      <a:r>
+                        <a:rPr lang="en-US" altLang="ko-KR" b="1" dirty="0"/>
+                        <a:t>(</a:t>
+                      </a:r>
+                      <a:r>
+                        <a:rPr lang="en-US" altLang="ko-KR" b="0" dirty="0"/>
+                        <a:t>2</a:t>
+                      </a:r>
+                      <a:r>
+                        <a:rPr lang="ko-KR" altLang="en-US" b="0" dirty="0"/>
+                        <a:t>차원 배열</a:t>
+                      </a:r>
+                      <a:r>
+                        <a:rPr lang="en-US" altLang="ko-KR" b="0" dirty="0"/>
+                        <a:t>,</a:t>
+                      </a:r>
+                    </a:p>
+                    <a:p>
+                      <a:pPr lvl="3" latinLnBrk="1">
+                        <a:lnSpc>
+                          <a:spcPct val="150000"/>
+                        </a:lnSpc>
+                      </a:pPr>
+                      <a:r>
+                        <a:rPr lang="en-US" altLang="ko-KR" b="0" dirty="0"/>
+                        <a:t>index = </a:t>
+                      </a:r>
+                      <a:r>
+                        <a:rPr lang="ko-KR" altLang="en-US" b="0" dirty="0"/>
+                        <a:t>인덱스</a:t>
+                      </a:r>
+                      <a:r>
+                        <a:rPr lang="en-US" altLang="ko-KR" b="0" dirty="0"/>
+                        <a:t>(</a:t>
+                      </a:r>
+                      <a:r>
+                        <a:rPr lang="ko-KR" altLang="en-US" b="0" dirty="0"/>
+                        <a:t>행</a:t>
+                      </a:r>
+                      <a:r>
+                        <a:rPr lang="en-US" altLang="ko-KR" b="0" dirty="0"/>
+                        <a:t>)</a:t>
+                      </a:r>
+                      <a:r>
+                        <a:rPr lang="ko-KR" altLang="en-US" b="0" dirty="0"/>
+                        <a:t> 리스트</a:t>
+                      </a:r>
+                      <a:r>
+                        <a:rPr lang="en-US" altLang="ko-KR" b="0" dirty="0"/>
+                        <a:t>,</a:t>
+                      </a:r>
+                    </a:p>
+                    <a:p>
+                      <a:pPr lvl="3" latinLnBrk="1">
+                        <a:lnSpc>
+                          <a:spcPct val="150000"/>
+                        </a:lnSpc>
+                      </a:pPr>
+                      <a:r>
+                        <a:rPr lang="en-US" altLang="ko-KR" b="0" dirty="0"/>
+                        <a:t>columns = </a:t>
+                      </a:r>
+                      <a:r>
+                        <a:rPr lang="ko-KR" altLang="en-US" b="0" dirty="0"/>
+                        <a:t>칼럼</a:t>
+                      </a:r>
+                      <a:r>
+                        <a:rPr lang="en-US" altLang="ko-KR" b="0" dirty="0"/>
+                        <a:t>(</a:t>
+                      </a:r>
+                      <a:r>
+                        <a:rPr lang="ko-KR" altLang="en-US" b="0" dirty="0"/>
+                        <a:t>열</a:t>
+                      </a:r>
+                      <a:r>
+                        <a:rPr lang="en-US" altLang="ko-KR" b="0" dirty="0"/>
+                        <a:t>)</a:t>
+                      </a:r>
+                      <a:r>
+                        <a:rPr lang="ko-KR" altLang="en-US" b="0" dirty="0"/>
+                        <a:t> 리스트</a:t>
+                      </a:r>
+                      <a:r>
+                        <a:rPr lang="en-US" altLang="ko-KR" b="1" dirty="0"/>
+                        <a:t>)</a:t>
+                      </a:r>
+                    </a:p>
+                  </a:txBody>
+                  <a:tcPr>
+                    <a:lnL w="12700" cap="flat" cmpd="sng" algn="ctr">
+                      <a:noFill/>
+                      <a:prstDash val="solid"/>
+                      <a:round/>
+                      <a:headEnd type="none" w="med" len="med"/>
+                      <a:tailEnd type="none" w="med" len="med"/>
+                    </a:lnL>
+                    <a:lnR w="12700" cap="flat" cmpd="sng" algn="ctr">
+                      <a:solidFill>
+                        <a:schemeClr val="tx1"/>
+                      </a:solidFill>
+                      <a:prstDash val="solid"/>
+                      <a:round/>
+                      <a:headEnd type="none" w="med" len="med"/>
+                      <a:tailEnd type="none" w="med" len="med"/>
+                    </a:lnR>
+                    <a:lnB w="12700" cap="flat" cmpd="sng" algn="ctr">
+                      <a:noFill/>
+                      <a:prstDash val="solid"/>
+                      <a:round/>
+                      <a:headEnd type="none" w="med" len="med"/>
+                      <a:tailEnd type="none" w="med" len="med"/>
+                    </a:lnB>
+                  </a:tcPr>
+                </a:tc>
+                <a:tc>
+                  <a:txBody>
+                    <a:bodyPr/>
+                    <a:lstStyle/>
+                    <a:p>
+                      <a:pPr marL="285750" indent="-285750" latinLnBrk="1">
+                        <a:lnSpc>
+                          <a:spcPct val="150000"/>
+                        </a:lnSpc>
+                        <a:buFont typeface="Arial" panose="020B0604020202020204" pitchFamily="34" charset="0"/>
+                        <a:buChar char="•"/>
+                      </a:pPr>
+                      <a:r>
+                        <a:rPr lang="ko-KR" altLang="en-US" b="0" dirty="0"/>
+                        <a:t>한 개 이상의 여러 개의 열로 구성</a:t>
+                      </a:r>
+                      <a:r>
+                        <a:rPr lang="en-US" altLang="ko-KR" b="0" dirty="0"/>
+                        <a:t>(=</a:t>
+                      </a:r>
+                      <a:r>
+                        <a:rPr lang="ko-KR" altLang="en-US" b="0" dirty="0"/>
+                        <a:t>표</a:t>
+                      </a:r>
+                      <a:r>
+                        <a:rPr lang="en-US" altLang="ko-KR" b="0" dirty="0"/>
+                        <a:t>)</a:t>
+                      </a:r>
+                    </a:p>
+                    <a:p>
+                      <a:pPr marL="285750" indent="-285750" latinLnBrk="1">
+                        <a:lnSpc>
+                          <a:spcPct val="150000"/>
+                        </a:lnSpc>
+                        <a:buFont typeface="Arial" panose="020B0604020202020204" pitchFamily="34" charset="0"/>
+                        <a:buChar char="•"/>
+                      </a:pPr>
+                      <a:r>
+                        <a:rPr lang="ko-KR" altLang="en-US" b="0" dirty="0"/>
+                        <a:t>각 열은 다른 종류의 자료형을 담을 수 있음</a:t>
+                      </a:r>
+                      <a:endParaRPr lang="en-US" altLang="ko-KR" b="0" dirty="0"/>
+                    </a:p>
+                    <a:p>
+                      <a:pPr marL="285750" indent="-285750" latinLnBrk="1">
+                        <a:lnSpc>
+                          <a:spcPct val="150000"/>
+                        </a:lnSpc>
+                        <a:buFont typeface="Arial" panose="020B0604020202020204" pitchFamily="34" charset="0"/>
+                        <a:buChar char="•"/>
+                      </a:pPr>
+                      <a:r>
+                        <a:rPr lang="ko-KR" altLang="en-US" b="0" dirty="0"/>
+                        <a:t>인덱스가 같은 </a:t>
+                      </a:r>
+                      <a:r>
+                        <a:rPr lang="en-US" altLang="ko-KR" b="0" dirty="0"/>
+                        <a:t>Series</a:t>
+                      </a:r>
+                      <a:r>
+                        <a:rPr lang="ko-KR" altLang="en-US" b="0" dirty="0"/>
+                        <a:t>들의 집합</a:t>
+                      </a:r>
+                      <a:endParaRPr lang="en-US" altLang="ko-KR" b="0" dirty="0"/>
+                    </a:p>
+                    <a:p>
+                      <a:pPr marL="285750" indent="-285750" latinLnBrk="1">
+                        <a:lnSpc>
+                          <a:spcPct val="150000"/>
+                        </a:lnSpc>
+                        <a:buFont typeface="Arial" panose="020B0604020202020204" pitchFamily="34" charset="0"/>
+                        <a:buChar char="•"/>
+                      </a:pPr>
+                      <a:r>
+                        <a:rPr lang="ko-KR" altLang="en-US" b="0" dirty="0"/>
+                        <a:t>인덱스</a:t>
+                      </a:r>
+                      <a:r>
+                        <a:rPr lang="en-US" altLang="ko-KR" b="0" dirty="0"/>
+                        <a:t>(</a:t>
+                      </a:r>
+                      <a:r>
+                        <a:rPr lang="ko-KR" altLang="en-US" b="0" dirty="0"/>
+                        <a:t>행</a:t>
+                      </a:r>
+                      <a:r>
+                        <a:rPr lang="en-US" altLang="ko-KR" b="0" dirty="0"/>
+                        <a:t>)</a:t>
+                      </a:r>
+                      <a:r>
+                        <a:rPr lang="ko-KR" altLang="en-US" b="0" dirty="0"/>
+                        <a:t>와 칼럼</a:t>
+                      </a:r>
+                      <a:r>
+                        <a:rPr lang="en-US" altLang="ko-KR" b="0" dirty="0"/>
+                        <a:t>(</a:t>
+                      </a:r>
+                      <a:r>
+                        <a:rPr lang="ko-KR" altLang="en-US" b="0" dirty="0"/>
+                        <a:t>열</a:t>
+                      </a:r>
+                      <a:r>
+                        <a:rPr lang="en-US" altLang="ko-KR" b="0" dirty="0"/>
+                        <a:t>)</a:t>
+                      </a:r>
+                      <a:r>
+                        <a:rPr lang="ko-KR" altLang="en-US" b="0" dirty="0"/>
+                        <a:t>을 지정할 수 있음</a:t>
+                      </a:r>
+                    </a:p>
+                  </a:txBody>
+                  <a:tcPr>
+                    <a:lnL w="12700" cap="flat" cmpd="sng" algn="ctr">
+                      <a:solidFill>
+                        <a:schemeClr val="tx1"/>
+                      </a:solidFill>
+                      <a:prstDash val="solid"/>
+                      <a:round/>
+                      <a:headEnd type="none" w="med" len="med"/>
+                      <a:tailEnd type="none" w="med" len="med"/>
+                    </a:lnL>
+                    <a:lnB w="12700" cap="flat" cmpd="sng" algn="ctr">
+                      <a:noFill/>
+                      <a:prstDash val="solid"/>
+                      <a:round/>
+                      <a:headEnd type="none" w="med" len="med"/>
+                      <a:tailEnd type="none" w="med" len="med"/>
+                    </a:lnB>
+                  </a:tcPr>
+                </a:tc>
+                <a:extLst>
+                  <a:ext uri="{0D108BD9-81ED-4DB2-BD59-A6C34878D82A}">
+                    <a16:rowId xmlns:a16="http://schemas.microsoft.com/office/drawing/2014/main" val="1699189099"/>
+                  </a:ext>
+                </a:extLst>
+              </a:tr>
+              <a:tr h="370840">
+                <a:tc>
+                  <a:txBody>
+                    <a:bodyPr/>
+                    <a:lstStyle/>
+                    <a:p>
+                      <a:pPr latinLnBrk="1">
+                        <a:lnSpc>
+                          <a:spcPct val="150000"/>
+                        </a:lnSpc>
+                      </a:pPr>
+                      <a:r>
+                        <a:rPr lang="en-US" altLang="ko-KR" b="1" dirty="0"/>
+                        <a:t>df = </a:t>
+                      </a:r>
+                      <a:r>
+                        <a:rPr lang="en-US" altLang="ko-KR" b="1" dirty="0" err="1"/>
+                        <a:t>pd.DataFrame</a:t>
+                      </a:r>
+                      <a:r>
+                        <a:rPr lang="en-US" altLang="ko-KR" b="1" dirty="0"/>
+                        <a:t>(</a:t>
+                      </a:r>
+                      <a:r>
+                        <a:rPr lang="en-US" altLang="ko-KR" b="0" dirty="0"/>
+                        <a:t>{</a:t>
+                      </a:r>
+                      <a:r>
+                        <a:rPr lang="ko-KR" altLang="en-US" b="0" dirty="0"/>
+                        <a:t>칼럼</a:t>
+                      </a:r>
+                      <a:r>
+                        <a:rPr lang="en-US" altLang="ko-KR" b="0" dirty="0"/>
+                        <a:t>1: [</a:t>
+                      </a:r>
+                      <a:r>
+                        <a:rPr lang="ko-KR" altLang="en-US" b="0" dirty="0"/>
+                        <a:t>인덱스</a:t>
+                      </a:r>
+                      <a:r>
+                        <a:rPr lang="en-US" altLang="ko-KR" b="0" dirty="0"/>
+                        <a:t>1 </a:t>
+                      </a:r>
+                      <a:r>
+                        <a:rPr lang="ko-KR" altLang="en-US" b="0" dirty="0"/>
+                        <a:t>값</a:t>
+                      </a:r>
+                      <a:r>
+                        <a:rPr lang="en-US" altLang="ko-KR" b="0" dirty="0"/>
+                        <a:t>, </a:t>
+                      </a:r>
+                      <a:r>
+                        <a:rPr lang="ko-KR" altLang="en-US" b="0" dirty="0"/>
+                        <a:t>인덱스</a:t>
+                      </a:r>
+                      <a:r>
+                        <a:rPr lang="en-US" altLang="ko-KR" b="0" dirty="0"/>
+                        <a:t>2 </a:t>
+                      </a:r>
+                      <a:r>
+                        <a:rPr lang="ko-KR" altLang="en-US" b="0" dirty="0"/>
+                        <a:t>값</a:t>
+                      </a:r>
+                      <a:r>
+                        <a:rPr lang="en-US" altLang="ko-KR" b="0" dirty="0"/>
+                        <a:t>, …],</a:t>
+                      </a:r>
+                    </a:p>
+                    <a:p>
+                      <a:pPr lvl="3" latinLnBrk="1">
+                        <a:lnSpc>
+                          <a:spcPct val="150000"/>
+                        </a:lnSpc>
+                      </a:pPr>
+                      <a:r>
+                        <a:rPr lang="ko-KR" altLang="en-US" b="0" dirty="0"/>
+                        <a:t>칼럼</a:t>
+                      </a:r>
+                      <a:r>
+                        <a:rPr lang="en-US" altLang="ko-KR" b="0" dirty="0"/>
+                        <a:t>2: [</a:t>
+                      </a:r>
+                      <a:r>
+                        <a:rPr lang="ko-KR" altLang="en-US" b="0" dirty="0"/>
+                        <a:t>인덱스</a:t>
+                      </a:r>
+                      <a:r>
+                        <a:rPr lang="en-US" altLang="ko-KR" b="0" dirty="0"/>
+                        <a:t>1 </a:t>
+                      </a:r>
+                      <a:r>
+                        <a:rPr lang="ko-KR" altLang="en-US" b="0" dirty="0"/>
+                        <a:t>값</a:t>
+                      </a:r>
+                      <a:r>
+                        <a:rPr lang="en-US" altLang="ko-KR" b="0" dirty="0"/>
+                        <a:t>, </a:t>
+                      </a:r>
+                      <a:r>
+                        <a:rPr lang="ko-KR" altLang="en-US" b="0" dirty="0"/>
+                        <a:t>인덱스</a:t>
+                      </a:r>
+                      <a:r>
+                        <a:rPr lang="en-US" altLang="ko-KR" b="0" dirty="0"/>
+                        <a:t>2 </a:t>
+                      </a:r>
+                      <a:r>
+                        <a:rPr lang="ko-KR" altLang="en-US" b="0" dirty="0"/>
+                        <a:t>값</a:t>
+                      </a:r>
+                      <a:r>
+                        <a:rPr lang="en-US" altLang="ko-KR" b="0" dirty="0"/>
+                        <a:t>, …], …},</a:t>
+                      </a:r>
+                    </a:p>
+                    <a:p>
+                      <a:pPr lvl="3" latinLnBrk="1">
+                        <a:lnSpc>
+                          <a:spcPct val="150000"/>
+                        </a:lnSpc>
+                      </a:pPr>
+                      <a:r>
+                        <a:rPr lang="en-US" altLang="ko-KR" b="0" dirty="0"/>
+                        <a:t>index = </a:t>
+                      </a:r>
+                      <a:r>
+                        <a:rPr lang="ko-KR" altLang="en-US" b="0" dirty="0"/>
+                        <a:t>인덱스</a:t>
+                      </a:r>
+                      <a:r>
+                        <a:rPr lang="en-US" altLang="ko-KR" b="0" dirty="0"/>
+                        <a:t>(</a:t>
+                      </a:r>
+                      <a:r>
+                        <a:rPr lang="ko-KR" altLang="en-US" b="0" dirty="0"/>
+                        <a:t>행</a:t>
+                      </a:r>
+                      <a:r>
+                        <a:rPr lang="en-US" altLang="ko-KR" b="0" dirty="0"/>
+                        <a:t>)</a:t>
+                      </a:r>
+                      <a:r>
+                        <a:rPr lang="ko-KR" altLang="en-US" b="0" dirty="0"/>
+                        <a:t> 리스트</a:t>
+                      </a:r>
+                      <a:r>
+                        <a:rPr lang="en-US" altLang="ko-KR" b="1" dirty="0"/>
+                        <a:t>)</a:t>
+                      </a:r>
+                    </a:p>
+                  </a:txBody>
+                  <a:tcPr>
+                    <a:lnL w="12700" cap="flat" cmpd="sng" algn="ctr">
+                      <a:noFill/>
+                      <a:prstDash val="solid"/>
+                      <a:round/>
+                      <a:headEnd type="none" w="med" len="med"/>
+                      <a:tailEnd type="none" w="med" len="med"/>
+                    </a:lnL>
+                    <a:lnR w="12700" cap="flat" cmpd="sng" algn="ctr">
+                      <a:solidFill>
+                        <a:schemeClr val="tx1"/>
+                      </a:solidFill>
+                      <a:prstDash val="solid"/>
+                      <a:round/>
+                      <a:headEnd type="none" w="med" len="med"/>
+                      <a:tailEnd type="none" w="med" len="med"/>
+                    </a:lnR>
+                    <a:lnT w="12700" cmpd="sng">
+                      <a:noFill/>
+                    </a:lnT>
+                    <a:lnB w="12700" cap="flat" cmpd="sng" algn="ctr">
+                      <a:noFill/>
+                      <a:prstDash val="solid"/>
+                      <a:round/>
+                      <a:headEnd type="none" w="med" len="med"/>
+                      <a:tailEnd type="none" w="med" len="med"/>
+                    </a:lnB>
+                  </a:tcPr>
+                </a:tc>
+                <a:tc>
+                  <a:txBody>
+                    <a:bodyPr/>
+                    <a:lstStyle/>
+                    <a:p>
+                      <a:pPr marL="285750" marR="0" lvl="0" indent="-285750" algn="l" defTabSz="914400" rtl="0" eaLnBrk="1" fontAlgn="auto" latinLnBrk="1" hangingPunct="1">
+                        <a:lnSpc>
+                          <a:spcPct val="150000"/>
+                        </a:lnSpc>
+                        <a:spcBef>
+                          <a:spcPts val="0"/>
+                        </a:spcBef>
+                        <a:spcAft>
+                          <a:spcPts val="0"/>
+                        </a:spcAft>
+                        <a:buClrTx/>
+                        <a:buSzTx/>
+                        <a:buFont typeface="Arial" panose="020B0604020202020204" pitchFamily="34" charset="0"/>
+                        <a:buChar char="•"/>
+                        <a:tabLst/>
+                        <a:defRPr/>
+                      </a:pPr>
+                      <a:r>
+                        <a:rPr lang="ko-KR" altLang="en-US" b="0" dirty="0" err="1"/>
+                        <a:t>딕셔너리</a:t>
+                      </a:r>
+                      <a:r>
+                        <a:rPr lang="ko-KR" altLang="en-US" b="0" dirty="0"/>
+                        <a:t> 자료형으로 만들 경우</a:t>
+                      </a:r>
+                      <a:r>
+                        <a:rPr lang="en-US" altLang="ko-KR" b="0" dirty="0"/>
+                        <a:t> </a:t>
+                      </a:r>
+                      <a:r>
+                        <a:rPr lang="ko-KR" altLang="en-US" b="0" dirty="0"/>
+                        <a:t>순차적으로 저장되지 않음</a:t>
+                      </a:r>
+                    </a:p>
+                  </a:txBody>
+                  <a:tcPr>
+                    <a:lnL w="12700" cap="flat" cmpd="sng" algn="ctr">
+                      <a:solidFill>
+                        <a:schemeClr val="tx1"/>
+                      </a:solidFill>
+                      <a:prstDash val="solid"/>
+                      <a:round/>
+                      <a:headEnd type="none" w="med" len="med"/>
+                      <a:tailEnd type="none" w="med" len="med"/>
+                    </a:lnL>
+                    <a:lnT w="12700" cmpd="sng">
+                      <a:noFill/>
+                    </a:lnT>
+                    <a:lnB w="12700" cap="flat" cmpd="sng" algn="ctr">
+                      <a:noFill/>
+                      <a:prstDash val="solid"/>
+                      <a:round/>
+                      <a:headEnd type="none" w="med" len="med"/>
+                      <a:tailEnd type="none" w="med" len="med"/>
+                    </a:lnB>
+                  </a:tcPr>
+                </a:tc>
+                <a:extLst>
+                  <a:ext uri="{0D108BD9-81ED-4DB2-BD59-A6C34878D82A}">
+                    <a16:rowId xmlns:a16="http://schemas.microsoft.com/office/drawing/2014/main" val="1485324030"/>
+                  </a:ext>
+                </a:extLst>
+              </a:tr>
+              <a:tr h="370840">
+                <a:tc>
+                  <a:txBody>
+                    <a:bodyPr/>
+                    <a:lstStyle/>
+                    <a:p>
+                      <a:pPr marL="0" marR="0" lvl="0" indent="0" algn="l" defTabSz="914400" rtl="0" eaLnBrk="1" fontAlgn="auto" latinLnBrk="1" hangingPunct="1">
+                        <a:lnSpc>
+                          <a:spcPct val="150000"/>
+                        </a:lnSpc>
+                        <a:spcBef>
+                          <a:spcPts val="0"/>
+                        </a:spcBef>
+                        <a:spcAft>
+                          <a:spcPts val="0"/>
+                        </a:spcAft>
+                        <a:buClrTx/>
+                        <a:buSzTx/>
+                        <a:buFontTx/>
+                        <a:buNone/>
+                        <a:tabLst/>
+                        <a:defRPr/>
+                      </a:pPr>
+                      <a:r>
+                        <a:rPr lang="en-US" altLang="ko-KR" b="1" dirty="0"/>
+                        <a:t>df[</a:t>
+                      </a:r>
+                      <a:r>
+                        <a:rPr lang="ko-KR" altLang="en-US" b="0" dirty="0"/>
+                        <a:t>칼럼</a:t>
+                      </a:r>
+                      <a:r>
+                        <a:rPr lang="en-US" altLang="ko-KR" b="1" dirty="0"/>
+                        <a:t>][</a:t>
+                      </a:r>
+                      <a:r>
+                        <a:rPr lang="ko-KR" altLang="en-US" b="0" dirty="0"/>
+                        <a:t>인덱스</a:t>
+                      </a:r>
+                      <a:r>
+                        <a:rPr lang="en-US" altLang="ko-KR" b="1" dirty="0"/>
+                        <a:t>] </a:t>
+                      </a:r>
+                      <a:r>
+                        <a:rPr lang="ko-KR" altLang="en-US" b="1" dirty="0"/>
+                        <a:t>또는</a:t>
+                      </a:r>
+                      <a:endParaRPr lang="en-US" altLang="ko-KR" b="1" dirty="0"/>
+                    </a:p>
+                    <a:p>
+                      <a:pPr marL="0" marR="0" lvl="0" indent="0" algn="l" defTabSz="914400" rtl="0" eaLnBrk="1" fontAlgn="auto" latinLnBrk="1" hangingPunct="1">
+                        <a:lnSpc>
+                          <a:spcPct val="150000"/>
+                        </a:lnSpc>
+                        <a:spcBef>
+                          <a:spcPts val="0"/>
+                        </a:spcBef>
+                        <a:spcAft>
+                          <a:spcPts val="0"/>
+                        </a:spcAft>
+                        <a:buClrTx/>
+                        <a:buSzTx/>
+                        <a:buFontTx/>
+                        <a:buNone/>
+                        <a:tabLst/>
+                        <a:defRPr/>
+                      </a:pPr>
+                      <a:r>
+                        <a:rPr lang="en-US" altLang="ko-KR" b="1" dirty="0" err="1"/>
+                        <a:t>df.loc</a:t>
+                      </a:r>
+                      <a:r>
+                        <a:rPr lang="en-US" altLang="ko-KR" b="1" dirty="0"/>
+                        <a:t>[</a:t>
+                      </a:r>
+                      <a:r>
+                        <a:rPr lang="ko-KR" altLang="en-US" b="0" dirty="0"/>
+                        <a:t>인덱스</a:t>
+                      </a:r>
+                      <a:r>
+                        <a:rPr lang="en-US" altLang="ko-KR" b="0" dirty="0"/>
+                        <a:t>, </a:t>
+                      </a:r>
+                      <a:r>
+                        <a:rPr lang="ko-KR" altLang="en-US" b="0" dirty="0"/>
+                        <a:t>칼럼</a:t>
+                      </a:r>
+                      <a:r>
+                        <a:rPr lang="en-US" altLang="ko-KR" b="1" dirty="0"/>
+                        <a:t>]</a:t>
+                      </a:r>
+                    </a:p>
+                  </a:txBody>
+                  <a:tcPr>
+                    <a:lnL w="12700" cap="flat" cmpd="sng" algn="ctr">
+                      <a:noFill/>
+                      <a:prstDash val="solid"/>
+                      <a:round/>
+                      <a:headEnd type="none" w="med" len="med"/>
+                      <a:tailEnd type="none" w="med" len="med"/>
+                    </a:lnL>
+                    <a:lnR w="12700" cap="flat" cmpd="sng" algn="ctr">
+                      <a:solidFill>
+                        <a:schemeClr val="tx1"/>
+                      </a:solidFill>
+                      <a:prstDash val="solid"/>
+                      <a:round/>
+                      <a:headEnd type="none" w="med" len="med"/>
+                      <a:tailEnd type="none" w="med" len="med"/>
+                    </a:lnR>
+                    <a:lnT w="12700" cmpd="sng">
+                      <a:noFill/>
+                    </a:lnT>
+                    <a:lnB w="12700" cap="flat" cmpd="sng" algn="ctr">
+                      <a:noFill/>
+                      <a:prstDash val="solid"/>
+                      <a:round/>
+                      <a:headEnd type="none" w="med" len="med"/>
+                      <a:tailEnd type="none" w="med" len="med"/>
+                    </a:lnB>
+                  </a:tcPr>
+                </a:tc>
+                <a:tc>
+                  <a:txBody>
+                    <a:bodyPr/>
+                    <a:lstStyle/>
+                    <a:p>
+                      <a:pPr marL="285750" marR="0" lvl="0" indent="-285750" algn="l" defTabSz="914400" rtl="0" eaLnBrk="1" fontAlgn="auto" latinLnBrk="1" hangingPunct="1">
+                        <a:lnSpc>
+                          <a:spcPct val="150000"/>
+                        </a:lnSpc>
+                        <a:spcBef>
+                          <a:spcPts val="0"/>
+                        </a:spcBef>
+                        <a:spcAft>
+                          <a:spcPts val="0"/>
+                        </a:spcAft>
+                        <a:buClrTx/>
+                        <a:buSzTx/>
+                        <a:buFont typeface="Arial" panose="020B0604020202020204" pitchFamily="34" charset="0"/>
+                        <a:buChar char="•"/>
+                        <a:tabLst/>
+                        <a:defRPr/>
+                      </a:pPr>
+                      <a:r>
+                        <a:rPr lang="ko-KR" altLang="en-US" b="0" dirty="0"/>
+                        <a:t>해당하는 칼럼에서 특정 인덱스의 값을 추출</a:t>
+                      </a:r>
+                    </a:p>
+                  </a:txBody>
+                  <a:tcPr>
+                    <a:lnL w="12700" cap="flat" cmpd="sng" algn="ctr">
+                      <a:solidFill>
+                        <a:schemeClr val="tx1"/>
+                      </a:solidFill>
+                      <a:prstDash val="solid"/>
+                      <a:round/>
+                      <a:headEnd type="none" w="med" len="med"/>
+                      <a:tailEnd type="none" w="med" len="med"/>
+                    </a:lnL>
+                    <a:lnT w="12700" cmpd="sng">
+                      <a:noFill/>
+                    </a:lnT>
+                    <a:lnB w="12700" cap="flat" cmpd="sng" algn="ctr">
+                      <a:noFill/>
+                      <a:prstDash val="solid"/>
+                      <a:round/>
+                      <a:headEnd type="none" w="med" len="med"/>
+                      <a:tailEnd type="none" w="med" len="med"/>
+                    </a:lnB>
+                  </a:tcPr>
+                </a:tc>
+                <a:extLst>
+                  <a:ext uri="{0D108BD9-81ED-4DB2-BD59-A6C34878D82A}">
+                    <a16:rowId xmlns:a16="http://schemas.microsoft.com/office/drawing/2014/main" val="966678781"/>
+                  </a:ext>
+                </a:extLst>
+              </a:tr>
+              <a:tr h="370840">
+                <a:tc>
+                  <a:txBody>
+                    <a:bodyPr/>
+                    <a:lstStyle/>
+                    <a:p>
+                      <a:pPr marL="0" marR="0" lvl="0" indent="0" algn="l" defTabSz="914400" rtl="0" eaLnBrk="1" fontAlgn="auto" latinLnBrk="1" hangingPunct="1">
+                        <a:lnSpc>
+                          <a:spcPct val="150000"/>
+                        </a:lnSpc>
+                        <a:spcBef>
+                          <a:spcPts val="0"/>
+                        </a:spcBef>
+                        <a:spcAft>
+                          <a:spcPts val="0"/>
+                        </a:spcAft>
+                        <a:buClrTx/>
+                        <a:buSzTx/>
+                        <a:buFontTx/>
+                        <a:buNone/>
+                        <a:tabLst/>
+                        <a:defRPr/>
+                      </a:pPr>
+                      <a:r>
+                        <a:rPr lang="en-US" altLang="ko-KR" b="1" dirty="0"/>
+                        <a:t>df[</a:t>
+                      </a:r>
+                      <a:r>
+                        <a:rPr lang="ko-KR" altLang="en-US" b="0" dirty="0"/>
+                        <a:t>칼럼</a:t>
+                      </a:r>
+                      <a:r>
+                        <a:rPr lang="en-US" altLang="ko-KR" b="1" dirty="0"/>
+                        <a:t>] = </a:t>
+                      </a:r>
+                      <a:r>
+                        <a:rPr lang="ko-KR" altLang="en-US" b="0" dirty="0"/>
+                        <a:t>배열</a:t>
+                      </a:r>
+                      <a:endParaRPr lang="en-US" altLang="ko-KR" b="0" dirty="0"/>
+                    </a:p>
+                  </a:txBody>
+                  <a:tcPr>
+                    <a:lnL w="12700" cap="flat" cmpd="sng" algn="ctr">
+                      <a:noFill/>
+                      <a:prstDash val="solid"/>
+                      <a:round/>
+                      <a:headEnd type="none" w="med" len="med"/>
+                      <a:tailEnd type="none" w="med" len="med"/>
+                    </a:lnL>
+                    <a:lnR w="12700" cap="flat" cmpd="sng" algn="ctr">
+                      <a:solidFill>
+                        <a:schemeClr val="tx1"/>
+                      </a:solidFill>
+                      <a:prstDash val="solid"/>
+                      <a:round/>
+                      <a:headEnd type="none" w="med" len="med"/>
+                      <a:tailEnd type="none" w="med" len="med"/>
+                    </a:lnR>
+                    <a:lnT w="12700" cmpd="sng">
+                      <a:noFill/>
+                    </a:lnT>
+                    <a:lnB w="12700" cap="flat" cmpd="sng" algn="ctr">
+                      <a:noFill/>
+                      <a:prstDash val="solid"/>
+                      <a:round/>
+                      <a:headEnd type="none" w="med" len="med"/>
+                      <a:tailEnd type="none" w="med" len="med"/>
+                    </a:lnB>
+                  </a:tcPr>
+                </a:tc>
+                <a:tc>
+                  <a:txBody>
+                    <a:bodyPr/>
+                    <a:lstStyle/>
+                    <a:p>
+                      <a:pPr marL="285750" marR="0" lvl="0" indent="-285750" algn="l" defTabSz="914400" rtl="0" eaLnBrk="1" fontAlgn="auto" latinLnBrk="1" hangingPunct="1">
+                        <a:lnSpc>
+                          <a:spcPct val="150000"/>
+                        </a:lnSpc>
+                        <a:spcBef>
+                          <a:spcPts val="0"/>
+                        </a:spcBef>
+                        <a:spcAft>
+                          <a:spcPts val="0"/>
+                        </a:spcAft>
+                        <a:buClrTx/>
+                        <a:buSzTx/>
+                        <a:buFont typeface="Arial" panose="020B0604020202020204" pitchFamily="34" charset="0"/>
+                        <a:buChar char="•"/>
+                        <a:tabLst/>
+                        <a:defRPr/>
+                      </a:pPr>
+                      <a:r>
+                        <a:rPr lang="en-US" altLang="ko-KR" b="0" dirty="0" err="1"/>
+                        <a:t>DataFrame</a:t>
+                      </a:r>
+                      <a:r>
+                        <a:rPr lang="ko-KR" altLang="en-US" b="0" dirty="0"/>
+                        <a:t>에 칼럼과 그에 대응하는 배열을 추가</a:t>
+                      </a:r>
+                    </a:p>
+                  </a:txBody>
+                  <a:tcPr>
+                    <a:lnL w="12700" cap="flat" cmpd="sng" algn="ctr">
+                      <a:solidFill>
+                        <a:schemeClr val="tx1"/>
+                      </a:solidFill>
+                      <a:prstDash val="solid"/>
+                      <a:round/>
+                      <a:headEnd type="none" w="med" len="med"/>
+                      <a:tailEnd type="none" w="med" len="med"/>
+                    </a:lnL>
+                    <a:lnT w="12700" cmpd="sng">
+                      <a:noFill/>
+                    </a:lnT>
+                    <a:lnB w="12700" cap="flat" cmpd="sng" algn="ctr">
+                      <a:noFill/>
+                      <a:prstDash val="solid"/>
+                      <a:round/>
+                      <a:headEnd type="none" w="med" len="med"/>
+                      <a:tailEnd type="none" w="med" len="med"/>
+                    </a:lnB>
+                  </a:tcPr>
+                </a:tc>
+                <a:extLst>
+                  <a:ext uri="{0D108BD9-81ED-4DB2-BD59-A6C34878D82A}">
+                    <a16:rowId xmlns:a16="http://schemas.microsoft.com/office/drawing/2014/main" val="1782117011"/>
+                  </a:ext>
+                </a:extLst>
+              </a:tr>
+              <a:tr h="370840">
+                <a:tc>
+                  <a:txBody>
+                    <a:bodyPr/>
+                    <a:lstStyle/>
+                    <a:p>
+                      <a:pPr marL="0" marR="0" lvl="0" indent="0" algn="l" defTabSz="914400" rtl="0" eaLnBrk="1" fontAlgn="auto" latinLnBrk="1" hangingPunct="1">
+                        <a:lnSpc>
+                          <a:spcPct val="150000"/>
+                        </a:lnSpc>
+                        <a:spcBef>
+                          <a:spcPts val="0"/>
+                        </a:spcBef>
+                        <a:spcAft>
+                          <a:spcPts val="0"/>
+                        </a:spcAft>
+                        <a:buClrTx/>
+                        <a:buSzTx/>
+                        <a:buFontTx/>
+                        <a:buNone/>
+                        <a:tabLst/>
+                        <a:defRPr/>
+                      </a:pPr>
+                      <a:r>
+                        <a:rPr lang="en-US" altLang="ko-KR" b="1" dirty="0" err="1"/>
+                        <a:t>pd.merge</a:t>
+                      </a:r>
+                      <a:r>
+                        <a:rPr lang="en-US" altLang="ko-KR" b="1" dirty="0"/>
+                        <a:t>(</a:t>
+                      </a:r>
+                      <a:r>
+                        <a:rPr lang="en-US" altLang="ko-KR" b="0" dirty="0"/>
+                        <a:t>DataFrame1,</a:t>
+                      </a:r>
+                      <a:r>
+                        <a:rPr lang="ko-KR" altLang="en-US" b="0" dirty="0"/>
+                        <a:t> </a:t>
+                      </a:r>
+                      <a:r>
+                        <a:rPr lang="en-US" altLang="ko-KR" b="0" dirty="0"/>
+                        <a:t>DataFrame2, </a:t>
+                      </a:r>
+                      <a:r>
+                        <a:rPr lang="en-US" altLang="ko-KR" b="0" dirty="0" err="1"/>
+                        <a:t>left_index</a:t>
+                      </a:r>
+                      <a:r>
+                        <a:rPr lang="en-US" altLang="ko-KR" b="0" dirty="0"/>
+                        <a:t> = True, </a:t>
+                      </a:r>
+                      <a:r>
+                        <a:rPr lang="en-US" altLang="ko-KR" b="0" dirty="0" err="1"/>
+                        <a:t>right_index</a:t>
+                      </a:r>
+                      <a:r>
+                        <a:rPr lang="en-US" altLang="ko-KR" b="0" dirty="0"/>
+                        <a:t> = True, how = </a:t>
+                      </a:r>
+                      <a:r>
+                        <a:rPr lang="ko-KR" altLang="en-US" b="0" dirty="0"/>
+                        <a:t>조인 방법</a:t>
+                      </a:r>
+                      <a:r>
+                        <a:rPr lang="en-US" altLang="ko-KR" b="1" dirty="0"/>
+                        <a:t>)</a:t>
+                      </a:r>
+                    </a:p>
+                  </a:txBody>
+                  <a:tcPr>
+                    <a:lnL w="12700" cap="flat" cmpd="sng" algn="ctr">
+                      <a:noFill/>
+                      <a:prstDash val="solid"/>
+                      <a:round/>
+                      <a:headEnd type="none" w="med" len="med"/>
+                      <a:tailEnd type="none" w="med" len="med"/>
+                    </a:lnL>
+                    <a:lnR w="12700" cap="flat" cmpd="sng" algn="ctr">
+                      <a:solidFill>
+                        <a:schemeClr val="tx1"/>
+                      </a:solidFill>
+                      <a:prstDash val="solid"/>
+                      <a:round/>
+                      <a:headEnd type="none" w="med" len="med"/>
+                      <a:tailEnd type="none" w="med" len="med"/>
+                    </a:lnR>
+                    <a:lnT w="12700" cmpd="sng">
+                      <a:noFill/>
+                    </a:lnT>
+                    <a:lnB w="12700" cap="flat" cmpd="sng" algn="ctr">
+                      <a:noFill/>
+                      <a:prstDash val="solid"/>
+                      <a:round/>
+                      <a:headEnd type="none" w="med" len="med"/>
+                      <a:tailEnd type="none" w="med" len="med"/>
+                    </a:lnB>
+                  </a:tcPr>
+                </a:tc>
+                <a:tc>
+                  <a:txBody>
+                    <a:bodyPr/>
+                    <a:lstStyle/>
+                    <a:p>
+                      <a:pPr marL="285750" marR="0" lvl="0" indent="-285750" algn="l" defTabSz="914400" rtl="0" eaLnBrk="1" fontAlgn="auto" latinLnBrk="1" hangingPunct="1">
+                        <a:lnSpc>
+                          <a:spcPct val="150000"/>
+                        </a:lnSpc>
+                        <a:spcBef>
+                          <a:spcPts val="0"/>
+                        </a:spcBef>
+                        <a:spcAft>
+                          <a:spcPts val="0"/>
+                        </a:spcAft>
+                        <a:buClrTx/>
+                        <a:buSzTx/>
+                        <a:buFont typeface="Arial" panose="020B0604020202020204" pitchFamily="34" charset="0"/>
+                        <a:buChar char="•"/>
+                        <a:tabLst/>
+                        <a:defRPr/>
+                      </a:pPr>
+                      <a:r>
+                        <a:rPr lang="en-US" altLang="ko-KR" b="0" dirty="0"/>
+                        <a:t>DataFrame1</a:t>
+                      </a:r>
+                      <a:r>
+                        <a:rPr lang="ko-KR" altLang="en-US" b="0" dirty="0"/>
+                        <a:t>과 </a:t>
+                      </a:r>
+                      <a:r>
+                        <a:rPr lang="en-US" altLang="ko-KR" b="0" dirty="0"/>
+                        <a:t>DataFrame2</a:t>
+                      </a:r>
+                      <a:r>
+                        <a:rPr lang="ko-KR" altLang="en-US" b="0" dirty="0"/>
+                        <a:t>를 병합</a:t>
+                      </a:r>
+                      <a:endParaRPr lang="en-US" altLang="ko-KR" b="0" dirty="0"/>
+                    </a:p>
+                    <a:p>
+                      <a:pPr marL="285750" marR="0" lvl="0" indent="-285750" algn="l" defTabSz="914400" rtl="0" eaLnBrk="1" fontAlgn="auto" latinLnBrk="1" hangingPunct="1">
+                        <a:lnSpc>
+                          <a:spcPct val="150000"/>
+                        </a:lnSpc>
+                        <a:spcBef>
+                          <a:spcPts val="0"/>
+                        </a:spcBef>
+                        <a:spcAft>
+                          <a:spcPts val="0"/>
+                        </a:spcAft>
+                        <a:buClrTx/>
+                        <a:buSzTx/>
+                        <a:buFont typeface="Arial" panose="020B0604020202020204" pitchFamily="34" charset="0"/>
+                        <a:buChar char="•"/>
+                        <a:tabLst/>
+                        <a:defRPr/>
+                      </a:pPr>
+                      <a:r>
+                        <a:rPr lang="ko-KR" altLang="en-US" b="0" dirty="0"/>
+                        <a:t>조인 방법</a:t>
+                      </a:r>
+                      <a:r>
+                        <a:rPr lang="en-US" altLang="ko-KR" b="0" dirty="0"/>
+                        <a:t>: “outer” | “inner” | “left” | “right”</a:t>
+                      </a:r>
+                    </a:p>
+                    <a:p>
+                      <a:pPr marL="285750" marR="0" lvl="0" indent="-285750" algn="l" defTabSz="914400" rtl="0" eaLnBrk="1" fontAlgn="auto" latinLnBrk="1" hangingPunct="1">
+                        <a:lnSpc>
+                          <a:spcPct val="150000"/>
+                        </a:lnSpc>
+                        <a:spcBef>
+                          <a:spcPts val="0"/>
+                        </a:spcBef>
+                        <a:spcAft>
+                          <a:spcPts val="0"/>
+                        </a:spcAft>
+                        <a:buClrTx/>
+                        <a:buSzTx/>
+                        <a:buFont typeface="Arial" panose="020B0604020202020204" pitchFamily="34" charset="0"/>
+                        <a:buChar char="•"/>
+                        <a:tabLst/>
+                        <a:defRPr/>
+                      </a:pPr>
+                      <a:r>
+                        <a:rPr lang="en-US" altLang="ko-KR" b="0" dirty="0"/>
+                        <a:t>“outer”: DataFrame1</a:t>
+                      </a:r>
+                      <a:r>
+                        <a:rPr lang="ko-KR" altLang="en-US" b="0" dirty="0"/>
+                        <a:t>과 </a:t>
+                      </a:r>
+                      <a:r>
+                        <a:rPr lang="en-US" altLang="ko-KR" b="0" dirty="0"/>
+                        <a:t>DataFrame2</a:t>
+                      </a:r>
+                      <a:r>
+                        <a:rPr lang="ko-KR" altLang="en-US" b="0" dirty="0"/>
+                        <a:t> 중 한 쪽에만 있는 인덱스도 모두 보여줌</a:t>
+                      </a:r>
+                      <a:endParaRPr lang="en-US" altLang="ko-KR" b="0" dirty="0"/>
+                    </a:p>
+                    <a:p>
+                      <a:pPr marL="285750" marR="0" lvl="0" indent="-285750" algn="l" defTabSz="914400" rtl="0" eaLnBrk="1" fontAlgn="auto" latinLnBrk="1" hangingPunct="1">
+                        <a:lnSpc>
+                          <a:spcPct val="150000"/>
+                        </a:lnSpc>
+                        <a:spcBef>
+                          <a:spcPts val="0"/>
+                        </a:spcBef>
+                        <a:spcAft>
+                          <a:spcPts val="0"/>
+                        </a:spcAft>
+                        <a:buClrTx/>
+                        <a:buSzTx/>
+                        <a:buFont typeface="Arial" panose="020B0604020202020204" pitchFamily="34" charset="0"/>
+                        <a:buChar char="•"/>
+                        <a:tabLst/>
+                        <a:defRPr/>
+                      </a:pPr>
+                      <a:r>
+                        <a:rPr lang="en-US" altLang="ko-KR" b="0" dirty="0"/>
+                        <a:t>“inner”:</a:t>
+                      </a:r>
+                      <a:r>
+                        <a:rPr lang="ko-KR" altLang="en-US" b="0" dirty="0"/>
+                        <a:t> </a:t>
+                      </a:r>
+                      <a:r>
+                        <a:rPr lang="en-US" altLang="ko-KR" b="0" dirty="0"/>
+                        <a:t>DataFrame1</a:t>
+                      </a:r>
+                      <a:r>
+                        <a:rPr lang="ko-KR" altLang="en-US" b="0" dirty="0"/>
+                        <a:t>과 </a:t>
+                      </a:r>
+                      <a:r>
+                        <a:rPr lang="en-US" altLang="ko-KR" b="0" dirty="0"/>
+                        <a:t>DataFrame2</a:t>
+                      </a:r>
+                      <a:r>
+                        <a:rPr lang="ko-KR" altLang="en-US" b="0" dirty="0"/>
+                        <a:t>에 공통적으로 있는 인덱스만 보여줌</a:t>
+                      </a:r>
+                      <a:endParaRPr lang="en-US" altLang="ko-KR" b="0" dirty="0"/>
+                    </a:p>
+                    <a:p>
+                      <a:pPr marL="285750" marR="0" lvl="0" indent="-285750" algn="l" defTabSz="914400" rtl="0" eaLnBrk="1" fontAlgn="auto" latinLnBrk="1" hangingPunct="1">
+                        <a:lnSpc>
+                          <a:spcPct val="150000"/>
+                        </a:lnSpc>
+                        <a:spcBef>
+                          <a:spcPts val="0"/>
+                        </a:spcBef>
+                        <a:spcAft>
+                          <a:spcPts val="0"/>
+                        </a:spcAft>
+                        <a:buClrTx/>
+                        <a:buSzTx/>
+                        <a:buFont typeface="Arial" panose="020B0604020202020204" pitchFamily="34" charset="0"/>
+                        <a:buChar char="•"/>
+                        <a:tabLst/>
+                        <a:defRPr/>
+                      </a:pPr>
+                      <a:r>
+                        <a:rPr lang="en-US" altLang="ko-KR" b="0" dirty="0"/>
+                        <a:t>“left”</a:t>
+                      </a:r>
+                      <a:r>
+                        <a:rPr lang="ko-KR" altLang="en-US" b="0" dirty="0"/>
+                        <a:t> </a:t>
+                      </a:r>
+                      <a:r>
+                        <a:rPr lang="en-US" altLang="ko-KR" b="0" dirty="0"/>
+                        <a:t>(“right”):</a:t>
+                      </a:r>
+                      <a:r>
+                        <a:rPr lang="ko-KR" altLang="en-US" b="0" dirty="0"/>
+                        <a:t> </a:t>
+                      </a:r>
+                      <a:r>
+                        <a:rPr lang="en-US" altLang="ko-KR" b="0" dirty="0"/>
+                        <a:t>DataFrame1 (DataFrame2)</a:t>
+                      </a:r>
+                      <a:r>
+                        <a:rPr lang="ko-KR" altLang="en-US" b="0" dirty="0"/>
+                        <a:t>에만 있는 인덱스만 보여줌</a:t>
+                      </a:r>
+                    </a:p>
+                  </a:txBody>
+                  <a:tcPr>
+                    <a:lnL w="12700" cap="flat" cmpd="sng" algn="ctr">
+                      <a:solidFill>
+                        <a:schemeClr val="tx1"/>
+                      </a:solidFill>
+                      <a:prstDash val="solid"/>
+                      <a:round/>
+                      <a:headEnd type="none" w="med" len="med"/>
+                      <a:tailEnd type="none" w="med" len="med"/>
+                    </a:lnL>
+                    <a:lnT w="12700" cmpd="sng">
+                      <a:noFill/>
+                    </a:lnT>
+                    <a:lnB w="12700" cap="flat" cmpd="sng" algn="ctr">
+                      <a:noFill/>
+                      <a:prstDash val="solid"/>
+                      <a:round/>
+                      <a:headEnd type="none" w="med" len="med"/>
+                      <a:tailEnd type="none" w="med" len="med"/>
+                    </a:lnB>
+                  </a:tcPr>
+                </a:tc>
+                <a:extLst>
+                  <a:ext uri="{0D108BD9-81ED-4DB2-BD59-A6C34878D82A}">
+                    <a16:rowId xmlns:a16="http://schemas.microsoft.com/office/drawing/2014/main" val="3277534977"/>
+                  </a:ext>
+                </a:extLst>
+              </a:tr>
+              <a:tr h="370840">
+                <a:tc>
+                  <a:txBody>
+                    <a:bodyPr/>
+                    <a:lstStyle/>
+                    <a:p>
+                      <a:pPr marL="0" marR="0" lvl="0" indent="0" algn="l" defTabSz="914400" rtl="0" eaLnBrk="1" fontAlgn="auto" latinLnBrk="1" hangingPunct="1">
+                        <a:lnSpc>
+                          <a:spcPct val="150000"/>
+                        </a:lnSpc>
+                        <a:spcBef>
+                          <a:spcPts val="0"/>
+                        </a:spcBef>
+                        <a:spcAft>
+                          <a:spcPts val="0"/>
+                        </a:spcAft>
+                        <a:buClrTx/>
+                        <a:buSzTx/>
+                        <a:buFontTx/>
+                        <a:buNone/>
+                        <a:tabLst/>
+                        <a:defRPr/>
+                      </a:pPr>
+                      <a:r>
+                        <a:rPr lang="en-US" altLang="ko-KR" b="1" dirty="0" err="1"/>
+                        <a:t>pd.concat</a:t>
+                      </a:r>
+                      <a:r>
+                        <a:rPr lang="en-US" altLang="ko-KR" b="1" dirty="0"/>
+                        <a:t>(</a:t>
+                      </a:r>
+                      <a:r>
+                        <a:rPr lang="en-US" altLang="ko-KR" b="0" dirty="0"/>
+                        <a:t>[DataFrame1,</a:t>
+                      </a:r>
+                      <a:r>
+                        <a:rPr lang="ko-KR" altLang="en-US" b="0" dirty="0"/>
+                        <a:t> </a:t>
+                      </a:r>
+                      <a:r>
+                        <a:rPr lang="en-US" altLang="ko-KR" b="0" dirty="0"/>
+                        <a:t>DataFrame2, …],</a:t>
+                      </a:r>
+                    </a:p>
+                    <a:p>
+                      <a:pPr marL="914400" marR="0" lvl="2" indent="0" algn="l" defTabSz="914400" rtl="0" eaLnBrk="1" fontAlgn="auto" latinLnBrk="1" hangingPunct="1">
+                        <a:lnSpc>
+                          <a:spcPct val="150000"/>
+                        </a:lnSpc>
+                        <a:spcBef>
+                          <a:spcPts val="0"/>
+                        </a:spcBef>
+                        <a:spcAft>
+                          <a:spcPts val="0"/>
+                        </a:spcAft>
+                        <a:buClrTx/>
+                        <a:buSzTx/>
+                        <a:buFontTx/>
+                        <a:buNone/>
+                        <a:tabLst/>
+                        <a:defRPr/>
+                      </a:pPr>
+                      <a:r>
+                        <a:rPr lang="en-US" altLang="ko-KR" b="0" dirty="0"/>
+                        <a:t>axis = </a:t>
+                      </a:r>
+                      <a:r>
+                        <a:rPr lang="ko-KR" altLang="en-US" b="0" dirty="0"/>
+                        <a:t>쌓을 방향</a:t>
+                      </a:r>
+                      <a:r>
+                        <a:rPr lang="en-US" altLang="ko-KR" b="1" dirty="0"/>
+                        <a:t>)</a:t>
+                      </a:r>
+                    </a:p>
+                  </a:txBody>
+                  <a:tcPr>
+                    <a:lnL w="12700" cap="flat" cmpd="sng" algn="ctr">
+                      <a:noFill/>
+                      <a:prstDash val="solid"/>
+                      <a:round/>
+                      <a:headEnd type="none" w="med" len="med"/>
+                      <a:tailEnd type="none" w="med" len="med"/>
+                    </a:lnL>
+                    <a:lnR w="12700" cap="flat" cmpd="sng" algn="ctr">
+                      <a:solidFill>
+                        <a:schemeClr val="tx1"/>
+                      </a:solidFill>
+                      <a:prstDash val="solid"/>
+                      <a:round/>
+                      <a:headEnd type="none" w="med" len="med"/>
+                      <a:tailEnd type="none" w="med" len="med"/>
+                    </a:lnR>
+                    <a:lnT w="12700" cmpd="sng">
+                      <a:noFill/>
+                    </a:lnT>
+                    <a:lnB w="12700" cap="flat" cmpd="sng" algn="ctr">
+                      <a:noFill/>
+                      <a:prstDash val="solid"/>
+                      <a:round/>
+                      <a:headEnd type="none" w="med" len="med"/>
+                      <a:tailEnd type="none" w="med" len="med"/>
+                    </a:lnB>
+                  </a:tcPr>
+                </a:tc>
+                <a:tc>
+                  <a:txBody>
+                    <a:bodyPr/>
+                    <a:lstStyle/>
+                    <a:p>
+                      <a:pPr marL="285750" marR="0" lvl="0" indent="-285750" algn="l" defTabSz="914400" rtl="0" eaLnBrk="1" fontAlgn="auto" latinLnBrk="1" hangingPunct="1">
+                        <a:lnSpc>
+                          <a:spcPct val="150000"/>
+                        </a:lnSpc>
+                        <a:spcBef>
+                          <a:spcPts val="0"/>
+                        </a:spcBef>
+                        <a:spcAft>
+                          <a:spcPts val="0"/>
+                        </a:spcAft>
+                        <a:buClrTx/>
+                        <a:buSzTx/>
+                        <a:buFont typeface="Arial" panose="020B0604020202020204" pitchFamily="34" charset="0"/>
+                        <a:buChar char="•"/>
+                        <a:tabLst/>
+                        <a:defRPr/>
+                      </a:pPr>
+                      <a:r>
+                        <a:rPr lang="ko-KR" altLang="en-US" b="0" dirty="0"/>
+                        <a:t>여러 </a:t>
+                      </a:r>
+                      <a:r>
+                        <a:rPr lang="en-US" altLang="ko-KR" b="0" dirty="0" err="1"/>
+                        <a:t>DataFrame</a:t>
+                      </a:r>
+                      <a:r>
+                        <a:rPr lang="ko-KR" altLang="en-US" b="0" dirty="0"/>
+                        <a:t>들을 쌓음</a:t>
+                      </a:r>
+                      <a:endParaRPr lang="en-US" altLang="ko-KR" b="0" dirty="0"/>
+                    </a:p>
+                    <a:p>
+                      <a:pPr marL="285750" marR="0" lvl="0" indent="-285750" algn="l" defTabSz="914400" rtl="0" eaLnBrk="1" fontAlgn="auto" latinLnBrk="1" hangingPunct="1">
+                        <a:lnSpc>
+                          <a:spcPct val="150000"/>
+                        </a:lnSpc>
+                        <a:spcBef>
+                          <a:spcPts val="0"/>
+                        </a:spcBef>
+                        <a:spcAft>
+                          <a:spcPts val="0"/>
+                        </a:spcAft>
+                        <a:buClrTx/>
+                        <a:buSzTx/>
+                        <a:buFont typeface="Arial" panose="020B0604020202020204" pitchFamily="34" charset="0"/>
+                        <a:buChar char="•"/>
+                        <a:tabLst/>
+                        <a:defRPr/>
+                      </a:pPr>
+                      <a:r>
+                        <a:rPr lang="en-US" altLang="ko-KR" b="0" dirty="0"/>
+                        <a:t>axis</a:t>
+                      </a:r>
+                      <a:r>
+                        <a:rPr lang="ko-KR" altLang="en-US" b="0" dirty="0"/>
+                        <a:t> </a:t>
+                      </a:r>
+                      <a:r>
+                        <a:rPr lang="en-US" altLang="ko-KR" b="0" dirty="0"/>
+                        <a:t>=</a:t>
+                      </a:r>
+                      <a:r>
+                        <a:rPr lang="ko-KR" altLang="en-US" b="0" dirty="0"/>
+                        <a:t> </a:t>
+                      </a:r>
+                      <a:r>
+                        <a:rPr lang="en-US" altLang="ko-KR" b="0" dirty="0"/>
+                        <a:t>0 (</a:t>
+                      </a:r>
+                      <a:r>
+                        <a:rPr lang="ko-KR" altLang="en-US" b="0" dirty="0"/>
+                        <a:t>행 ↓</a:t>
+                      </a:r>
+                      <a:r>
+                        <a:rPr lang="en-US" altLang="ko-KR" b="0" dirty="0"/>
+                        <a:t>) | 1 (</a:t>
+                      </a:r>
+                      <a:r>
+                        <a:rPr lang="ko-KR" altLang="en-US" b="0" dirty="0"/>
+                        <a:t>열 →</a:t>
+                      </a:r>
+                      <a:r>
+                        <a:rPr lang="en-US" altLang="ko-KR" b="0" dirty="0"/>
+                        <a:t>)</a:t>
+                      </a:r>
+                      <a:endParaRPr lang="ko-KR" altLang="en-US" b="0" dirty="0"/>
+                    </a:p>
+                  </a:txBody>
+                  <a:tcPr>
+                    <a:lnL w="12700" cap="flat" cmpd="sng" algn="ctr">
+                      <a:solidFill>
+                        <a:schemeClr val="tx1"/>
+                      </a:solidFill>
+                      <a:prstDash val="solid"/>
+                      <a:round/>
+                      <a:headEnd type="none" w="med" len="med"/>
+                      <a:tailEnd type="none" w="med" len="med"/>
+                    </a:lnL>
+                    <a:lnT w="12700" cmpd="sng">
+                      <a:noFill/>
+                    </a:lnT>
+                    <a:lnB w="12700" cap="flat" cmpd="sng" algn="ctr">
+                      <a:noFill/>
+                      <a:prstDash val="solid"/>
+                      <a:round/>
+                      <a:headEnd type="none" w="med" len="med"/>
+                      <a:tailEnd type="none" w="med" len="med"/>
+                    </a:lnB>
+                  </a:tcPr>
+                </a:tc>
+                <a:extLst>
+                  <a:ext uri="{0D108BD9-81ED-4DB2-BD59-A6C34878D82A}">
+                    <a16:rowId xmlns:a16="http://schemas.microsoft.com/office/drawing/2014/main" val="1353185641"/>
+                  </a:ext>
+                </a:extLst>
+              </a:tr>
+              <a:tr h="370840">
+                <a:tc>
+                  <a:txBody>
+                    <a:bodyPr/>
+                    <a:lstStyle/>
+                    <a:p>
+                      <a:pPr marL="0" marR="0" lvl="0" indent="0" algn="l" defTabSz="914400" rtl="0" eaLnBrk="1" fontAlgn="auto" latinLnBrk="1" hangingPunct="1">
+                        <a:lnSpc>
+                          <a:spcPct val="150000"/>
+                        </a:lnSpc>
+                        <a:spcBef>
+                          <a:spcPts val="0"/>
+                        </a:spcBef>
+                        <a:spcAft>
+                          <a:spcPts val="0"/>
+                        </a:spcAft>
+                        <a:buClrTx/>
+                        <a:buSzTx/>
+                        <a:buFontTx/>
+                        <a:buNone/>
+                        <a:tabLst/>
+                        <a:defRPr/>
+                      </a:pPr>
+                      <a:r>
+                        <a:rPr lang="en-US" altLang="ko-KR" b="1" dirty="0" err="1"/>
+                        <a:t>df.sort_index</a:t>
+                      </a:r>
+                      <a:r>
+                        <a:rPr lang="en-US" altLang="ko-KR" b="1" dirty="0"/>
+                        <a:t>(</a:t>
+                      </a:r>
+                      <a:r>
+                        <a:rPr lang="en-US" altLang="ko-KR" b="0" dirty="0"/>
+                        <a:t>axis = </a:t>
+                      </a:r>
+                      <a:r>
+                        <a:rPr lang="ko-KR" altLang="en-US" b="0" dirty="0"/>
+                        <a:t>정렬 방향</a:t>
+                      </a:r>
+                      <a:r>
+                        <a:rPr lang="en-US" altLang="ko-KR" b="0" dirty="0"/>
+                        <a:t>,</a:t>
+                      </a:r>
+                    </a:p>
+                    <a:p>
+                      <a:pPr marL="1371600" marR="0" lvl="3" indent="0" algn="l" defTabSz="914400" rtl="0" eaLnBrk="1" fontAlgn="auto" latinLnBrk="1" hangingPunct="1">
+                        <a:lnSpc>
+                          <a:spcPct val="150000"/>
+                        </a:lnSpc>
+                        <a:spcBef>
+                          <a:spcPts val="0"/>
+                        </a:spcBef>
+                        <a:spcAft>
+                          <a:spcPts val="0"/>
+                        </a:spcAft>
+                        <a:buClrTx/>
+                        <a:buSzTx/>
+                        <a:buFontTx/>
+                        <a:buNone/>
+                        <a:tabLst/>
+                        <a:defRPr/>
+                      </a:pPr>
+                      <a:r>
+                        <a:rPr lang="en-US" altLang="ko-KR" b="0" dirty="0"/>
+                        <a:t>ascending = </a:t>
+                      </a:r>
+                      <a:r>
+                        <a:rPr lang="ko-KR" altLang="en-US" b="0" dirty="0"/>
+                        <a:t>오름차순 여부</a:t>
+                      </a:r>
+                      <a:r>
+                        <a:rPr lang="en-US" altLang="ko-KR" b="1" dirty="0"/>
+                        <a:t>)</a:t>
+                      </a:r>
+                    </a:p>
+                  </a:txBody>
+                  <a:tcPr>
+                    <a:lnL w="12700" cap="flat" cmpd="sng" algn="ctr">
+                      <a:noFill/>
+                      <a:prstDash val="solid"/>
+                      <a:round/>
+                      <a:headEnd type="none" w="med" len="med"/>
+                      <a:tailEnd type="none" w="med" len="med"/>
+                    </a:lnL>
+                    <a:lnR w="12700" cap="flat" cmpd="sng" algn="ctr">
+                      <a:solidFill>
+                        <a:schemeClr val="tx1"/>
+                      </a:solidFill>
+                      <a:prstDash val="solid"/>
+                      <a:round/>
+                      <a:headEnd type="none" w="med" len="med"/>
+                      <a:tailEnd type="none" w="med" len="med"/>
+                    </a:lnR>
+                    <a:lnT w="12700" cmpd="sng">
+                      <a:noFill/>
+                    </a:lnT>
+                    <a:lnB w="12700" cap="flat" cmpd="sng" algn="ctr">
+                      <a:noFill/>
+                      <a:prstDash val="solid"/>
+                      <a:round/>
+                      <a:headEnd type="none" w="med" len="med"/>
+                      <a:tailEnd type="none" w="med" len="med"/>
+                    </a:lnB>
+                  </a:tcPr>
+                </a:tc>
+                <a:tc>
+                  <a:txBody>
+                    <a:bodyPr/>
+                    <a:lstStyle/>
+                    <a:p>
+                      <a:pPr marL="285750" marR="0" lvl="0" indent="-285750" algn="l" defTabSz="914400" rtl="0" eaLnBrk="1" fontAlgn="auto" latinLnBrk="1" hangingPunct="1">
+                        <a:lnSpc>
+                          <a:spcPct val="150000"/>
+                        </a:lnSpc>
+                        <a:spcBef>
+                          <a:spcPts val="0"/>
+                        </a:spcBef>
+                        <a:spcAft>
+                          <a:spcPts val="0"/>
+                        </a:spcAft>
+                        <a:buClrTx/>
+                        <a:buSzTx/>
+                        <a:buFont typeface="Arial" panose="020B0604020202020204" pitchFamily="34" charset="0"/>
+                        <a:buChar char="•"/>
+                        <a:tabLst/>
+                        <a:defRPr/>
+                      </a:pPr>
+                      <a:r>
+                        <a:rPr lang="en-US" altLang="ko-KR" b="0" dirty="0" err="1"/>
+                        <a:t>DataFrame</a:t>
+                      </a:r>
+                      <a:r>
+                        <a:rPr lang="ko-KR" altLang="en-US" b="0" dirty="0"/>
+                        <a:t> 정렬</a:t>
+                      </a:r>
+                      <a:endParaRPr lang="en-US" altLang="ko-KR" b="0" dirty="0"/>
+                    </a:p>
+                    <a:p>
+                      <a:pPr marL="285750" marR="0" lvl="0" indent="-285750" algn="l" defTabSz="914400" rtl="0" eaLnBrk="1" fontAlgn="auto" latinLnBrk="1" hangingPunct="1">
+                        <a:lnSpc>
+                          <a:spcPct val="150000"/>
+                        </a:lnSpc>
+                        <a:spcBef>
+                          <a:spcPts val="0"/>
+                        </a:spcBef>
+                        <a:spcAft>
+                          <a:spcPts val="0"/>
+                        </a:spcAft>
+                        <a:buClrTx/>
+                        <a:buSzTx/>
+                        <a:buFont typeface="Arial" panose="020B0604020202020204" pitchFamily="34" charset="0"/>
+                        <a:buChar char="•"/>
+                        <a:tabLst/>
+                        <a:defRPr/>
+                      </a:pPr>
+                      <a:r>
+                        <a:rPr lang="en-US" altLang="ko-KR" b="0" dirty="0"/>
+                        <a:t>axis = 0 (</a:t>
+                      </a:r>
+                      <a:r>
+                        <a:rPr lang="ko-KR" altLang="en-US" b="0" dirty="0"/>
+                        <a:t>행 ↓</a:t>
+                      </a:r>
+                      <a:r>
+                        <a:rPr lang="en-US" altLang="ko-KR" b="0" dirty="0"/>
+                        <a:t>) | 1 (</a:t>
+                      </a:r>
+                      <a:r>
+                        <a:rPr lang="ko-KR" altLang="en-US" b="0" dirty="0"/>
+                        <a:t>열 →</a:t>
+                      </a:r>
+                      <a:r>
+                        <a:rPr lang="en-US" altLang="ko-KR" b="0" dirty="0"/>
+                        <a:t>)</a:t>
+                      </a:r>
+                    </a:p>
+                    <a:p>
+                      <a:pPr marL="285750" marR="0" lvl="0" indent="-285750" algn="l" defTabSz="914400" rtl="0" eaLnBrk="1" fontAlgn="auto" latinLnBrk="1" hangingPunct="1">
+                        <a:lnSpc>
+                          <a:spcPct val="150000"/>
+                        </a:lnSpc>
+                        <a:spcBef>
+                          <a:spcPts val="0"/>
+                        </a:spcBef>
+                        <a:spcAft>
+                          <a:spcPts val="0"/>
+                        </a:spcAft>
+                        <a:buClrTx/>
+                        <a:buSzTx/>
+                        <a:buFont typeface="Arial" panose="020B0604020202020204" pitchFamily="34" charset="0"/>
+                        <a:buChar char="•"/>
+                        <a:tabLst/>
+                        <a:defRPr/>
+                      </a:pPr>
+                      <a:r>
+                        <a:rPr lang="en-US" altLang="ko-KR" b="0" dirty="0"/>
+                        <a:t>ascending = True (</a:t>
+                      </a:r>
+                      <a:r>
+                        <a:rPr lang="ko-KR" altLang="en-US" b="0" dirty="0"/>
+                        <a:t>오름차순</a:t>
+                      </a:r>
+                      <a:r>
+                        <a:rPr lang="en-US" altLang="ko-KR" b="0" dirty="0"/>
+                        <a:t>) | False (</a:t>
+                      </a:r>
+                      <a:r>
+                        <a:rPr lang="ko-KR" altLang="en-US" b="0" dirty="0"/>
+                        <a:t>내림차순</a:t>
+                      </a:r>
+                      <a:r>
+                        <a:rPr lang="en-US" altLang="ko-KR" b="0" dirty="0"/>
+                        <a:t>)</a:t>
+                      </a:r>
+                    </a:p>
+                  </a:txBody>
+                  <a:tcPr>
+                    <a:lnL w="12700" cap="flat" cmpd="sng" algn="ctr">
+                      <a:solidFill>
+                        <a:schemeClr val="tx1"/>
+                      </a:solidFill>
+                      <a:prstDash val="solid"/>
+                      <a:round/>
+                      <a:headEnd type="none" w="med" len="med"/>
+                      <a:tailEnd type="none" w="med" len="med"/>
+                    </a:lnL>
+                    <a:lnT w="12700" cmpd="sng">
+                      <a:noFill/>
+                    </a:lnT>
+                    <a:lnB w="12700" cap="flat" cmpd="sng" algn="ctr">
+                      <a:noFill/>
+                      <a:prstDash val="solid"/>
+                      <a:round/>
+                      <a:headEnd type="none" w="med" len="med"/>
+                      <a:tailEnd type="none" w="med" len="med"/>
+                    </a:lnB>
+                  </a:tcPr>
+                </a:tc>
+                <a:extLst>
+                  <a:ext uri="{0D108BD9-81ED-4DB2-BD59-A6C34878D82A}">
+                    <a16:rowId xmlns:a16="http://schemas.microsoft.com/office/drawing/2014/main" val="3511191771"/>
+                  </a:ext>
+                </a:extLst>
+              </a:tr>
+              <a:tr h="370840">
+                <a:tc>
+                  <a:txBody>
+                    <a:bodyPr/>
+                    <a:lstStyle/>
+                    <a:p>
+                      <a:pPr marL="0" marR="0" lvl="0" indent="0" algn="l" defTabSz="914400" rtl="0" eaLnBrk="1" fontAlgn="auto" latinLnBrk="1" hangingPunct="1">
+                        <a:lnSpc>
+                          <a:spcPct val="150000"/>
+                        </a:lnSpc>
+                        <a:spcBef>
+                          <a:spcPts val="0"/>
+                        </a:spcBef>
+                        <a:spcAft>
+                          <a:spcPts val="0"/>
+                        </a:spcAft>
+                        <a:buClrTx/>
+                        <a:buSzTx/>
+                        <a:buFontTx/>
+                        <a:buNone/>
+                        <a:tabLst/>
+                        <a:defRPr/>
+                      </a:pPr>
+                      <a:r>
+                        <a:rPr lang="en-US" altLang="ko-KR" b="1" dirty="0" err="1"/>
+                        <a:t>df.sort_values</a:t>
+                      </a:r>
+                      <a:r>
+                        <a:rPr lang="en-US" altLang="ko-KR" b="1" dirty="0"/>
+                        <a:t>(</a:t>
+                      </a:r>
+                      <a:r>
+                        <a:rPr lang="en-US" altLang="ko-KR" b="0" dirty="0"/>
+                        <a:t>axis = </a:t>
+                      </a:r>
+                      <a:r>
+                        <a:rPr lang="ko-KR" altLang="en-US" b="0" dirty="0"/>
+                        <a:t>정렬 방향</a:t>
+                      </a:r>
+                      <a:r>
+                        <a:rPr lang="en-US" altLang="ko-KR" b="0" dirty="0"/>
+                        <a:t>,</a:t>
+                      </a:r>
+                    </a:p>
+                    <a:p>
+                      <a:pPr marL="1371600" marR="0" lvl="3" indent="0" algn="l" defTabSz="914400" rtl="0" eaLnBrk="1" fontAlgn="auto" latinLnBrk="1" hangingPunct="1">
+                        <a:lnSpc>
+                          <a:spcPct val="150000"/>
+                        </a:lnSpc>
+                        <a:spcBef>
+                          <a:spcPts val="0"/>
+                        </a:spcBef>
+                        <a:spcAft>
+                          <a:spcPts val="0"/>
+                        </a:spcAft>
+                        <a:buClrTx/>
+                        <a:buSzTx/>
+                        <a:buFontTx/>
+                        <a:buNone/>
+                        <a:tabLst/>
+                        <a:defRPr/>
+                      </a:pPr>
+                      <a:r>
+                        <a:rPr lang="en-US" altLang="ko-KR" b="0" dirty="0"/>
+                        <a:t>ascending = </a:t>
+                      </a:r>
+                      <a:r>
+                        <a:rPr lang="ko-KR" altLang="en-US" b="0" dirty="0"/>
+                        <a:t>오름차순 여부</a:t>
+                      </a:r>
+                      <a:r>
+                        <a:rPr lang="en-US" altLang="ko-KR" b="0" dirty="0"/>
+                        <a:t>,</a:t>
+                      </a:r>
+                    </a:p>
+                    <a:p>
+                      <a:pPr marL="1371600" marR="0" lvl="3" indent="0" algn="l" defTabSz="914400" rtl="0" eaLnBrk="1" fontAlgn="auto" latinLnBrk="1" hangingPunct="1">
+                        <a:lnSpc>
+                          <a:spcPct val="150000"/>
+                        </a:lnSpc>
+                        <a:spcBef>
+                          <a:spcPts val="0"/>
+                        </a:spcBef>
+                        <a:spcAft>
+                          <a:spcPts val="0"/>
+                        </a:spcAft>
+                        <a:buClrTx/>
+                        <a:buSzTx/>
+                        <a:buFontTx/>
+                        <a:buNone/>
+                        <a:tabLst/>
+                        <a:defRPr/>
+                      </a:pPr>
+                      <a:r>
+                        <a:rPr lang="en-US" altLang="ko-KR" b="0" dirty="0"/>
+                        <a:t>by = </a:t>
+                      </a:r>
+                      <a:r>
+                        <a:rPr lang="ko-KR" altLang="en-US" b="0" dirty="0"/>
+                        <a:t>칼럼 또는 인덱스</a:t>
+                      </a:r>
+                      <a:r>
+                        <a:rPr lang="en-US" altLang="ko-KR" b="1" dirty="0"/>
+                        <a:t>)</a:t>
+                      </a:r>
+                    </a:p>
+                  </a:txBody>
+                  <a:tcPr>
+                    <a:lnL w="12700" cap="flat" cmpd="sng" algn="ctr">
+                      <a:noFill/>
+                      <a:prstDash val="solid"/>
+                      <a:round/>
+                      <a:headEnd type="none" w="med" len="med"/>
+                      <a:tailEnd type="none" w="med" len="med"/>
+                    </a:lnL>
+                    <a:lnR w="12700" cap="flat" cmpd="sng" algn="ctr">
+                      <a:solidFill>
+                        <a:schemeClr val="tx1"/>
+                      </a:solidFill>
+                      <a:prstDash val="solid"/>
+                      <a:round/>
+                      <a:headEnd type="none" w="med" len="med"/>
+                      <a:tailEnd type="none" w="med" len="med"/>
+                    </a:lnR>
+                    <a:lnT w="12700" cmpd="sng">
+                      <a:noFill/>
+                    </a:lnT>
+                    <a:lnB w="12700" cap="flat" cmpd="sng" algn="ctr">
+                      <a:noFill/>
+                      <a:prstDash val="solid"/>
+                      <a:round/>
+                      <a:headEnd type="none" w="med" len="med"/>
+                      <a:tailEnd type="none" w="med" len="med"/>
+                    </a:lnB>
+                  </a:tcPr>
+                </a:tc>
+                <a:tc>
+                  <a:txBody>
+                    <a:bodyPr/>
+                    <a:lstStyle/>
+                    <a:p>
+                      <a:pPr marL="285750" marR="0" lvl="0" indent="-285750" algn="l" defTabSz="914400" rtl="0" eaLnBrk="1" fontAlgn="auto" latinLnBrk="1" hangingPunct="1">
+                        <a:lnSpc>
+                          <a:spcPct val="150000"/>
+                        </a:lnSpc>
+                        <a:spcBef>
+                          <a:spcPts val="0"/>
+                        </a:spcBef>
+                        <a:spcAft>
+                          <a:spcPts val="0"/>
+                        </a:spcAft>
+                        <a:buClrTx/>
+                        <a:buSzTx/>
+                        <a:buFont typeface="Arial" panose="020B0604020202020204" pitchFamily="34" charset="0"/>
+                        <a:buChar char="•"/>
+                        <a:tabLst/>
+                        <a:defRPr/>
+                      </a:pPr>
+                      <a:r>
+                        <a:rPr lang="ko-KR" altLang="en-US" b="0" dirty="0"/>
+                        <a:t>특정 칼럼</a:t>
+                      </a:r>
+                      <a:r>
+                        <a:rPr lang="en-US" altLang="ko-KR" b="0" dirty="0"/>
+                        <a:t>, </a:t>
+                      </a:r>
+                      <a:r>
+                        <a:rPr lang="ko-KR" altLang="en-US" b="0" dirty="0"/>
+                        <a:t>인덱스 값들을 기준으로 정렬</a:t>
+                      </a:r>
+                      <a:endParaRPr lang="en-US" altLang="ko-KR" b="0" dirty="0"/>
+                    </a:p>
+                    <a:p>
+                      <a:pPr marL="285750" marR="0" lvl="0" indent="-285750" algn="l" defTabSz="914400" rtl="0" eaLnBrk="1" fontAlgn="auto" latinLnBrk="1" hangingPunct="1">
+                        <a:lnSpc>
+                          <a:spcPct val="150000"/>
+                        </a:lnSpc>
+                        <a:spcBef>
+                          <a:spcPts val="0"/>
+                        </a:spcBef>
+                        <a:spcAft>
+                          <a:spcPts val="0"/>
+                        </a:spcAft>
+                        <a:buClrTx/>
+                        <a:buSzTx/>
+                        <a:buFont typeface="Arial" panose="020B0604020202020204" pitchFamily="34" charset="0"/>
+                        <a:buChar char="•"/>
+                        <a:tabLst/>
+                        <a:defRPr/>
+                      </a:pPr>
+                      <a:r>
+                        <a:rPr lang="en-US" altLang="ko-KR" b="0" dirty="0"/>
+                        <a:t>axis = 0 (</a:t>
+                      </a:r>
+                      <a:r>
+                        <a:rPr lang="ko-KR" altLang="en-US" b="0" dirty="0"/>
+                        <a:t>행 ↓</a:t>
+                      </a:r>
+                      <a:r>
+                        <a:rPr lang="en-US" altLang="ko-KR" b="0" dirty="0"/>
+                        <a:t>) | 1 (</a:t>
+                      </a:r>
+                      <a:r>
+                        <a:rPr lang="ko-KR" altLang="en-US" b="0" dirty="0"/>
+                        <a:t>열 →</a:t>
+                      </a:r>
+                      <a:r>
+                        <a:rPr lang="en-US" altLang="ko-KR" b="0" dirty="0"/>
+                        <a:t>)</a:t>
+                      </a:r>
+                    </a:p>
+                    <a:p>
+                      <a:pPr marL="285750" marR="0" lvl="0" indent="-285750" algn="l" defTabSz="914400" rtl="0" eaLnBrk="1" fontAlgn="auto" latinLnBrk="1" hangingPunct="1">
+                        <a:lnSpc>
+                          <a:spcPct val="150000"/>
+                        </a:lnSpc>
+                        <a:spcBef>
+                          <a:spcPts val="0"/>
+                        </a:spcBef>
+                        <a:spcAft>
+                          <a:spcPts val="0"/>
+                        </a:spcAft>
+                        <a:buClrTx/>
+                        <a:buSzTx/>
+                        <a:buFont typeface="Arial" panose="020B0604020202020204" pitchFamily="34" charset="0"/>
+                        <a:buChar char="•"/>
+                        <a:tabLst/>
+                        <a:defRPr/>
+                      </a:pPr>
+                      <a:r>
+                        <a:rPr lang="en-US" altLang="ko-KR" b="0" dirty="0"/>
+                        <a:t>ascending = True (</a:t>
+                      </a:r>
+                      <a:r>
+                        <a:rPr lang="ko-KR" altLang="en-US" b="0" dirty="0"/>
+                        <a:t>오름차순</a:t>
+                      </a:r>
+                      <a:r>
+                        <a:rPr lang="en-US" altLang="ko-KR" b="0" dirty="0"/>
+                        <a:t>) | False (</a:t>
+                      </a:r>
+                      <a:r>
+                        <a:rPr lang="ko-KR" altLang="en-US" b="0" dirty="0"/>
+                        <a:t>내림차순</a:t>
+                      </a:r>
+                      <a:r>
+                        <a:rPr lang="en-US" altLang="ko-KR" b="0" dirty="0"/>
+                        <a:t>)</a:t>
+                      </a:r>
+                    </a:p>
+                  </a:txBody>
+                  <a:tcPr>
+                    <a:lnL w="12700" cap="flat" cmpd="sng" algn="ctr">
+                      <a:solidFill>
+                        <a:schemeClr val="tx1"/>
+                      </a:solidFill>
+                      <a:prstDash val="solid"/>
+                      <a:round/>
+                      <a:headEnd type="none" w="med" len="med"/>
+                      <a:tailEnd type="none" w="med" len="med"/>
+                    </a:lnL>
+                    <a:lnT w="12700" cmpd="sng">
+                      <a:noFill/>
+                    </a:lnT>
+                    <a:lnB w="12700" cap="flat" cmpd="sng" algn="ctr">
+                      <a:noFill/>
+                      <a:prstDash val="solid"/>
+                      <a:round/>
+                      <a:headEnd type="none" w="med" len="med"/>
+                      <a:tailEnd type="none" w="med" len="med"/>
+                    </a:lnB>
+                  </a:tcPr>
+                </a:tc>
+                <a:extLst>
+                  <a:ext uri="{0D108BD9-81ED-4DB2-BD59-A6C34878D82A}">
+                    <a16:rowId xmlns:a16="http://schemas.microsoft.com/office/drawing/2014/main" val="894891393"/>
+                  </a:ext>
+                </a:extLst>
+              </a:tr>
+            </a:tbl>
+          </a:graphicData>
+        </a:graphic>
+      </p:graphicFrame>
+    </p:spTree>
+    <p:extLst>
+      <p:ext uri="{BB962C8B-B14F-4D97-AF65-F5344CB8AC3E}">
+        <p14:creationId xmlns:p14="http://schemas.microsoft.com/office/powerpoint/2010/main" val="4204371201"/>
+      </p:ext>
+    </p:extLst>
+  </p:cSld>
+  <p:clrMapOvr>
+    <a:masterClrMapping/>
+  </p:clrMapOvr>
+</p:sld>
+</file>
+
+<file path=ppt/slides/slide15.xml><?xml version="1.0" encoding="utf-8"?>
+<p:sld xmlns:a="http://schemas.openxmlformats.org/drawingml/2006/main" xmlns:r="http://schemas.openxmlformats.org/officeDocument/2006/relationships" xmlns:p="http://schemas.openxmlformats.org/presentationml/2006/main">
+  <p:cSld>
+    <p:spTree>
+      <p:nvGrpSpPr>
+        <p:cNvPr id="1" name=""/>
+        <p:cNvGrpSpPr/>
+        <p:nvPr/>
+      </p:nvGrpSpPr>
+      <p:grpSpPr>
+        <a:xfrm>
+          <a:off x="0" y="0"/>
+          <a:ext cx="0" cy="0"/>
+          <a:chOff x="0" y="0"/>
+          <a:chExt cx="0" cy="0"/>
+        </a:xfrm>
+      </p:grpSpPr>
+      <p:graphicFrame>
+        <p:nvGraphicFramePr>
+          <p:cNvPr id="2" name="표 1">
+            <a:extLst>
+              <a:ext uri="{FF2B5EF4-FFF2-40B4-BE49-F238E27FC236}">
+                <a16:creationId xmlns:a16="http://schemas.microsoft.com/office/drawing/2014/main" id="{317D1F58-19A4-493F-BF53-E38506C7470E}"/>
+              </a:ext>
+            </a:extLst>
+          </p:cNvPr>
+          <p:cNvGraphicFramePr>
+            <a:graphicFrameLocks noGrp="1"/>
+          </p:cNvGraphicFramePr>
+          <p:nvPr>
+            <p:extLst>
+              <p:ext uri="{D42A27DB-BD31-4B8C-83A1-F6EECF244321}">
+                <p14:modId xmlns:p14="http://schemas.microsoft.com/office/powerpoint/2010/main" val="1482249944"/>
+              </p:ext>
+            </p:extLst>
+          </p:nvPr>
+        </p:nvGraphicFramePr>
+        <p:xfrm>
+          <a:off x="0" y="0"/>
+          <a:ext cx="11880000" cy="5991228"/>
+        </p:xfrm>
+        <a:graphic>
+          <a:graphicData uri="http://schemas.openxmlformats.org/drawingml/2006/table">
+            <a:tbl>
+              <a:tblPr firstRow="1" bandRow="1">
+                <a:tableStyleId>{5FD0F851-EC5A-4D38-B0AD-8093EC10F338}</a:tableStyleId>
+              </a:tblPr>
+              <a:tblGrid>
+                <a:gridCol w="5760000">
+                  <a:extLst>
+                    <a:ext uri="{9D8B030D-6E8A-4147-A177-3AD203B41FA5}">
+                      <a16:colId xmlns:a16="http://schemas.microsoft.com/office/drawing/2014/main" val="3349319659"/>
+                    </a:ext>
+                  </a:extLst>
+                </a:gridCol>
+                <a:gridCol w="6120000">
+                  <a:extLst>
+                    <a:ext uri="{9D8B030D-6E8A-4147-A177-3AD203B41FA5}">
+                      <a16:colId xmlns:a16="http://schemas.microsoft.com/office/drawing/2014/main" val="3857639582"/>
+                    </a:ext>
+                  </a:extLst>
+                </a:gridCol>
+              </a:tblGrid>
+              <a:tr h="370840">
+                <a:tc>
+                  <a:txBody>
+                    <a:bodyPr/>
+                    <a:lstStyle/>
+                    <a:p>
+                      <a:pPr lvl="0" latinLnBrk="1">
+                        <a:lnSpc>
+                          <a:spcPct val="150000"/>
+                        </a:lnSpc>
+                      </a:pPr>
+                      <a:r>
+                        <a:rPr lang="en-US" altLang="ko-KR" b="1" dirty="0"/>
+                        <a:t>df = </a:t>
+                      </a:r>
+                      <a:r>
+                        <a:rPr lang="en-US" altLang="ko-KR" b="1" dirty="0" err="1"/>
+                        <a:t>pd.read_csv</a:t>
+                      </a:r>
+                      <a:r>
+                        <a:rPr lang="en-US" altLang="ko-KR" b="1" dirty="0"/>
+                        <a:t>(</a:t>
+                      </a:r>
+                      <a:r>
+                        <a:rPr lang="ko-KR" altLang="en-US" b="0" dirty="0"/>
+                        <a:t>파일 경로</a:t>
+                      </a:r>
+                      <a:r>
+                        <a:rPr lang="en-US" altLang="ko-KR" b="0" dirty="0"/>
+                        <a:t>, </a:t>
+                      </a:r>
+                      <a:r>
+                        <a:rPr lang="en-US" altLang="ko-KR" b="0" dirty="0" err="1"/>
+                        <a:t>na_values</a:t>
+                      </a:r>
+                      <a:r>
+                        <a:rPr lang="en-US" altLang="ko-KR" b="0" dirty="0"/>
+                        <a:t> = </a:t>
+                      </a:r>
+                      <a:r>
+                        <a:rPr lang="ko-KR" altLang="en-US" b="0" dirty="0" err="1"/>
+                        <a:t>결측값</a:t>
+                      </a:r>
+                      <a:r>
+                        <a:rPr lang="en-US" altLang="ko-KR" b="0" dirty="0"/>
+                        <a:t>,</a:t>
+                      </a:r>
+                    </a:p>
+                    <a:p>
+                      <a:pPr lvl="4" latinLnBrk="1">
+                        <a:lnSpc>
+                          <a:spcPct val="150000"/>
+                        </a:lnSpc>
+                      </a:pPr>
+                      <a:r>
+                        <a:rPr lang="en-US" altLang="ko-KR" b="0" dirty="0" err="1"/>
+                        <a:t>index_col</a:t>
+                      </a:r>
+                      <a:r>
+                        <a:rPr lang="ko-KR" altLang="en-US" b="0" dirty="0"/>
+                        <a:t> </a:t>
+                      </a:r>
+                      <a:r>
+                        <a:rPr lang="en-US" altLang="ko-KR" b="0" dirty="0"/>
+                        <a:t>=</a:t>
+                      </a:r>
+                      <a:r>
+                        <a:rPr lang="ko-KR" altLang="en-US" b="0" dirty="0"/>
+                        <a:t> 인덱스로 사용할 칼럼</a:t>
+                      </a:r>
+                      <a:r>
+                        <a:rPr lang="en-US" altLang="ko-KR" b="1" dirty="0"/>
+                        <a:t>)</a:t>
+                      </a:r>
+                    </a:p>
+                    <a:p>
+                      <a:pPr latinLnBrk="1">
+                        <a:lnSpc>
+                          <a:spcPct val="150000"/>
+                        </a:lnSpc>
+                      </a:pPr>
+                      <a:r>
+                        <a:rPr lang="ko-KR" altLang="en-US" b="0" dirty="0"/>
+                        <a:t>이외에도</a:t>
+                      </a:r>
+                      <a:r>
+                        <a:rPr lang="en-US" altLang="ko-KR" b="0" dirty="0"/>
+                        <a:t>,</a:t>
+                      </a:r>
+                    </a:p>
+                    <a:p>
+                      <a:pPr latinLnBrk="1">
+                        <a:lnSpc>
+                          <a:spcPct val="150000"/>
+                        </a:lnSpc>
+                      </a:pPr>
+                      <a:r>
+                        <a:rPr lang="en-US" altLang="ko-KR" b="1" dirty="0" err="1"/>
+                        <a:t>pd.read_excel</a:t>
+                      </a:r>
+                      <a:r>
+                        <a:rPr lang="en-US" altLang="ko-KR" b="1" dirty="0"/>
+                        <a:t>(), </a:t>
+                      </a:r>
+                      <a:r>
+                        <a:rPr lang="en-US" altLang="ko-KR" b="1" dirty="0" err="1"/>
+                        <a:t>pd.read_json</a:t>
+                      </a:r>
+                      <a:r>
+                        <a:rPr lang="en-US" altLang="ko-KR" b="1" dirty="0"/>
+                        <a:t>(),</a:t>
+                      </a:r>
+                      <a:r>
+                        <a:rPr lang="ko-KR" altLang="en-US" b="1" dirty="0"/>
+                        <a:t> </a:t>
+                      </a:r>
+                      <a:r>
+                        <a:rPr lang="en-US" altLang="ko-KR" b="1" dirty="0" err="1"/>
+                        <a:t>pd.read_pickle</a:t>
+                      </a:r>
+                      <a:r>
+                        <a:rPr lang="en-US" altLang="ko-KR" b="1" dirty="0"/>
+                        <a:t>(),</a:t>
+                      </a:r>
+                    </a:p>
+                    <a:p>
+                      <a:pPr latinLnBrk="1">
+                        <a:lnSpc>
+                          <a:spcPct val="150000"/>
+                        </a:lnSpc>
+                      </a:pPr>
+                      <a:r>
+                        <a:rPr lang="en-US" altLang="ko-KR" b="1" dirty="0" err="1"/>
+                        <a:t>pd.read_spss</a:t>
+                      </a:r>
+                      <a:r>
+                        <a:rPr lang="en-US" altLang="ko-KR" b="1" dirty="0"/>
+                        <a:t>(), </a:t>
+                      </a:r>
+                      <a:r>
+                        <a:rPr lang="en-US" altLang="ko-KR" b="1" dirty="0" err="1"/>
+                        <a:t>pd.read_spl</a:t>
+                      </a:r>
+                      <a:r>
+                        <a:rPr lang="en-US" altLang="ko-KR" b="1" dirty="0"/>
+                        <a:t>()</a:t>
+                      </a:r>
+                      <a:r>
+                        <a:rPr lang="en-US" altLang="ko-KR" b="0" dirty="0"/>
+                        <a:t> </a:t>
+                      </a:r>
+                      <a:r>
+                        <a:rPr lang="ko-KR" altLang="en-US" b="0" dirty="0"/>
+                        <a:t>등 여러 형식을 지원</a:t>
+                      </a:r>
+                      <a:endParaRPr lang="en-US" altLang="ko-KR" b="0" dirty="0"/>
+                    </a:p>
+                  </a:txBody>
+                  <a:tcPr>
+                    <a:lnL w="12700" cap="flat" cmpd="sng" algn="ctr">
+                      <a:noFill/>
+                      <a:prstDash val="solid"/>
+                      <a:round/>
+                      <a:headEnd type="none" w="med" len="med"/>
+                      <a:tailEnd type="none" w="med" len="med"/>
+                    </a:lnL>
+                    <a:lnR w="12700" cap="flat" cmpd="sng" algn="ctr">
+                      <a:solidFill>
+                        <a:schemeClr val="tx1"/>
+                      </a:solidFill>
+                      <a:prstDash val="solid"/>
+                      <a:round/>
+                      <a:headEnd type="none" w="med" len="med"/>
+                      <a:tailEnd type="none" w="med" len="med"/>
+                    </a:lnR>
+                    <a:lnB w="12700" cap="flat" cmpd="sng" algn="ctr">
+                      <a:noFill/>
+                      <a:prstDash val="solid"/>
+                      <a:round/>
+                      <a:headEnd type="none" w="med" len="med"/>
+                      <a:tailEnd type="none" w="med" len="med"/>
+                    </a:lnB>
+                  </a:tcPr>
+                </a:tc>
+                <a:tc>
+                  <a:txBody>
+                    <a:bodyPr/>
+                    <a:lstStyle/>
+                    <a:p>
+                      <a:pPr marL="285750" indent="-285750" latinLnBrk="1">
+                        <a:lnSpc>
+                          <a:spcPct val="150000"/>
+                        </a:lnSpc>
+                        <a:buFont typeface="Arial" panose="020B0604020202020204" pitchFamily="34" charset="0"/>
+                        <a:buChar char="•"/>
+                      </a:pPr>
+                      <a:r>
+                        <a:rPr lang="en-US" altLang="ko-KR" b="0" dirty="0"/>
+                        <a:t>CSV</a:t>
+                      </a:r>
+                      <a:r>
+                        <a:rPr lang="ko-KR" altLang="en-US" b="0" dirty="0"/>
+                        <a:t> 파일을 </a:t>
+                      </a:r>
+                      <a:r>
+                        <a:rPr lang="en-US" altLang="ko-KR" b="0" dirty="0" err="1"/>
+                        <a:t>DataFrame</a:t>
+                      </a:r>
+                      <a:r>
+                        <a:rPr lang="ko-KR" altLang="en-US" b="0" dirty="0"/>
+                        <a:t>으로 불러오기</a:t>
+                      </a:r>
+                      <a:endParaRPr lang="en-US" altLang="ko-KR" b="0" dirty="0"/>
+                    </a:p>
+                    <a:p>
+                      <a:pPr marL="285750" indent="-285750" latinLnBrk="1">
+                        <a:lnSpc>
+                          <a:spcPct val="150000"/>
+                        </a:lnSpc>
+                        <a:buFont typeface="Arial" panose="020B0604020202020204" pitchFamily="34" charset="0"/>
+                        <a:buChar char="•"/>
+                      </a:pPr>
+                      <a:r>
+                        <a:rPr lang="en-US" altLang="ko-KR" b="0" dirty="0" err="1"/>
+                        <a:t>na_values</a:t>
+                      </a:r>
+                      <a:r>
+                        <a:rPr lang="en-US" altLang="ko-KR" b="0" dirty="0"/>
+                        <a:t>: </a:t>
+                      </a:r>
+                      <a:r>
+                        <a:rPr lang="ko-KR" altLang="en-US" b="0" dirty="0" err="1"/>
+                        <a:t>결측값으로</a:t>
+                      </a:r>
+                      <a:r>
+                        <a:rPr lang="ko-KR" altLang="en-US" b="0" dirty="0"/>
+                        <a:t> 지정해준 값을 </a:t>
+                      </a:r>
+                      <a:r>
+                        <a:rPr lang="en-US" altLang="ko-KR" b="0" dirty="0" err="1"/>
+                        <a:t>NaN</a:t>
+                      </a:r>
+                      <a:r>
+                        <a:rPr lang="ko-KR" altLang="en-US" b="0" dirty="0"/>
+                        <a:t>으로 </a:t>
+                      </a:r>
+                      <a:r>
+                        <a:rPr lang="ko-KR" altLang="en-US" b="0" dirty="0" err="1"/>
+                        <a:t>바꿔줌</a:t>
+                      </a:r>
+                      <a:endParaRPr lang="en-US" altLang="ko-KR" b="0" dirty="0"/>
+                    </a:p>
+                  </a:txBody>
+                  <a:tcPr>
+                    <a:lnL w="12700" cap="flat" cmpd="sng" algn="ctr">
+                      <a:solidFill>
+                        <a:schemeClr val="tx1"/>
+                      </a:solidFill>
+                      <a:prstDash val="solid"/>
+                      <a:round/>
+                      <a:headEnd type="none" w="med" len="med"/>
+                      <a:tailEnd type="none" w="med" len="med"/>
+                    </a:lnL>
+                    <a:lnB w="12700" cap="flat" cmpd="sng" algn="ctr">
+                      <a:noFill/>
+                      <a:prstDash val="solid"/>
+                      <a:round/>
+                      <a:headEnd type="none" w="med" len="med"/>
+                      <a:tailEnd type="none" w="med" len="med"/>
+                    </a:lnB>
+                  </a:tcPr>
+                </a:tc>
+                <a:extLst>
+                  <a:ext uri="{0D108BD9-81ED-4DB2-BD59-A6C34878D82A}">
+                    <a16:rowId xmlns:a16="http://schemas.microsoft.com/office/drawing/2014/main" val="1699189099"/>
+                  </a:ext>
+                </a:extLst>
+              </a:tr>
+              <a:tr h="370840">
+                <a:tc>
+                  <a:txBody>
+                    <a:bodyPr/>
+                    <a:lstStyle/>
+                    <a:p>
+                      <a:pPr latinLnBrk="1">
+                        <a:lnSpc>
+                          <a:spcPct val="150000"/>
+                        </a:lnSpc>
+                      </a:pPr>
+                      <a:r>
+                        <a:rPr lang="en-US" altLang="ko-KR" b="1" dirty="0"/>
+                        <a:t>df.info()</a:t>
+                      </a:r>
+                    </a:p>
+                  </a:txBody>
+                  <a:tcPr>
+                    <a:lnL w="12700" cap="flat" cmpd="sng" algn="ctr">
+                      <a:noFill/>
+                      <a:prstDash val="solid"/>
+                      <a:round/>
+                      <a:headEnd type="none" w="med" len="med"/>
+                      <a:tailEnd type="none" w="med" len="med"/>
+                    </a:lnL>
+                    <a:lnR w="12700" cap="flat" cmpd="sng" algn="ctr">
+                      <a:solidFill>
+                        <a:schemeClr val="tx1"/>
+                      </a:solidFill>
+                      <a:prstDash val="solid"/>
+                      <a:round/>
+                      <a:headEnd type="none" w="med" len="med"/>
+                      <a:tailEnd type="none" w="med" len="med"/>
+                    </a:lnR>
+                    <a:lnT w="12700" cmpd="sng">
+                      <a:noFill/>
+                    </a:lnT>
+                    <a:lnB w="12700" cap="flat" cmpd="sng" algn="ctr">
+                      <a:noFill/>
+                      <a:prstDash val="solid"/>
+                      <a:round/>
+                      <a:headEnd type="none" w="med" len="med"/>
+                      <a:tailEnd type="none" w="med" len="med"/>
+                    </a:lnB>
+                  </a:tcPr>
+                </a:tc>
+                <a:tc>
+                  <a:txBody>
+                    <a:bodyPr/>
+                    <a:lstStyle/>
+                    <a:p>
+                      <a:pPr marL="285750" marR="0" lvl="0" indent="-285750" algn="l" defTabSz="914400" rtl="0" eaLnBrk="1" fontAlgn="auto" latinLnBrk="1" hangingPunct="1">
+                        <a:lnSpc>
+                          <a:spcPct val="150000"/>
+                        </a:lnSpc>
+                        <a:spcBef>
+                          <a:spcPts val="0"/>
+                        </a:spcBef>
+                        <a:spcAft>
+                          <a:spcPts val="0"/>
+                        </a:spcAft>
+                        <a:buClrTx/>
+                        <a:buSzTx/>
+                        <a:buFont typeface="Arial" panose="020B0604020202020204" pitchFamily="34" charset="0"/>
+                        <a:buChar char="•"/>
+                        <a:tabLst/>
+                        <a:defRPr/>
+                      </a:pPr>
+                      <a:r>
+                        <a:rPr lang="en-US" altLang="ko-KR" b="0" dirty="0" err="1"/>
+                        <a:t>DataFrame</a:t>
+                      </a:r>
+                      <a:r>
+                        <a:rPr lang="ko-KR" altLang="en-US" b="0" dirty="0"/>
+                        <a:t>의 전반적인 정보 표출</a:t>
+                      </a:r>
+                      <a:endParaRPr lang="en-US" altLang="ko-KR" b="0" dirty="0"/>
+                    </a:p>
+                    <a:p>
+                      <a:pPr marL="285750" marR="0" lvl="0" indent="-285750" algn="l" defTabSz="914400" rtl="0" eaLnBrk="1" fontAlgn="auto" latinLnBrk="1" hangingPunct="1">
+                        <a:lnSpc>
+                          <a:spcPct val="150000"/>
+                        </a:lnSpc>
+                        <a:spcBef>
+                          <a:spcPts val="0"/>
+                        </a:spcBef>
+                        <a:spcAft>
+                          <a:spcPts val="0"/>
+                        </a:spcAft>
+                        <a:buClrTx/>
+                        <a:buSzTx/>
+                        <a:buFont typeface="Arial" panose="020B0604020202020204" pitchFamily="34" charset="0"/>
+                        <a:buChar char="•"/>
+                        <a:tabLst/>
+                        <a:defRPr/>
+                      </a:pPr>
+                      <a:r>
+                        <a:rPr lang="ko-KR" altLang="en-US" b="0" dirty="0"/>
+                        <a:t>인덱스 범위</a:t>
+                      </a:r>
+                      <a:r>
+                        <a:rPr lang="en-US" altLang="ko-KR" b="0" dirty="0"/>
+                        <a:t>, </a:t>
+                      </a:r>
+                      <a:r>
+                        <a:rPr lang="ko-KR" altLang="en-US" b="0" dirty="0" err="1"/>
+                        <a:t>칼럼명</a:t>
+                      </a:r>
+                      <a:r>
+                        <a:rPr lang="en-US" altLang="ko-KR" b="0" dirty="0"/>
+                        <a:t>, Non-Null</a:t>
+                      </a:r>
+                      <a:r>
+                        <a:rPr lang="ko-KR" altLang="en-US" b="0" dirty="0"/>
+                        <a:t> 개수</a:t>
+                      </a:r>
+                      <a:r>
+                        <a:rPr lang="en-US" altLang="ko-KR" b="0" dirty="0"/>
+                        <a:t>, </a:t>
+                      </a:r>
+                      <a:r>
+                        <a:rPr lang="ko-KR" altLang="en-US" b="0" dirty="0"/>
+                        <a:t>자료형</a:t>
+                      </a:r>
+                      <a:r>
+                        <a:rPr lang="en-US" altLang="ko-KR" b="0" dirty="0"/>
+                        <a:t>, </a:t>
+                      </a:r>
+                      <a:r>
+                        <a:rPr lang="ko-KR" altLang="en-US" b="0" dirty="0"/>
+                        <a:t>용량</a:t>
+                      </a:r>
+                    </a:p>
+                  </a:txBody>
+                  <a:tcPr>
+                    <a:lnL w="12700" cap="flat" cmpd="sng" algn="ctr">
+                      <a:solidFill>
+                        <a:schemeClr val="tx1"/>
+                      </a:solidFill>
+                      <a:prstDash val="solid"/>
+                      <a:round/>
+                      <a:headEnd type="none" w="med" len="med"/>
+                      <a:tailEnd type="none" w="med" len="med"/>
+                    </a:lnL>
+                    <a:lnT w="12700" cmpd="sng">
+                      <a:noFill/>
+                    </a:lnT>
+                    <a:lnB w="12700" cap="flat" cmpd="sng" algn="ctr">
+                      <a:noFill/>
+                      <a:prstDash val="solid"/>
+                      <a:round/>
+                      <a:headEnd type="none" w="med" len="med"/>
+                      <a:tailEnd type="none" w="med" len="med"/>
+                    </a:lnB>
+                  </a:tcPr>
+                </a:tc>
+                <a:extLst>
+                  <a:ext uri="{0D108BD9-81ED-4DB2-BD59-A6C34878D82A}">
+                    <a16:rowId xmlns:a16="http://schemas.microsoft.com/office/drawing/2014/main" val="1604584489"/>
+                  </a:ext>
+                </a:extLst>
+              </a:tr>
+              <a:tr h="370840">
+                <a:tc>
+                  <a:txBody>
+                    <a:bodyPr/>
+                    <a:lstStyle/>
+                    <a:p>
+                      <a:pPr latinLnBrk="1">
+                        <a:lnSpc>
+                          <a:spcPct val="150000"/>
+                        </a:lnSpc>
+                      </a:pPr>
+                      <a:r>
+                        <a:rPr lang="en-US" altLang="ko-KR" b="1" dirty="0" err="1"/>
+                        <a:t>df.head</a:t>
+                      </a:r>
+                      <a:r>
+                        <a:rPr lang="en-US" altLang="ko-KR" b="1" dirty="0"/>
+                        <a:t>(#)</a:t>
+                      </a:r>
+                    </a:p>
+                    <a:p>
+                      <a:pPr latinLnBrk="1">
+                        <a:lnSpc>
+                          <a:spcPct val="150000"/>
+                        </a:lnSpc>
+                      </a:pPr>
+                      <a:r>
+                        <a:rPr lang="en-US" altLang="ko-KR" b="1" dirty="0" err="1"/>
+                        <a:t>df.tail</a:t>
+                      </a:r>
+                      <a:r>
+                        <a:rPr lang="en-US" altLang="ko-KR" b="1" dirty="0"/>
+                        <a:t>(#)</a:t>
+                      </a:r>
+                    </a:p>
+                  </a:txBody>
+                  <a:tcPr>
+                    <a:lnL w="12700" cap="flat" cmpd="sng" algn="ctr">
+                      <a:noFill/>
+                      <a:prstDash val="solid"/>
+                      <a:round/>
+                      <a:headEnd type="none" w="med" len="med"/>
+                      <a:tailEnd type="none" w="med" len="med"/>
+                    </a:lnL>
+                    <a:lnR w="12700" cap="flat" cmpd="sng" algn="ctr">
+                      <a:solidFill>
+                        <a:schemeClr val="tx1"/>
+                      </a:solidFill>
+                      <a:prstDash val="solid"/>
+                      <a:round/>
+                      <a:headEnd type="none" w="med" len="med"/>
+                      <a:tailEnd type="none" w="med" len="med"/>
+                    </a:lnR>
+                    <a:lnT w="12700" cmpd="sng">
+                      <a:noFill/>
+                    </a:lnT>
+                    <a:lnB w="12700" cap="flat" cmpd="sng" algn="ctr">
+                      <a:noFill/>
+                      <a:prstDash val="solid"/>
+                      <a:round/>
+                      <a:headEnd type="none" w="med" len="med"/>
+                      <a:tailEnd type="none" w="med" len="med"/>
+                    </a:lnB>
+                  </a:tcPr>
+                </a:tc>
+                <a:tc>
+                  <a:txBody>
+                    <a:bodyPr/>
+                    <a:lstStyle/>
+                    <a:p>
+                      <a:pPr marL="285750" marR="0" lvl="0" indent="-285750" algn="l" defTabSz="914400" rtl="0" eaLnBrk="1" fontAlgn="auto" latinLnBrk="1" hangingPunct="1">
+                        <a:lnSpc>
+                          <a:spcPct val="150000"/>
+                        </a:lnSpc>
+                        <a:spcBef>
+                          <a:spcPts val="0"/>
+                        </a:spcBef>
+                        <a:spcAft>
+                          <a:spcPts val="0"/>
+                        </a:spcAft>
+                        <a:buClrTx/>
+                        <a:buSzTx/>
+                        <a:buFont typeface="Arial" panose="020B0604020202020204" pitchFamily="34" charset="0"/>
+                        <a:buChar char="•"/>
+                        <a:tabLst/>
+                        <a:defRPr/>
+                      </a:pPr>
+                      <a:r>
+                        <a:rPr lang="en-US" altLang="ko-KR" b="0" dirty="0"/>
+                        <a:t>head(): </a:t>
+                      </a:r>
+                      <a:r>
+                        <a:rPr lang="en-US" altLang="ko-KR" b="0" dirty="0" err="1"/>
+                        <a:t>DataFrame</a:t>
+                      </a:r>
+                      <a:r>
+                        <a:rPr lang="ko-KR" altLang="en-US" b="0" dirty="0"/>
+                        <a:t>의 처음 </a:t>
+                      </a:r>
+                      <a:r>
+                        <a:rPr lang="en-US" altLang="ko-KR" b="0" dirty="0"/>
+                        <a:t># </a:t>
+                      </a:r>
+                      <a:r>
+                        <a:rPr lang="ko-KR" altLang="en-US" b="0" dirty="0"/>
+                        <a:t>줄을 표출</a:t>
+                      </a:r>
+                      <a:endParaRPr lang="en-US" altLang="ko-KR" b="0" dirty="0"/>
+                    </a:p>
+                    <a:p>
+                      <a:pPr marL="285750" marR="0" lvl="0" indent="-285750" algn="l" defTabSz="914400" rtl="0" eaLnBrk="1" fontAlgn="auto" latinLnBrk="1" hangingPunct="1">
+                        <a:lnSpc>
+                          <a:spcPct val="150000"/>
+                        </a:lnSpc>
+                        <a:spcBef>
+                          <a:spcPts val="0"/>
+                        </a:spcBef>
+                        <a:spcAft>
+                          <a:spcPts val="0"/>
+                        </a:spcAft>
+                        <a:buClrTx/>
+                        <a:buSzTx/>
+                        <a:buFont typeface="Arial" panose="020B0604020202020204" pitchFamily="34" charset="0"/>
+                        <a:buChar char="•"/>
+                        <a:tabLst/>
+                        <a:defRPr/>
+                      </a:pPr>
+                      <a:r>
+                        <a:rPr lang="en-US" altLang="ko-KR" b="0" dirty="0"/>
+                        <a:t>tail(): </a:t>
+                      </a:r>
+                      <a:r>
+                        <a:rPr lang="en-US" altLang="ko-KR" b="0" dirty="0" err="1"/>
+                        <a:t>DataFrame</a:t>
+                      </a:r>
+                      <a:r>
+                        <a:rPr lang="ko-KR" altLang="en-US" b="0" dirty="0"/>
+                        <a:t>의 마지막 </a:t>
+                      </a:r>
+                      <a:r>
+                        <a:rPr lang="en-US" altLang="ko-KR" b="0" dirty="0"/>
+                        <a:t># </a:t>
+                      </a:r>
+                      <a:r>
+                        <a:rPr lang="ko-KR" altLang="en-US" b="0" dirty="0"/>
+                        <a:t>줄을 표출</a:t>
+                      </a:r>
+                      <a:endParaRPr lang="en-US" altLang="ko-KR" b="0" dirty="0"/>
+                    </a:p>
+                    <a:p>
+                      <a:pPr marL="285750" marR="0" lvl="0" indent="-285750" algn="l" defTabSz="914400" rtl="0" eaLnBrk="1" fontAlgn="auto" latinLnBrk="1" hangingPunct="1">
+                        <a:lnSpc>
+                          <a:spcPct val="150000"/>
+                        </a:lnSpc>
+                        <a:spcBef>
+                          <a:spcPts val="0"/>
+                        </a:spcBef>
+                        <a:spcAft>
+                          <a:spcPts val="0"/>
+                        </a:spcAft>
+                        <a:buClrTx/>
+                        <a:buSzTx/>
+                        <a:buFont typeface="Arial" panose="020B0604020202020204" pitchFamily="34" charset="0"/>
+                        <a:buChar char="•"/>
+                        <a:tabLst/>
+                        <a:defRPr/>
+                      </a:pPr>
+                      <a:r>
+                        <a:rPr lang="en-US" altLang="ko-KR" b="0" dirty="0"/>
+                        <a:t>Default # = 5</a:t>
+                      </a:r>
+                      <a:endParaRPr lang="ko-KR" altLang="en-US" b="0" dirty="0"/>
+                    </a:p>
+                  </a:txBody>
+                  <a:tcPr>
+                    <a:lnL w="12700" cap="flat" cmpd="sng" algn="ctr">
+                      <a:solidFill>
+                        <a:schemeClr val="tx1"/>
+                      </a:solidFill>
+                      <a:prstDash val="solid"/>
+                      <a:round/>
+                      <a:headEnd type="none" w="med" len="med"/>
+                      <a:tailEnd type="none" w="med" len="med"/>
+                    </a:lnL>
+                    <a:lnT w="12700" cmpd="sng">
+                      <a:noFill/>
+                    </a:lnT>
+                    <a:lnB w="12700" cap="flat" cmpd="sng" algn="ctr">
+                      <a:noFill/>
+                      <a:prstDash val="solid"/>
+                      <a:round/>
+                      <a:headEnd type="none" w="med" len="med"/>
+                      <a:tailEnd type="none" w="med" len="med"/>
+                    </a:lnB>
+                  </a:tcPr>
+                </a:tc>
+                <a:extLst>
+                  <a:ext uri="{0D108BD9-81ED-4DB2-BD59-A6C34878D82A}">
+                    <a16:rowId xmlns:a16="http://schemas.microsoft.com/office/drawing/2014/main" val="1485324030"/>
+                  </a:ext>
+                </a:extLst>
+              </a:tr>
+              <a:tr h="370840">
+                <a:tc>
+                  <a:txBody>
+                    <a:bodyPr/>
+                    <a:lstStyle/>
+                    <a:p>
+                      <a:pPr marL="0" marR="0" lvl="0" indent="0" algn="l" defTabSz="914400" rtl="0" eaLnBrk="1" fontAlgn="auto" latinLnBrk="1" hangingPunct="1">
+                        <a:lnSpc>
+                          <a:spcPct val="150000"/>
+                        </a:lnSpc>
+                        <a:spcBef>
+                          <a:spcPts val="0"/>
+                        </a:spcBef>
+                        <a:spcAft>
+                          <a:spcPts val="0"/>
+                        </a:spcAft>
+                        <a:buClrTx/>
+                        <a:buSzTx/>
+                        <a:buFontTx/>
+                        <a:buNone/>
+                        <a:tabLst/>
+                        <a:defRPr/>
+                      </a:pPr>
+                      <a:r>
+                        <a:rPr lang="en-US" altLang="ko-KR" b="1" dirty="0" err="1"/>
+                        <a:t>df.shape</a:t>
+                      </a:r>
+                      <a:endParaRPr lang="en-US" altLang="ko-KR" b="1" dirty="0"/>
+                    </a:p>
+                  </a:txBody>
+                  <a:tcPr>
+                    <a:lnL w="12700" cap="flat" cmpd="sng" algn="ctr">
+                      <a:noFill/>
+                      <a:prstDash val="solid"/>
+                      <a:round/>
+                      <a:headEnd type="none" w="med" len="med"/>
+                      <a:tailEnd type="none" w="med" len="med"/>
+                    </a:lnL>
+                    <a:lnR w="12700" cap="flat" cmpd="sng" algn="ctr">
+                      <a:solidFill>
+                        <a:schemeClr val="tx1"/>
+                      </a:solidFill>
+                      <a:prstDash val="solid"/>
+                      <a:round/>
+                      <a:headEnd type="none" w="med" len="med"/>
+                      <a:tailEnd type="none" w="med" len="med"/>
+                    </a:lnR>
+                    <a:lnT w="12700" cmpd="sng">
+                      <a:noFill/>
+                    </a:lnT>
+                    <a:lnB w="12700" cap="flat" cmpd="sng" algn="ctr">
+                      <a:noFill/>
+                      <a:prstDash val="solid"/>
+                      <a:round/>
+                      <a:headEnd type="none" w="med" len="med"/>
+                      <a:tailEnd type="none" w="med" len="med"/>
+                    </a:lnB>
+                  </a:tcPr>
+                </a:tc>
+                <a:tc>
+                  <a:txBody>
+                    <a:bodyPr/>
+                    <a:lstStyle/>
+                    <a:p>
+                      <a:pPr marL="285750" marR="0" lvl="0" indent="-285750" algn="l" defTabSz="914400" rtl="0" eaLnBrk="1" fontAlgn="auto" latinLnBrk="1" hangingPunct="1">
+                        <a:lnSpc>
+                          <a:spcPct val="150000"/>
+                        </a:lnSpc>
+                        <a:spcBef>
+                          <a:spcPts val="0"/>
+                        </a:spcBef>
+                        <a:spcAft>
+                          <a:spcPts val="0"/>
+                        </a:spcAft>
+                        <a:buClrTx/>
+                        <a:buSzTx/>
+                        <a:buFont typeface="Arial" panose="020B0604020202020204" pitchFamily="34" charset="0"/>
+                        <a:buChar char="•"/>
+                        <a:tabLst/>
+                        <a:defRPr/>
+                      </a:pPr>
+                      <a:r>
+                        <a:rPr lang="en-US" altLang="ko-KR" b="0" dirty="0" err="1"/>
+                        <a:t>DataFrame</a:t>
+                      </a:r>
+                      <a:r>
+                        <a:rPr lang="ko-KR" altLang="en-US" b="0" dirty="0"/>
+                        <a:t>의 크기 표출</a:t>
+                      </a:r>
+                    </a:p>
+                  </a:txBody>
+                  <a:tcPr>
+                    <a:lnL w="12700" cap="flat" cmpd="sng" algn="ctr">
+                      <a:solidFill>
+                        <a:schemeClr val="tx1"/>
+                      </a:solidFill>
+                      <a:prstDash val="solid"/>
+                      <a:round/>
+                      <a:headEnd type="none" w="med" len="med"/>
+                      <a:tailEnd type="none" w="med" len="med"/>
+                    </a:lnL>
+                    <a:lnT w="12700" cmpd="sng">
+                      <a:noFill/>
+                    </a:lnT>
+                    <a:lnB w="12700" cap="flat" cmpd="sng" algn="ctr">
+                      <a:noFill/>
+                      <a:prstDash val="solid"/>
+                      <a:round/>
+                      <a:headEnd type="none" w="med" len="med"/>
+                      <a:tailEnd type="none" w="med" len="med"/>
+                    </a:lnB>
+                  </a:tcPr>
+                </a:tc>
+                <a:extLst>
+                  <a:ext uri="{0D108BD9-81ED-4DB2-BD59-A6C34878D82A}">
+                    <a16:rowId xmlns:a16="http://schemas.microsoft.com/office/drawing/2014/main" val="966678781"/>
+                  </a:ext>
+                </a:extLst>
+              </a:tr>
+              <a:tr h="370840">
+                <a:tc>
+                  <a:txBody>
+                    <a:bodyPr/>
+                    <a:lstStyle/>
+                    <a:p>
+                      <a:pPr marL="0" marR="0" lvl="0" indent="0" algn="l" defTabSz="914400" rtl="0" eaLnBrk="1" fontAlgn="auto" latinLnBrk="1" hangingPunct="1">
+                        <a:lnSpc>
+                          <a:spcPct val="150000"/>
+                        </a:lnSpc>
+                        <a:spcBef>
+                          <a:spcPts val="0"/>
+                        </a:spcBef>
+                        <a:spcAft>
+                          <a:spcPts val="0"/>
+                        </a:spcAft>
+                        <a:buClrTx/>
+                        <a:buSzTx/>
+                        <a:buFontTx/>
+                        <a:buNone/>
+                        <a:tabLst/>
+                        <a:defRPr/>
+                      </a:pPr>
+                      <a:r>
+                        <a:rPr lang="en-US" altLang="ko-KR" b="1" dirty="0" err="1"/>
+                        <a:t>df.columns</a:t>
+                      </a:r>
+                      <a:endParaRPr lang="en-US" altLang="ko-KR" b="1" dirty="0"/>
+                    </a:p>
+                    <a:p>
+                      <a:pPr marL="0" marR="0" lvl="0" indent="0" algn="l" defTabSz="914400" rtl="0" eaLnBrk="1" fontAlgn="auto" latinLnBrk="1" hangingPunct="1">
+                        <a:lnSpc>
+                          <a:spcPct val="150000"/>
+                        </a:lnSpc>
+                        <a:spcBef>
+                          <a:spcPts val="0"/>
+                        </a:spcBef>
+                        <a:spcAft>
+                          <a:spcPts val="0"/>
+                        </a:spcAft>
+                        <a:buClrTx/>
+                        <a:buSzTx/>
+                        <a:buFontTx/>
+                        <a:buNone/>
+                        <a:tabLst/>
+                        <a:defRPr/>
+                      </a:pPr>
+                      <a:r>
+                        <a:rPr lang="en-US" altLang="ko-KR" b="1" dirty="0" err="1"/>
+                        <a:t>df.index</a:t>
+                      </a:r>
+                      <a:endParaRPr lang="en-US" altLang="ko-KR" b="1" dirty="0"/>
+                    </a:p>
+                  </a:txBody>
+                  <a:tcPr>
+                    <a:lnL w="12700" cap="flat" cmpd="sng" algn="ctr">
+                      <a:noFill/>
+                      <a:prstDash val="solid"/>
+                      <a:round/>
+                      <a:headEnd type="none" w="med" len="med"/>
+                      <a:tailEnd type="none" w="med" len="med"/>
+                    </a:lnL>
+                    <a:lnR w="12700" cap="flat" cmpd="sng" algn="ctr">
+                      <a:solidFill>
+                        <a:schemeClr val="tx1"/>
+                      </a:solidFill>
+                      <a:prstDash val="solid"/>
+                      <a:round/>
+                      <a:headEnd type="none" w="med" len="med"/>
+                      <a:tailEnd type="none" w="med" len="med"/>
+                    </a:lnR>
+                    <a:lnT w="12700" cmpd="sng">
+                      <a:noFill/>
+                    </a:lnT>
+                    <a:lnB w="12700" cap="flat" cmpd="sng" algn="ctr">
+                      <a:noFill/>
+                      <a:prstDash val="solid"/>
+                      <a:round/>
+                      <a:headEnd type="none" w="med" len="med"/>
+                      <a:tailEnd type="none" w="med" len="med"/>
+                    </a:lnB>
+                  </a:tcPr>
+                </a:tc>
+                <a:tc>
+                  <a:txBody>
+                    <a:bodyPr/>
+                    <a:lstStyle/>
+                    <a:p>
+                      <a:pPr marL="285750" marR="0" lvl="0" indent="-285750" algn="l" defTabSz="914400" rtl="0" eaLnBrk="1" fontAlgn="auto" latinLnBrk="1" hangingPunct="1">
+                        <a:lnSpc>
+                          <a:spcPct val="150000"/>
+                        </a:lnSpc>
+                        <a:spcBef>
+                          <a:spcPts val="0"/>
+                        </a:spcBef>
+                        <a:spcAft>
+                          <a:spcPts val="0"/>
+                        </a:spcAft>
+                        <a:buClrTx/>
+                        <a:buSzTx/>
+                        <a:buFont typeface="Arial" panose="020B0604020202020204" pitchFamily="34" charset="0"/>
+                        <a:buChar char="•"/>
+                        <a:tabLst/>
+                        <a:defRPr/>
+                      </a:pPr>
+                      <a:r>
+                        <a:rPr lang="en-US" altLang="ko-KR" b="0" dirty="0" err="1"/>
+                        <a:t>DataFrame</a:t>
+                      </a:r>
+                      <a:r>
+                        <a:rPr lang="ko-KR" altLang="en-US" b="0" dirty="0"/>
+                        <a:t>의 칼럼 </a:t>
+                      </a:r>
+                      <a:r>
+                        <a:rPr lang="en-US" altLang="ko-KR" b="0" dirty="0"/>
+                        <a:t>| </a:t>
+                      </a:r>
+                      <a:r>
+                        <a:rPr lang="ko-KR" altLang="en-US" b="0" dirty="0"/>
+                        <a:t>인덱스 정보 표출</a:t>
+                      </a:r>
+                    </a:p>
+                  </a:txBody>
+                  <a:tcPr>
+                    <a:lnL w="12700" cap="flat" cmpd="sng" algn="ctr">
+                      <a:solidFill>
+                        <a:schemeClr val="tx1"/>
+                      </a:solidFill>
+                      <a:prstDash val="solid"/>
+                      <a:round/>
+                      <a:headEnd type="none" w="med" len="med"/>
+                      <a:tailEnd type="none" w="med" len="med"/>
+                    </a:lnL>
+                    <a:lnT w="12700" cmpd="sng">
+                      <a:noFill/>
+                    </a:lnT>
+                    <a:lnB w="12700" cap="flat" cmpd="sng" algn="ctr">
+                      <a:noFill/>
+                      <a:prstDash val="solid"/>
+                      <a:round/>
+                      <a:headEnd type="none" w="med" len="med"/>
+                      <a:tailEnd type="none" w="med" len="med"/>
+                    </a:lnB>
+                  </a:tcPr>
+                </a:tc>
+                <a:extLst>
+                  <a:ext uri="{0D108BD9-81ED-4DB2-BD59-A6C34878D82A}">
+                    <a16:rowId xmlns:a16="http://schemas.microsoft.com/office/drawing/2014/main" val="3277534977"/>
+                  </a:ext>
+                </a:extLst>
+              </a:tr>
+              <a:tr h="370840">
+                <a:tc>
+                  <a:txBody>
+                    <a:bodyPr/>
+                    <a:lstStyle/>
+                    <a:p>
+                      <a:pPr marL="0" marR="0" lvl="0" indent="0" algn="l" defTabSz="914400" rtl="0" eaLnBrk="1" fontAlgn="auto" latinLnBrk="1" hangingPunct="1">
+                        <a:lnSpc>
+                          <a:spcPct val="150000"/>
+                        </a:lnSpc>
+                        <a:spcBef>
+                          <a:spcPts val="0"/>
+                        </a:spcBef>
+                        <a:spcAft>
+                          <a:spcPts val="0"/>
+                        </a:spcAft>
+                        <a:buClrTx/>
+                        <a:buSzTx/>
+                        <a:buFontTx/>
+                        <a:buNone/>
+                        <a:tabLst/>
+                        <a:defRPr/>
+                      </a:pPr>
+                      <a:r>
+                        <a:rPr lang="en-US" altLang="ko-KR" b="1" dirty="0" err="1"/>
+                        <a:t>df.describe</a:t>
+                      </a:r>
+                      <a:r>
+                        <a:rPr lang="en-US" altLang="ko-KR" b="1" dirty="0"/>
+                        <a:t>()</a:t>
+                      </a:r>
+                    </a:p>
+                  </a:txBody>
+                  <a:tcPr>
+                    <a:lnL w="12700" cap="flat" cmpd="sng" algn="ctr">
+                      <a:noFill/>
+                      <a:prstDash val="solid"/>
+                      <a:round/>
+                      <a:headEnd type="none" w="med" len="med"/>
+                      <a:tailEnd type="none" w="med" len="med"/>
+                    </a:lnL>
+                    <a:lnR w="12700" cap="flat" cmpd="sng" algn="ctr">
+                      <a:solidFill>
+                        <a:schemeClr val="tx1"/>
+                      </a:solidFill>
+                      <a:prstDash val="solid"/>
+                      <a:round/>
+                      <a:headEnd type="none" w="med" len="med"/>
+                      <a:tailEnd type="none" w="med" len="med"/>
+                    </a:lnR>
+                    <a:lnT w="12700" cmpd="sng">
+                      <a:noFill/>
+                    </a:lnT>
+                    <a:lnB w="12700" cap="flat" cmpd="sng" algn="ctr">
+                      <a:noFill/>
+                      <a:prstDash val="solid"/>
+                      <a:round/>
+                      <a:headEnd type="none" w="med" len="med"/>
+                      <a:tailEnd type="none" w="med" len="med"/>
+                    </a:lnB>
+                  </a:tcPr>
+                </a:tc>
+                <a:tc>
+                  <a:txBody>
+                    <a:bodyPr/>
+                    <a:lstStyle/>
+                    <a:p>
+                      <a:pPr marL="285750" marR="0" lvl="0" indent="-285750" algn="l" defTabSz="914400" rtl="0" eaLnBrk="1" fontAlgn="auto" latinLnBrk="1" hangingPunct="1">
+                        <a:lnSpc>
+                          <a:spcPct val="150000"/>
+                        </a:lnSpc>
+                        <a:spcBef>
+                          <a:spcPts val="0"/>
+                        </a:spcBef>
+                        <a:spcAft>
+                          <a:spcPts val="0"/>
+                        </a:spcAft>
+                        <a:buClrTx/>
+                        <a:buSzTx/>
+                        <a:buFont typeface="Arial" panose="020B0604020202020204" pitchFamily="34" charset="0"/>
+                        <a:buChar char="•"/>
+                        <a:tabLst/>
+                        <a:defRPr/>
+                      </a:pPr>
+                      <a:r>
+                        <a:rPr lang="ko-KR" altLang="en-US" b="0" dirty="0"/>
+                        <a:t>각 칼럼의 통계치를 산출</a:t>
+                      </a:r>
+                    </a:p>
+                  </a:txBody>
+                  <a:tcPr>
+                    <a:lnL w="12700" cap="flat" cmpd="sng" algn="ctr">
+                      <a:solidFill>
+                        <a:schemeClr val="tx1"/>
+                      </a:solidFill>
+                      <a:prstDash val="solid"/>
+                      <a:round/>
+                      <a:headEnd type="none" w="med" len="med"/>
+                      <a:tailEnd type="none" w="med" len="med"/>
+                    </a:lnL>
+                    <a:lnT w="12700" cmpd="sng">
+                      <a:noFill/>
+                    </a:lnT>
+                    <a:lnB w="12700" cap="flat" cmpd="sng" algn="ctr">
+                      <a:noFill/>
+                      <a:prstDash val="solid"/>
+                      <a:round/>
+                      <a:headEnd type="none" w="med" len="med"/>
+                      <a:tailEnd type="none" w="med" len="med"/>
+                    </a:lnB>
+                  </a:tcPr>
+                </a:tc>
+                <a:extLst>
+                  <a:ext uri="{0D108BD9-81ED-4DB2-BD59-A6C34878D82A}">
+                    <a16:rowId xmlns:a16="http://schemas.microsoft.com/office/drawing/2014/main" val="1353185641"/>
+                  </a:ext>
+                </a:extLst>
+              </a:tr>
+            </a:tbl>
+          </a:graphicData>
+        </a:graphic>
+      </p:graphicFrame>
+    </p:spTree>
+    <p:extLst>
+      <p:ext uri="{BB962C8B-B14F-4D97-AF65-F5344CB8AC3E}">
+        <p14:creationId xmlns:p14="http://schemas.microsoft.com/office/powerpoint/2010/main" val="1785366966"/>
+      </p:ext>
+    </p:extLst>
+  </p:cSld>
+  <p:clrMapOvr>
+    <a:masterClrMapping/>
+  </p:clrMapOvr>
+</p:sld>
+</file>
+
+<file path=ppt/slides/slide16.xml><?xml version="1.0" encoding="utf-8"?>
+<p:sld xmlns:a="http://schemas.openxmlformats.org/drawingml/2006/main" xmlns:r="http://schemas.openxmlformats.org/officeDocument/2006/relationships" xmlns:p="http://schemas.openxmlformats.org/presentationml/2006/main">
+  <p:cSld>
+    <p:spTree>
+      <p:nvGrpSpPr>
+        <p:cNvPr id="1" name=""/>
+        <p:cNvGrpSpPr/>
+        <p:nvPr/>
+      </p:nvGrpSpPr>
+      <p:grpSpPr>
+        <a:xfrm>
+          <a:off x="0" y="0"/>
+          <a:ext cx="0" cy="0"/>
+          <a:chOff x="0" y="0"/>
+          <a:chExt cx="0" cy="0"/>
+        </a:xfrm>
+      </p:grpSpPr>
+      <p:graphicFrame>
+        <p:nvGraphicFramePr>
+          <p:cNvPr id="2" name="표 1">
+            <a:extLst>
+              <a:ext uri="{FF2B5EF4-FFF2-40B4-BE49-F238E27FC236}">
+                <a16:creationId xmlns:a16="http://schemas.microsoft.com/office/drawing/2014/main" id="{317D1F58-19A4-493F-BF53-E38506C7470E}"/>
+              </a:ext>
+            </a:extLst>
+          </p:cNvPr>
+          <p:cNvGraphicFramePr>
+            <a:graphicFrameLocks noGrp="1"/>
+          </p:cNvGraphicFramePr>
+          <p:nvPr>
+            <p:extLst>
+              <p:ext uri="{D42A27DB-BD31-4B8C-83A1-F6EECF244321}">
+                <p14:modId xmlns:p14="http://schemas.microsoft.com/office/powerpoint/2010/main" val="2016769462"/>
+              </p:ext>
+            </p:extLst>
+          </p:nvPr>
+        </p:nvGraphicFramePr>
+        <p:xfrm>
+          <a:off x="0" y="0"/>
+          <a:ext cx="11880000" cy="4756788"/>
+        </p:xfrm>
+        <a:graphic>
+          <a:graphicData uri="http://schemas.openxmlformats.org/drawingml/2006/table">
+            <a:tbl>
+              <a:tblPr firstRow="1" bandRow="1">
+                <a:tableStyleId>{5FD0F851-EC5A-4D38-B0AD-8093EC10F338}</a:tableStyleId>
+              </a:tblPr>
+              <a:tblGrid>
+                <a:gridCol w="5040000">
+                  <a:extLst>
+                    <a:ext uri="{9D8B030D-6E8A-4147-A177-3AD203B41FA5}">
+                      <a16:colId xmlns:a16="http://schemas.microsoft.com/office/drawing/2014/main" val="3349319659"/>
+                    </a:ext>
+                  </a:extLst>
+                </a:gridCol>
+                <a:gridCol w="6840000">
+                  <a:extLst>
+                    <a:ext uri="{9D8B030D-6E8A-4147-A177-3AD203B41FA5}">
+                      <a16:colId xmlns:a16="http://schemas.microsoft.com/office/drawing/2014/main" val="3857639582"/>
+                    </a:ext>
+                  </a:extLst>
+                </a:gridCol>
+              </a:tblGrid>
+              <a:tr h="370840">
+                <a:tc>
+                  <a:txBody>
+                    <a:bodyPr/>
+                    <a:lstStyle/>
+                    <a:p>
+                      <a:pPr lvl="0" latinLnBrk="1">
+                        <a:lnSpc>
+                          <a:spcPct val="150000"/>
+                        </a:lnSpc>
+                      </a:pPr>
+                      <a:r>
+                        <a:rPr lang="en-US" altLang="ko-KR" b="1" dirty="0"/>
+                        <a:t>group = </a:t>
+                      </a:r>
+                      <a:r>
+                        <a:rPr lang="en-US" altLang="ko-KR" b="1" dirty="0" err="1"/>
+                        <a:t>DataFrame.groupby</a:t>
+                      </a:r>
+                      <a:r>
+                        <a:rPr lang="en-US" altLang="ko-KR" b="1" dirty="0"/>
+                        <a:t>(</a:t>
+                      </a:r>
+                      <a:r>
+                        <a:rPr lang="ko-KR" altLang="en-US" b="0" dirty="0"/>
+                        <a:t>칼럼</a:t>
+                      </a:r>
+                      <a:r>
+                        <a:rPr lang="en-US" altLang="ko-KR" b="1" dirty="0"/>
+                        <a:t>)</a:t>
+                      </a:r>
+                    </a:p>
+                  </a:txBody>
+                  <a:tcPr>
+                    <a:lnL w="12700" cap="flat" cmpd="sng" algn="ctr">
+                      <a:noFill/>
+                      <a:prstDash val="solid"/>
+                      <a:round/>
+                      <a:headEnd type="none" w="med" len="med"/>
+                      <a:tailEnd type="none" w="med" len="med"/>
+                    </a:lnL>
+                    <a:lnR w="12700" cap="flat" cmpd="sng" algn="ctr">
+                      <a:solidFill>
+                        <a:schemeClr val="tx1"/>
+                      </a:solidFill>
+                      <a:prstDash val="solid"/>
+                      <a:round/>
+                      <a:headEnd type="none" w="med" len="med"/>
+                      <a:tailEnd type="none" w="med" len="med"/>
+                    </a:lnR>
+                    <a:lnB w="12700" cap="flat" cmpd="sng" algn="ctr">
+                      <a:noFill/>
+                      <a:prstDash val="solid"/>
+                      <a:round/>
+                      <a:headEnd type="none" w="med" len="med"/>
+                      <a:tailEnd type="none" w="med" len="med"/>
+                    </a:lnB>
+                  </a:tcPr>
+                </a:tc>
+                <a:tc>
+                  <a:txBody>
+                    <a:bodyPr/>
+                    <a:lstStyle/>
+                    <a:p>
+                      <a:pPr marL="285750" indent="-285750" latinLnBrk="1">
+                        <a:lnSpc>
+                          <a:spcPct val="150000"/>
+                        </a:lnSpc>
+                        <a:buFont typeface="Arial" panose="020B0604020202020204" pitchFamily="34" charset="0"/>
+                        <a:buChar char="•"/>
+                      </a:pPr>
+                      <a:r>
+                        <a:rPr lang="en-US" altLang="ko-KR" b="0" dirty="0" err="1"/>
+                        <a:t>DataFrame</a:t>
+                      </a:r>
+                      <a:r>
+                        <a:rPr lang="ko-KR" altLang="en-US" b="0" dirty="0"/>
+                        <a:t>을 특정 칼럼의 키 값에 따라 데이터 그룹을 생성</a:t>
+                      </a:r>
+                      <a:endParaRPr lang="en-US" altLang="ko-KR" b="0" dirty="0"/>
+                    </a:p>
+                  </a:txBody>
+                  <a:tcPr>
+                    <a:lnL w="12700" cap="flat" cmpd="sng" algn="ctr">
+                      <a:solidFill>
+                        <a:schemeClr val="tx1"/>
+                      </a:solidFill>
+                      <a:prstDash val="solid"/>
+                      <a:round/>
+                      <a:headEnd type="none" w="med" len="med"/>
+                      <a:tailEnd type="none" w="med" len="med"/>
+                    </a:lnL>
+                    <a:lnB w="12700" cap="flat" cmpd="sng" algn="ctr">
+                      <a:noFill/>
+                      <a:prstDash val="solid"/>
+                      <a:round/>
+                      <a:headEnd type="none" w="med" len="med"/>
+                      <a:tailEnd type="none" w="med" len="med"/>
+                    </a:lnB>
+                  </a:tcPr>
+                </a:tc>
+                <a:extLst>
+                  <a:ext uri="{0D108BD9-81ED-4DB2-BD59-A6C34878D82A}">
+                    <a16:rowId xmlns:a16="http://schemas.microsoft.com/office/drawing/2014/main" val="1699189099"/>
+                  </a:ext>
+                </a:extLst>
+              </a:tr>
+              <a:tr h="370840">
+                <a:tc>
+                  <a:txBody>
+                    <a:bodyPr/>
+                    <a:lstStyle/>
+                    <a:p>
+                      <a:pPr latinLnBrk="1">
+                        <a:lnSpc>
+                          <a:spcPct val="150000"/>
+                        </a:lnSpc>
+                      </a:pPr>
+                      <a:r>
+                        <a:rPr lang="en-US" altLang="ko-KR" b="1" dirty="0" err="1"/>
+                        <a:t>group.groups</a:t>
+                      </a:r>
+                      <a:endParaRPr lang="en-US" altLang="ko-KR" b="1" dirty="0"/>
+                    </a:p>
+                  </a:txBody>
+                  <a:tcPr>
+                    <a:lnL w="12700" cap="flat" cmpd="sng" algn="ctr">
+                      <a:noFill/>
+                      <a:prstDash val="solid"/>
+                      <a:round/>
+                      <a:headEnd type="none" w="med" len="med"/>
+                      <a:tailEnd type="none" w="med" len="med"/>
+                    </a:lnL>
+                    <a:lnR w="12700" cap="flat" cmpd="sng" algn="ctr">
+                      <a:solidFill>
+                        <a:schemeClr val="tx1"/>
+                      </a:solidFill>
+                      <a:prstDash val="solid"/>
+                      <a:round/>
+                      <a:headEnd type="none" w="med" len="med"/>
+                      <a:tailEnd type="none" w="med" len="med"/>
+                    </a:lnR>
+                    <a:lnT w="12700" cmpd="sng">
+                      <a:noFill/>
+                    </a:lnT>
+                    <a:lnB w="12700" cap="flat" cmpd="sng" algn="ctr">
+                      <a:noFill/>
+                      <a:prstDash val="solid"/>
+                      <a:round/>
+                      <a:headEnd type="none" w="med" len="med"/>
+                      <a:tailEnd type="none" w="med" len="med"/>
+                    </a:lnB>
+                  </a:tcPr>
+                </a:tc>
+                <a:tc>
+                  <a:txBody>
+                    <a:bodyPr/>
+                    <a:lstStyle/>
+                    <a:p>
+                      <a:pPr marL="285750" marR="0" lvl="0" indent="-285750" algn="l" defTabSz="914400" rtl="0" eaLnBrk="1" fontAlgn="auto" latinLnBrk="1" hangingPunct="1">
+                        <a:lnSpc>
+                          <a:spcPct val="150000"/>
+                        </a:lnSpc>
+                        <a:spcBef>
+                          <a:spcPts val="0"/>
+                        </a:spcBef>
+                        <a:spcAft>
+                          <a:spcPts val="0"/>
+                        </a:spcAft>
+                        <a:buClrTx/>
+                        <a:buSzTx/>
+                        <a:buFont typeface="Arial" panose="020B0604020202020204" pitchFamily="34" charset="0"/>
+                        <a:buChar char="•"/>
+                        <a:tabLst/>
+                        <a:defRPr/>
+                      </a:pPr>
+                      <a:r>
+                        <a:rPr lang="ko-KR" altLang="en-US" b="0" dirty="0"/>
+                        <a:t>그룹 확인</a:t>
+                      </a:r>
+                    </a:p>
+                  </a:txBody>
+                  <a:tcPr>
+                    <a:lnL w="12700" cap="flat" cmpd="sng" algn="ctr">
+                      <a:solidFill>
+                        <a:schemeClr val="tx1"/>
+                      </a:solidFill>
+                      <a:prstDash val="solid"/>
+                      <a:round/>
+                      <a:headEnd type="none" w="med" len="med"/>
+                      <a:tailEnd type="none" w="med" len="med"/>
+                    </a:lnL>
+                    <a:lnT w="12700" cmpd="sng">
+                      <a:noFill/>
+                    </a:lnT>
+                    <a:lnB w="12700" cap="flat" cmpd="sng" algn="ctr">
+                      <a:noFill/>
+                      <a:prstDash val="solid"/>
+                      <a:round/>
+                      <a:headEnd type="none" w="med" len="med"/>
+                      <a:tailEnd type="none" w="med" len="med"/>
+                    </a:lnB>
+                  </a:tcPr>
+                </a:tc>
+                <a:extLst>
+                  <a:ext uri="{0D108BD9-81ED-4DB2-BD59-A6C34878D82A}">
+                    <a16:rowId xmlns:a16="http://schemas.microsoft.com/office/drawing/2014/main" val="1604584489"/>
+                  </a:ext>
+                </a:extLst>
+              </a:tr>
+              <a:tr h="370840">
+                <a:tc>
+                  <a:txBody>
+                    <a:bodyPr/>
+                    <a:lstStyle/>
+                    <a:p>
+                      <a:pPr latinLnBrk="1">
+                        <a:lnSpc>
+                          <a:spcPct val="150000"/>
+                        </a:lnSpc>
+                      </a:pPr>
+                      <a:r>
+                        <a:rPr lang="en-US" altLang="ko-KR" b="1" dirty="0" err="1"/>
+                        <a:t>group.groups.keys</a:t>
+                      </a:r>
+                      <a:r>
+                        <a:rPr lang="en-US" altLang="ko-KR" b="1" dirty="0"/>
+                        <a:t>()</a:t>
+                      </a:r>
+                    </a:p>
+                  </a:txBody>
+                  <a:tcPr>
+                    <a:lnL w="12700" cap="flat" cmpd="sng" algn="ctr">
+                      <a:noFill/>
+                      <a:prstDash val="solid"/>
+                      <a:round/>
+                      <a:headEnd type="none" w="med" len="med"/>
+                      <a:tailEnd type="none" w="med" len="med"/>
+                    </a:lnL>
+                    <a:lnR w="12700" cap="flat" cmpd="sng" algn="ctr">
+                      <a:solidFill>
+                        <a:schemeClr val="tx1"/>
+                      </a:solidFill>
+                      <a:prstDash val="solid"/>
+                      <a:round/>
+                      <a:headEnd type="none" w="med" len="med"/>
+                      <a:tailEnd type="none" w="med" len="med"/>
+                    </a:lnR>
+                    <a:lnT w="12700" cmpd="sng">
+                      <a:noFill/>
+                    </a:lnT>
+                    <a:lnB w="12700" cap="flat" cmpd="sng" algn="ctr">
+                      <a:noFill/>
+                      <a:prstDash val="solid"/>
+                      <a:round/>
+                      <a:headEnd type="none" w="med" len="med"/>
+                      <a:tailEnd type="none" w="med" len="med"/>
+                    </a:lnB>
+                  </a:tcPr>
+                </a:tc>
+                <a:tc>
+                  <a:txBody>
+                    <a:bodyPr/>
+                    <a:lstStyle/>
+                    <a:p>
+                      <a:pPr marL="285750" marR="0" lvl="0" indent="-285750" algn="l" defTabSz="914400" rtl="0" eaLnBrk="1" fontAlgn="auto" latinLnBrk="1" hangingPunct="1">
+                        <a:lnSpc>
+                          <a:spcPct val="150000"/>
+                        </a:lnSpc>
+                        <a:spcBef>
+                          <a:spcPts val="0"/>
+                        </a:spcBef>
+                        <a:spcAft>
+                          <a:spcPts val="0"/>
+                        </a:spcAft>
+                        <a:buClrTx/>
+                        <a:buSzTx/>
+                        <a:buFont typeface="Arial" panose="020B0604020202020204" pitchFamily="34" charset="0"/>
+                        <a:buChar char="•"/>
+                        <a:tabLst/>
+                        <a:defRPr/>
+                      </a:pPr>
+                      <a:r>
+                        <a:rPr lang="ko-KR" altLang="en-US" b="0" dirty="0"/>
+                        <a:t>그룹 키 값 확인</a:t>
+                      </a:r>
+                    </a:p>
+                  </a:txBody>
+                  <a:tcPr>
+                    <a:lnL w="12700" cap="flat" cmpd="sng" algn="ctr">
+                      <a:solidFill>
+                        <a:schemeClr val="tx1"/>
+                      </a:solidFill>
+                      <a:prstDash val="solid"/>
+                      <a:round/>
+                      <a:headEnd type="none" w="med" len="med"/>
+                      <a:tailEnd type="none" w="med" len="med"/>
+                    </a:lnL>
+                    <a:lnT w="12700" cmpd="sng">
+                      <a:noFill/>
+                    </a:lnT>
+                    <a:lnB w="12700" cap="flat" cmpd="sng" algn="ctr">
+                      <a:noFill/>
+                      <a:prstDash val="solid"/>
+                      <a:round/>
+                      <a:headEnd type="none" w="med" len="med"/>
+                      <a:tailEnd type="none" w="med" len="med"/>
+                    </a:lnB>
+                  </a:tcPr>
+                </a:tc>
+                <a:extLst>
+                  <a:ext uri="{0D108BD9-81ED-4DB2-BD59-A6C34878D82A}">
+                    <a16:rowId xmlns:a16="http://schemas.microsoft.com/office/drawing/2014/main" val="1485324030"/>
+                  </a:ext>
+                </a:extLst>
+              </a:tr>
+              <a:tr h="370840">
+                <a:tc>
+                  <a:txBody>
+                    <a:bodyPr/>
+                    <a:lstStyle/>
+                    <a:p>
+                      <a:pPr marL="0" marR="0" lvl="0" indent="0" algn="l" defTabSz="914400" rtl="0" eaLnBrk="1" fontAlgn="auto" latinLnBrk="1" hangingPunct="1">
+                        <a:lnSpc>
+                          <a:spcPct val="150000"/>
+                        </a:lnSpc>
+                        <a:spcBef>
+                          <a:spcPts val="0"/>
+                        </a:spcBef>
+                        <a:spcAft>
+                          <a:spcPts val="0"/>
+                        </a:spcAft>
+                        <a:buClrTx/>
+                        <a:buSzTx/>
+                        <a:buFontTx/>
+                        <a:buNone/>
+                        <a:tabLst/>
+                        <a:defRPr/>
+                      </a:pPr>
+                      <a:r>
+                        <a:rPr lang="en-US" altLang="ko-KR" b="1" dirty="0"/>
+                        <a:t>group.</a:t>
+                      </a:r>
+                      <a:r>
+                        <a:rPr lang="ko-KR" altLang="en-US" b="1" dirty="0"/>
+                        <a:t>그룹 연산</a:t>
+                      </a:r>
+                      <a:r>
+                        <a:rPr lang="en-US" altLang="ko-KR" b="1" dirty="0"/>
+                        <a:t>()</a:t>
+                      </a:r>
+                    </a:p>
+                  </a:txBody>
+                  <a:tcPr>
+                    <a:lnL w="12700" cap="flat" cmpd="sng" algn="ctr">
+                      <a:noFill/>
+                      <a:prstDash val="solid"/>
+                      <a:round/>
+                      <a:headEnd type="none" w="med" len="med"/>
+                      <a:tailEnd type="none" w="med" len="med"/>
+                    </a:lnL>
+                    <a:lnR w="12700" cap="flat" cmpd="sng" algn="ctr">
+                      <a:solidFill>
+                        <a:schemeClr val="tx1"/>
+                      </a:solidFill>
+                      <a:prstDash val="solid"/>
+                      <a:round/>
+                      <a:headEnd type="none" w="med" len="med"/>
+                      <a:tailEnd type="none" w="med" len="med"/>
+                    </a:lnR>
+                    <a:lnT w="12700" cmpd="sng">
+                      <a:noFill/>
+                    </a:lnT>
+                    <a:lnB w="12700" cap="flat" cmpd="sng" algn="ctr">
+                      <a:noFill/>
+                      <a:prstDash val="solid"/>
+                      <a:round/>
+                      <a:headEnd type="none" w="med" len="med"/>
+                      <a:tailEnd type="none" w="med" len="med"/>
+                    </a:lnB>
+                  </a:tcPr>
+                </a:tc>
+                <a:tc>
+                  <a:txBody>
+                    <a:bodyPr/>
+                    <a:lstStyle/>
+                    <a:p>
+                      <a:pPr marL="285750" marR="0" lvl="0" indent="-285750" algn="l" defTabSz="914400" rtl="0" eaLnBrk="1" fontAlgn="auto" latinLnBrk="1" hangingPunct="1">
+                        <a:lnSpc>
+                          <a:spcPct val="150000"/>
+                        </a:lnSpc>
+                        <a:spcBef>
+                          <a:spcPts val="0"/>
+                        </a:spcBef>
+                        <a:spcAft>
+                          <a:spcPts val="0"/>
+                        </a:spcAft>
+                        <a:buClrTx/>
+                        <a:buSzTx/>
+                        <a:buFont typeface="Arial" panose="020B0604020202020204" pitchFamily="34" charset="0"/>
+                        <a:buChar char="•"/>
+                        <a:tabLst/>
+                        <a:defRPr/>
+                      </a:pPr>
+                      <a:r>
+                        <a:rPr lang="en-US" altLang="ko-KR" b="1" dirty="0"/>
+                        <a:t>count()</a:t>
+                      </a:r>
+                      <a:r>
+                        <a:rPr lang="en-US" altLang="ko-KR" b="0" dirty="0"/>
+                        <a:t>: </a:t>
+                      </a:r>
+                      <a:r>
+                        <a:rPr lang="ko-KR" altLang="en-US" b="0" dirty="0"/>
+                        <a:t>개수</a:t>
+                      </a:r>
+                      <a:endParaRPr lang="en-US" altLang="ko-KR" b="0" dirty="0"/>
+                    </a:p>
+                    <a:p>
+                      <a:pPr marL="285750" marR="0" lvl="0" indent="-285750" algn="l" defTabSz="914400" rtl="0" eaLnBrk="1" fontAlgn="auto" latinLnBrk="1" hangingPunct="1">
+                        <a:lnSpc>
+                          <a:spcPct val="150000"/>
+                        </a:lnSpc>
+                        <a:spcBef>
+                          <a:spcPts val="0"/>
+                        </a:spcBef>
+                        <a:spcAft>
+                          <a:spcPts val="0"/>
+                        </a:spcAft>
+                        <a:buClrTx/>
+                        <a:buSzTx/>
+                        <a:buFont typeface="Arial" panose="020B0604020202020204" pitchFamily="34" charset="0"/>
+                        <a:buChar char="•"/>
+                        <a:tabLst/>
+                        <a:defRPr/>
+                      </a:pPr>
+                      <a:r>
+                        <a:rPr lang="en-US" altLang="ko-KR" b="1" dirty="0"/>
+                        <a:t>mean(), median(), min() max()</a:t>
+                      </a:r>
+                      <a:r>
+                        <a:rPr lang="en-US" altLang="ko-KR" b="0" dirty="0"/>
+                        <a:t>: </a:t>
+                      </a:r>
+                      <a:r>
+                        <a:rPr lang="ko-KR" altLang="en-US" b="0" dirty="0"/>
+                        <a:t>평균</a:t>
+                      </a:r>
+                      <a:r>
+                        <a:rPr lang="en-US" altLang="ko-KR" b="0" dirty="0"/>
+                        <a:t>, </a:t>
+                      </a:r>
+                      <a:r>
+                        <a:rPr lang="ko-KR" altLang="en-US" b="0" dirty="0"/>
+                        <a:t>중앙값</a:t>
+                      </a:r>
+                      <a:r>
+                        <a:rPr lang="en-US" altLang="ko-KR" b="0" dirty="0"/>
+                        <a:t>, </a:t>
+                      </a:r>
+                      <a:r>
+                        <a:rPr lang="ko-KR" altLang="en-US" b="0" dirty="0"/>
+                        <a:t>최소</a:t>
+                      </a:r>
+                      <a:r>
+                        <a:rPr lang="en-US" altLang="ko-KR" b="0" dirty="0"/>
+                        <a:t>, </a:t>
+                      </a:r>
+                      <a:r>
+                        <a:rPr lang="ko-KR" altLang="en-US" b="0" dirty="0"/>
+                        <a:t>최대</a:t>
+                      </a:r>
+                      <a:endParaRPr lang="en-US" altLang="ko-KR" b="0" dirty="0"/>
+                    </a:p>
+                    <a:p>
+                      <a:pPr marL="285750" marR="0" lvl="0" indent="-285750" algn="l" defTabSz="914400" rtl="0" eaLnBrk="1" fontAlgn="auto" latinLnBrk="1" hangingPunct="1">
+                        <a:lnSpc>
+                          <a:spcPct val="150000"/>
+                        </a:lnSpc>
+                        <a:spcBef>
+                          <a:spcPts val="0"/>
+                        </a:spcBef>
+                        <a:spcAft>
+                          <a:spcPts val="0"/>
+                        </a:spcAft>
+                        <a:buClrTx/>
+                        <a:buSzTx/>
+                        <a:buFont typeface="Arial" panose="020B0604020202020204" pitchFamily="34" charset="0"/>
+                        <a:buChar char="•"/>
+                        <a:tabLst/>
+                        <a:defRPr/>
+                      </a:pPr>
+                      <a:r>
+                        <a:rPr lang="en-US" altLang="ko-KR" b="1" dirty="0"/>
+                        <a:t>sum(), prod(), std(), var(), quantile()</a:t>
+                      </a:r>
+                      <a:r>
+                        <a:rPr lang="en-US" altLang="ko-KR" b="0" dirty="0"/>
+                        <a:t>: </a:t>
+                      </a:r>
+                      <a:r>
+                        <a:rPr lang="ko-KR" altLang="en-US" b="0" dirty="0"/>
+                        <a:t>합계</a:t>
+                      </a:r>
+                      <a:r>
+                        <a:rPr lang="en-US" altLang="ko-KR" b="0" dirty="0"/>
+                        <a:t>, </a:t>
+                      </a:r>
+                      <a:r>
+                        <a:rPr lang="ko-KR" altLang="en-US" b="0" dirty="0"/>
+                        <a:t>곱</a:t>
+                      </a:r>
+                      <a:r>
+                        <a:rPr lang="en-US" altLang="ko-KR" b="0" dirty="0"/>
+                        <a:t>, </a:t>
+                      </a:r>
+                      <a:r>
+                        <a:rPr lang="ko-KR" altLang="en-US" b="0" dirty="0"/>
+                        <a:t>표준편차</a:t>
+                      </a:r>
+                      <a:r>
+                        <a:rPr lang="en-US" altLang="ko-KR" b="0" dirty="0"/>
+                        <a:t>,</a:t>
+                      </a:r>
+                    </a:p>
+                    <a:p>
+                      <a:pPr marL="3657600" marR="0" lvl="8" indent="0" algn="l" defTabSz="914400" rtl="0" eaLnBrk="1" fontAlgn="auto" latinLnBrk="1" hangingPunct="1">
+                        <a:lnSpc>
+                          <a:spcPct val="150000"/>
+                        </a:lnSpc>
+                        <a:spcBef>
+                          <a:spcPts val="0"/>
+                        </a:spcBef>
+                        <a:spcAft>
+                          <a:spcPts val="0"/>
+                        </a:spcAft>
+                        <a:buClrTx/>
+                        <a:buSzTx/>
+                        <a:buFont typeface="Arial" panose="020B0604020202020204" pitchFamily="34" charset="0"/>
+                        <a:buNone/>
+                        <a:tabLst/>
+                        <a:defRPr/>
+                      </a:pPr>
+                      <a:r>
+                        <a:rPr lang="ko-KR" altLang="en-US" b="0" dirty="0"/>
+                        <a:t>분산</a:t>
+                      </a:r>
+                      <a:r>
+                        <a:rPr lang="en-US" altLang="ko-KR" b="0" dirty="0"/>
+                        <a:t>, </a:t>
+                      </a:r>
+                      <a:r>
+                        <a:rPr lang="ko-KR" altLang="en-US" b="0" dirty="0"/>
+                        <a:t>사분위수</a:t>
+                      </a:r>
+                      <a:endParaRPr lang="en-US" altLang="ko-KR" b="0" dirty="0"/>
+                    </a:p>
+                    <a:p>
+                      <a:pPr marL="285750" marR="0" lvl="0" indent="-285750" algn="l" defTabSz="914400" rtl="0" eaLnBrk="1" fontAlgn="auto" latinLnBrk="1" hangingPunct="1">
+                        <a:lnSpc>
+                          <a:spcPct val="150000"/>
+                        </a:lnSpc>
+                        <a:spcBef>
+                          <a:spcPts val="0"/>
+                        </a:spcBef>
+                        <a:spcAft>
+                          <a:spcPts val="0"/>
+                        </a:spcAft>
+                        <a:buClrTx/>
+                        <a:buSzTx/>
+                        <a:buFont typeface="Arial" panose="020B0604020202020204" pitchFamily="34" charset="0"/>
+                        <a:buChar char="•"/>
+                        <a:tabLst/>
+                        <a:defRPr/>
+                      </a:pPr>
+                      <a:r>
+                        <a:rPr lang="en-US" altLang="ko-KR" b="1" dirty="0"/>
+                        <a:t>first(), last()</a:t>
+                      </a:r>
+                      <a:r>
+                        <a:rPr lang="en-US" altLang="ko-KR" b="0" dirty="0"/>
+                        <a:t>: </a:t>
+                      </a:r>
+                      <a:r>
+                        <a:rPr lang="ko-KR" altLang="en-US" b="0" dirty="0"/>
+                        <a:t>첫번째 데이터</a:t>
+                      </a:r>
+                      <a:r>
+                        <a:rPr lang="en-US" altLang="ko-KR" b="0" dirty="0"/>
+                        <a:t>, </a:t>
+                      </a:r>
+                      <a:r>
+                        <a:rPr lang="ko-KR" altLang="en-US" b="0" dirty="0"/>
+                        <a:t>마지막 데이터</a:t>
+                      </a:r>
+                    </a:p>
+                  </a:txBody>
+                  <a:tcPr>
+                    <a:lnL w="12700" cap="flat" cmpd="sng" algn="ctr">
+                      <a:solidFill>
+                        <a:schemeClr val="tx1"/>
+                      </a:solidFill>
+                      <a:prstDash val="solid"/>
+                      <a:round/>
+                      <a:headEnd type="none" w="med" len="med"/>
+                      <a:tailEnd type="none" w="med" len="med"/>
+                    </a:lnL>
+                    <a:lnT w="12700" cmpd="sng">
+                      <a:noFill/>
+                    </a:lnT>
+                    <a:lnB w="12700" cap="flat" cmpd="sng" algn="ctr">
+                      <a:noFill/>
+                      <a:prstDash val="solid"/>
+                      <a:round/>
+                      <a:headEnd type="none" w="med" len="med"/>
+                      <a:tailEnd type="none" w="med" len="med"/>
+                    </a:lnB>
+                  </a:tcPr>
+                </a:tc>
+                <a:extLst>
+                  <a:ext uri="{0D108BD9-81ED-4DB2-BD59-A6C34878D82A}">
+                    <a16:rowId xmlns:a16="http://schemas.microsoft.com/office/drawing/2014/main" val="966678781"/>
+                  </a:ext>
+                </a:extLst>
+              </a:tr>
+              <a:tr h="370840">
+                <a:tc>
+                  <a:txBody>
+                    <a:bodyPr/>
+                    <a:lstStyle/>
+                    <a:p>
+                      <a:pPr marL="0" marR="0" lvl="0" indent="0" algn="l" defTabSz="914400" rtl="0" eaLnBrk="1" fontAlgn="auto" latinLnBrk="1" hangingPunct="1">
+                        <a:lnSpc>
+                          <a:spcPct val="150000"/>
+                        </a:lnSpc>
+                        <a:spcBef>
+                          <a:spcPts val="0"/>
+                        </a:spcBef>
+                        <a:spcAft>
+                          <a:spcPts val="0"/>
+                        </a:spcAft>
+                        <a:buClrTx/>
+                        <a:buSzTx/>
+                        <a:buFontTx/>
+                        <a:buNone/>
+                        <a:tabLst/>
+                        <a:defRPr/>
+                      </a:pPr>
+                      <a:r>
+                        <a:rPr lang="en-US" altLang="ko-KR" b="1" dirty="0" err="1"/>
+                        <a:t>group.agg</a:t>
+                      </a:r>
+                      <a:r>
+                        <a:rPr lang="en-US" altLang="ko-KR" b="1" dirty="0"/>
+                        <a:t>([</a:t>
+                      </a:r>
+                      <a:r>
+                        <a:rPr lang="ko-KR" altLang="en-US" b="0" dirty="0"/>
+                        <a:t>그룹 연산</a:t>
+                      </a:r>
+                      <a:r>
+                        <a:rPr lang="en-US" altLang="ko-KR" b="0" dirty="0"/>
+                        <a:t>1, </a:t>
+                      </a:r>
+                      <a:r>
+                        <a:rPr lang="ko-KR" altLang="en-US" b="0" dirty="0"/>
+                        <a:t>그룹 연산</a:t>
+                      </a:r>
+                      <a:r>
+                        <a:rPr lang="en-US" altLang="ko-KR" b="0" dirty="0"/>
+                        <a:t>2, …</a:t>
+                      </a:r>
+                      <a:r>
+                        <a:rPr lang="en-US" altLang="ko-KR" b="1" dirty="0"/>
+                        <a:t>])</a:t>
+                      </a:r>
+                    </a:p>
+                  </a:txBody>
+                  <a:tcPr>
+                    <a:lnL w="12700" cap="flat" cmpd="sng" algn="ctr">
+                      <a:noFill/>
+                      <a:prstDash val="solid"/>
+                      <a:round/>
+                      <a:headEnd type="none" w="med" len="med"/>
+                      <a:tailEnd type="none" w="med" len="med"/>
+                    </a:lnL>
+                    <a:lnR w="12700" cap="flat" cmpd="sng" algn="ctr">
+                      <a:solidFill>
+                        <a:schemeClr val="tx1"/>
+                      </a:solidFill>
+                      <a:prstDash val="solid"/>
+                      <a:round/>
+                      <a:headEnd type="none" w="med" len="med"/>
+                      <a:tailEnd type="none" w="med" len="med"/>
+                    </a:lnR>
+                    <a:lnT w="12700" cmpd="sng">
+                      <a:noFill/>
+                    </a:lnT>
+                    <a:lnB w="12700" cap="flat" cmpd="sng" algn="ctr">
+                      <a:noFill/>
+                      <a:prstDash val="solid"/>
+                      <a:round/>
+                      <a:headEnd type="none" w="med" len="med"/>
+                      <a:tailEnd type="none" w="med" len="med"/>
+                    </a:lnB>
+                  </a:tcPr>
+                </a:tc>
+                <a:tc>
+                  <a:txBody>
+                    <a:bodyPr/>
+                    <a:lstStyle/>
+                    <a:p>
+                      <a:pPr marL="285750" marR="0" lvl="0" indent="-285750" algn="l" defTabSz="914400" rtl="0" eaLnBrk="1" fontAlgn="auto" latinLnBrk="1" hangingPunct="1">
+                        <a:lnSpc>
+                          <a:spcPct val="150000"/>
+                        </a:lnSpc>
+                        <a:spcBef>
+                          <a:spcPts val="0"/>
+                        </a:spcBef>
+                        <a:spcAft>
+                          <a:spcPts val="0"/>
+                        </a:spcAft>
+                        <a:buClrTx/>
+                        <a:buSzTx/>
+                        <a:buFont typeface="Arial" panose="020B0604020202020204" pitchFamily="34" charset="0"/>
+                        <a:buChar char="•"/>
+                        <a:tabLst/>
+                        <a:defRPr/>
+                      </a:pPr>
+                      <a:r>
+                        <a:rPr lang="ko-KR" altLang="en-US" b="0" dirty="0"/>
+                        <a:t>여러 그룹 연산을 처리</a:t>
+                      </a:r>
+                    </a:p>
+                  </a:txBody>
+                  <a:tcPr>
+                    <a:lnL w="12700" cap="flat" cmpd="sng" algn="ctr">
+                      <a:solidFill>
+                        <a:schemeClr val="tx1"/>
+                      </a:solidFill>
+                      <a:prstDash val="solid"/>
+                      <a:round/>
+                      <a:headEnd type="none" w="med" len="med"/>
+                      <a:tailEnd type="none" w="med" len="med"/>
+                    </a:lnL>
+                    <a:lnT w="12700" cmpd="sng">
+                      <a:noFill/>
+                    </a:lnT>
+                    <a:lnB w="12700" cap="flat" cmpd="sng" algn="ctr">
+                      <a:noFill/>
+                      <a:prstDash val="solid"/>
+                      <a:round/>
+                      <a:headEnd type="none" w="med" len="med"/>
+                      <a:tailEnd type="none" w="med" len="med"/>
+                    </a:lnB>
+                  </a:tcPr>
+                </a:tc>
+                <a:extLst>
+                  <a:ext uri="{0D108BD9-81ED-4DB2-BD59-A6C34878D82A}">
+                    <a16:rowId xmlns:a16="http://schemas.microsoft.com/office/drawing/2014/main" val="3277534977"/>
+                  </a:ext>
+                </a:extLst>
+              </a:tr>
+              <a:tr h="370840">
+                <a:tc>
+                  <a:txBody>
+                    <a:bodyPr/>
+                    <a:lstStyle/>
+                    <a:p>
+                      <a:pPr marL="0" marR="0" lvl="0" indent="0" algn="l" defTabSz="914400" rtl="0" eaLnBrk="1" fontAlgn="auto" latinLnBrk="1" hangingPunct="1">
+                        <a:lnSpc>
+                          <a:spcPct val="150000"/>
+                        </a:lnSpc>
+                        <a:spcBef>
+                          <a:spcPts val="0"/>
+                        </a:spcBef>
+                        <a:spcAft>
+                          <a:spcPts val="0"/>
+                        </a:spcAft>
+                        <a:buClrTx/>
+                        <a:buSzTx/>
+                        <a:buFontTx/>
+                        <a:buNone/>
+                        <a:tabLst/>
+                        <a:defRPr/>
+                      </a:pPr>
+                      <a:r>
+                        <a:rPr lang="en-US" altLang="ko-KR" b="1" dirty="0" err="1"/>
+                        <a:t>group.agg</a:t>
+                      </a:r>
+                      <a:r>
+                        <a:rPr lang="en-US" altLang="ko-KR" b="1" dirty="0"/>
+                        <a:t>({</a:t>
+                      </a:r>
+                      <a:r>
+                        <a:rPr lang="ko-KR" altLang="en-US" b="0" dirty="0"/>
+                        <a:t>칼럼</a:t>
+                      </a:r>
+                      <a:r>
+                        <a:rPr lang="en-US" altLang="ko-KR" b="0" dirty="0"/>
+                        <a:t>1: [</a:t>
+                      </a:r>
+                      <a:r>
+                        <a:rPr lang="ko-KR" altLang="en-US" b="0" dirty="0"/>
+                        <a:t>그룹 연산</a:t>
+                      </a:r>
+                      <a:r>
+                        <a:rPr lang="en-US" altLang="ko-KR" b="0" dirty="0"/>
+                        <a:t>1, </a:t>
+                      </a:r>
+                      <a:r>
+                        <a:rPr lang="ko-KR" altLang="en-US" b="0" dirty="0"/>
+                        <a:t>그룹 연산</a:t>
+                      </a:r>
+                      <a:r>
+                        <a:rPr lang="en-US" altLang="ko-KR" b="0" dirty="0"/>
+                        <a:t>2, …],</a:t>
+                      </a:r>
+                    </a:p>
+                    <a:p>
+                      <a:pPr marL="914400" marR="0" lvl="2" indent="0" algn="l" defTabSz="914400" rtl="0" eaLnBrk="1" fontAlgn="auto" latinLnBrk="1" hangingPunct="1">
+                        <a:lnSpc>
+                          <a:spcPct val="150000"/>
+                        </a:lnSpc>
+                        <a:spcBef>
+                          <a:spcPts val="0"/>
+                        </a:spcBef>
+                        <a:spcAft>
+                          <a:spcPts val="0"/>
+                        </a:spcAft>
+                        <a:buClrTx/>
+                        <a:buSzTx/>
+                        <a:buFontTx/>
+                        <a:buNone/>
+                        <a:tabLst/>
+                        <a:defRPr/>
+                      </a:pPr>
+                      <a:r>
+                        <a:rPr lang="ko-KR" altLang="en-US" b="0" dirty="0"/>
+                        <a:t>칼럼</a:t>
+                      </a:r>
+                      <a:r>
+                        <a:rPr lang="en-US" altLang="ko-KR" b="0" dirty="0"/>
+                        <a:t>2: [</a:t>
+                      </a:r>
+                      <a:r>
+                        <a:rPr lang="ko-KR" altLang="en-US" b="0" dirty="0"/>
+                        <a:t>그룹 연산</a:t>
+                      </a:r>
+                      <a:r>
+                        <a:rPr lang="en-US" altLang="ko-KR" b="0" dirty="0"/>
+                        <a:t>3, …], …</a:t>
+                      </a:r>
+                      <a:r>
+                        <a:rPr lang="en-US" altLang="ko-KR" b="1" dirty="0"/>
+                        <a:t>})</a:t>
+                      </a:r>
+                    </a:p>
+                  </a:txBody>
+                  <a:tcPr>
+                    <a:lnL w="12700" cap="flat" cmpd="sng" algn="ctr">
+                      <a:noFill/>
+                      <a:prstDash val="solid"/>
+                      <a:round/>
+                      <a:headEnd type="none" w="med" len="med"/>
+                      <a:tailEnd type="none" w="med" len="med"/>
+                    </a:lnL>
+                    <a:lnR w="12700" cap="flat" cmpd="sng" algn="ctr">
+                      <a:solidFill>
+                        <a:schemeClr val="tx1"/>
+                      </a:solidFill>
+                      <a:prstDash val="solid"/>
+                      <a:round/>
+                      <a:headEnd type="none" w="med" len="med"/>
+                      <a:tailEnd type="none" w="med" len="med"/>
+                    </a:lnR>
+                    <a:lnT w="12700" cmpd="sng">
+                      <a:noFill/>
+                    </a:lnT>
+                    <a:lnB w="12700" cap="flat" cmpd="sng" algn="ctr">
+                      <a:noFill/>
+                      <a:prstDash val="solid"/>
+                      <a:round/>
+                      <a:headEnd type="none" w="med" len="med"/>
+                      <a:tailEnd type="none" w="med" len="med"/>
+                    </a:lnB>
+                  </a:tcPr>
+                </a:tc>
+                <a:tc>
+                  <a:txBody>
+                    <a:bodyPr/>
+                    <a:lstStyle/>
+                    <a:p>
+                      <a:pPr marL="285750" marR="0" lvl="0" indent="-285750" algn="l" defTabSz="914400" rtl="0" eaLnBrk="1" fontAlgn="auto" latinLnBrk="1" hangingPunct="1">
+                        <a:lnSpc>
+                          <a:spcPct val="150000"/>
+                        </a:lnSpc>
+                        <a:spcBef>
+                          <a:spcPts val="0"/>
+                        </a:spcBef>
+                        <a:spcAft>
+                          <a:spcPts val="0"/>
+                        </a:spcAft>
+                        <a:buClrTx/>
+                        <a:buSzTx/>
+                        <a:buFont typeface="Arial" panose="020B0604020202020204" pitchFamily="34" charset="0"/>
+                        <a:buChar char="•"/>
+                        <a:tabLst/>
+                        <a:defRPr/>
+                      </a:pPr>
+                      <a:r>
+                        <a:rPr lang="ko-KR" altLang="en-US" b="0" dirty="0"/>
+                        <a:t>각 칼럼에 대해서 특정한 그룹 연산을 처리</a:t>
+                      </a:r>
+                    </a:p>
+                  </a:txBody>
+                  <a:tcPr>
+                    <a:lnL w="12700" cap="flat" cmpd="sng" algn="ctr">
+                      <a:solidFill>
+                        <a:schemeClr val="tx1"/>
+                      </a:solidFill>
+                      <a:prstDash val="solid"/>
+                      <a:round/>
+                      <a:headEnd type="none" w="med" len="med"/>
+                      <a:tailEnd type="none" w="med" len="med"/>
+                    </a:lnL>
+                    <a:lnT w="12700" cmpd="sng">
+                      <a:noFill/>
+                    </a:lnT>
+                    <a:lnB w="12700" cap="flat" cmpd="sng" algn="ctr">
+                      <a:noFill/>
+                      <a:prstDash val="solid"/>
+                      <a:round/>
+                      <a:headEnd type="none" w="med" len="med"/>
+                      <a:tailEnd type="none" w="med" len="med"/>
+                    </a:lnB>
+                  </a:tcPr>
+                </a:tc>
+                <a:extLst>
+                  <a:ext uri="{0D108BD9-81ED-4DB2-BD59-A6C34878D82A}">
+                    <a16:rowId xmlns:a16="http://schemas.microsoft.com/office/drawing/2014/main" val="1353185641"/>
+                  </a:ext>
+                </a:extLst>
+              </a:tr>
+            </a:tbl>
+          </a:graphicData>
+        </a:graphic>
+      </p:graphicFrame>
+    </p:spTree>
+    <p:extLst>
+      <p:ext uri="{BB962C8B-B14F-4D97-AF65-F5344CB8AC3E}">
+        <p14:creationId xmlns:p14="http://schemas.microsoft.com/office/powerpoint/2010/main" val="2813627117"/>
+      </p:ext>
+    </p:extLst>
+  </p:cSld>
+  <p:clrMapOvr>
+    <a:masterClrMapping/>
+  </p:clrMapOvr>
+</p:sld>
+</file>
+
 <file path=ppt/slides/slide2.xml><?xml version="1.0" encoding="utf-8"?>
 <p:sld xmlns:a="http://schemas.openxmlformats.org/drawingml/2006/main" xmlns:r="http://schemas.openxmlformats.org/officeDocument/2006/relationships" xmlns:p="http://schemas.openxmlformats.org/presentationml/2006/main">
   <p:cSld>
@@ -6163,14 +11163,14 @@
           <p:nvPr>
             <p:extLst>
               <p:ext uri="{D42A27DB-BD31-4B8C-83A1-F6EECF244321}">
-                <p14:modId xmlns:p14="http://schemas.microsoft.com/office/powerpoint/2010/main" val="4128194471"/>
+                <p14:modId xmlns:p14="http://schemas.microsoft.com/office/powerpoint/2010/main" val="444475762"/>
               </p:ext>
             </p:extLst>
           </p:nvPr>
         </p:nvGraphicFramePr>
         <p:xfrm>
-          <a:off x="853966" y="1794093"/>
-          <a:ext cx="6840000" cy="449898"/>
+          <a:off x="0" y="0"/>
+          <a:ext cx="11880000" cy="1799592"/>
         </p:xfrm>
         <a:graphic>
           <a:graphicData uri="http://schemas.openxmlformats.org/drawingml/2006/table">
@@ -6179,14 +11179,14 @@
                 <a:tableStyleId>{C083E6E3-FA7D-4D7B-A595-EF9225AFEA82}</a:tableStyleId>
               </a:tblPr>
               <a:tblGrid>
-                <a:gridCol w="2160000">
+                <a:gridCol w="3960000">
                   <a:extLst>
                     <a:ext uri="{9D8B030D-6E8A-4147-A177-3AD203B41FA5}">
                       <a16:colId xmlns:a16="http://schemas.microsoft.com/office/drawing/2014/main" val="1587957385"/>
                     </a:ext>
                   </a:extLst>
                 </a:gridCol>
-                <a:gridCol w="4680000">
+                <a:gridCol w="7920000">
                   <a:extLst>
                     <a:ext uri="{9D8B030D-6E8A-4147-A177-3AD203B41FA5}">
                       <a16:colId xmlns:a16="http://schemas.microsoft.com/office/drawing/2014/main" val="2951524391"/>
@@ -6250,7 +11250,7 @@
                       </a:pPr>
                       <a:r>
                         <a:rPr lang="ko-KR" altLang="en-US" b="0" dirty="0"/>
-                        <a:t>주어진</a:t>
+                        <a:t>배열에서</a:t>
                       </a:r>
                       <a:r>
                         <a:rPr lang="en-US" altLang="ko-KR" b="0" baseline="0" dirty="0"/>
@@ -6258,7 +11258,7 @@
                       </a:r>
                       <a:r>
                         <a:rPr lang="ko-KR" altLang="en-US" b="0" baseline="0" dirty="0"/>
-                        <a:t>조건을 만족하는 인덱스를 반환</a:t>
+                        <a:t>주어진 조건을 만족하는 인덱스를 알려줌</a:t>
                       </a:r>
                       <a:endParaRPr lang="ko-KR" altLang="en-US" b="0" dirty="0"/>
                     </a:p>
@@ -6278,6 +11278,334 @@
                 <a:extLst>
                   <a:ext uri="{0D108BD9-81ED-4DB2-BD59-A6C34878D82A}">
                     <a16:rowId xmlns:a16="http://schemas.microsoft.com/office/drawing/2014/main" val="281444733"/>
+                  </a:ext>
+                </a:extLst>
+              </a:tr>
+              <a:tr h="370840">
+                <a:tc>
+                  <a:txBody>
+                    <a:bodyPr/>
+                    <a:lstStyle/>
+                    <a:p>
+                      <a:pPr latinLnBrk="1">
+                        <a:lnSpc>
+                          <a:spcPct val="150000"/>
+                        </a:lnSpc>
+                      </a:pPr>
+                      <a:r>
+                        <a:rPr lang="en-US" altLang="ko-KR" b="1" dirty="0" err="1"/>
+                        <a:t>np.where</a:t>
+                      </a:r>
+                      <a:r>
+                        <a:rPr lang="en-US" altLang="ko-KR" b="1" dirty="0"/>
+                        <a:t>(</a:t>
+                      </a:r>
+                      <a:r>
+                        <a:rPr lang="ko-KR" altLang="en-US" b="0" dirty="0"/>
+                        <a:t>조건</a:t>
+                      </a:r>
+                      <a:r>
+                        <a:rPr lang="en-US" altLang="ko-KR" b="0" dirty="0"/>
+                        <a:t>, A, B</a:t>
+                      </a:r>
+                      <a:r>
+                        <a:rPr lang="en-US" altLang="ko-KR" b="1" dirty="0"/>
+                        <a:t>)</a:t>
+                      </a:r>
+                      <a:endParaRPr lang="ko-KR" altLang="en-US" b="1" dirty="0"/>
+                    </a:p>
+                  </a:txBody>
+                  <a:tcPr>
+                    <a:lnR w="12700" cap="flat" cmpd="sng" algn="ctr">
+                      <a:solidFill>
+                        <a:schemeClr val="tx1"/>
+                      </a:solidFill>
+                      <a:prstDash val="solid"/>
+                      <a:round/>
+                      <a:headEnd type="none" w="med" len="med"/>
+                      <a:tailEnd type="none" w="med" len="med"/>
+                    </a:lnR>
+                  </a:tcPr>
+                </a:tc>
+                <a:tc>
+                  <a:txBody>
+                    <a:bodyPr/>
+                    <a:lstStyle/>
+                    <a:p>
+                      <a:pPr marL="285750" indent="-285750" latinLnBrk="1">
+                        <a:lnSpc>
+                          <a:spcPct val="150000"/>
+                        </a:lnSpc>
+                        <a:buFont typeface="Arial" panose="020B0604020202020204" pitchFamily="34" charset="0"/>
+                        <a:buChar char="•"/>
+                      </a:pPr>
+                      <a:r>
+                        <a:rPr lang="ko-KR" altLang="en-US" b="0" dirty="0"/>
+                        <a:t>배열에서 주어진 조건을 만족하면 </a:t>
+                      </a:r>
+                      <a:r>
+                        <a:rPr lang="en-US" altLang="ko-KR" b="0" dirty="0"/>
+                        <a:t>A, </a:t>
+                      </a:r>
+                      <a:r>
+                        <a:rPr lang="ko-KR" altLang="en-US" b="0" dirty="0"/>
+                        <a:t>만족하지 않으면 </a:t>
+                      </a:r>
+                      <a:r>
+                        <a:rPr lang="en-US" altLang="ko-KR" b="0" dirty="0"/>
+                        <a:t>B</a:t>
+                      </a:r>
+                      <a:r>
+                        <a:rPr lang="ko-KR" altLang="en-US" b="0" dirty="0"/>
+                        <a:t>로 변환</a:t>
+                      </a:r>
+                    </a:p>
+                  </a:txBody>
+                  <a:tcPr>
+                    <a:lnL w="12700" cap="flat" cmpd="sng" algn="ctr">
+                      <a:solidFill>
+                        <a:schemeClr val="tx1"/>
+                      </a:solidFill>
+                      <a:prstDash val="solid"/>
+                      <a:round/>
+                      <a:headEnd type="none" w="med" len="med"/>
+                      <a:tailEnd type="none" w="med" len="med"/>
+                    </a:lnL>
+                  </a:tcPr>
+                </a:tc>
+                <a:extLst>
+                  <a:ext uri="{0D108BD9-81ED-4DB2-BD59-A6C34878D82A}">
+                    <a16:rowId xmlns:a16="http://schemas.microsoft.com/office/drawing/2014/main" val="2776964569"/>
+                  </a:ext>
+                </a:extLst>
+              </a:tr>
+              <a:tr h="370840">
+                <a:tc>
+                  <a:txBody>
+                    <a:bodyPr/>
+                    <a:lstStyle/>
+                    <a:p>
+                      <a:pPr latinLnBrk="1">
+                        <a:lnSpc>
+                          <a:spcPct val="150000"/>
+                        </a:lnSpc>
+                      </a:pPr>
+                      <a:r>
+                        <a:rPr lang="en-US" altLang="ko-KR" b="1" dirty="0" err="1"/>
+                        <a:t>np.where</a:t>
+                      </a:r>
+                      <a:r>
+                        <a:rPr lang="en-US" altLang="ko-KR" b="1" dirty="0"/>
+                        <a:t>(</a:t>
+                      </a:r>
+                      <a:r>
+                        <a:rPr lang="en-US" altLang="ko-KR" b="0" dirty="0"/>
+                        <a:t>(</a:t>
+                      </a:r>
+                      <a:r>
+                        <a:rPr lang="ko-KR" altLang="en-US" b="0" dirty="0"/>
+                        <a:t>조건</a:t>
+                      </a:r>
+                      <a:r>
+                        <a:rPr lang="en-US" altLang="ko-KR" b="0" dirty="0"/>
+                        <a:t>1) &amp; (</a:t>
+                      </a:r>
+                      <a:r>
+                        <a:rPr lang="ko-KR" altLang="en-US" b="0" dirty="0"/>
+                        <a:t>조건</a:t>
+                      </a:r>
+                      <a:r>
+                        <a:rPr lang="en-US" altLang="ko-KR" b="0" dirty="0"/>
+                        <a:t>2)</a:t>
+                      </a:r>
+                      <a:r>
+                        <a:rPr lang="en-US" altLang="ko-KR" b="1" dirty="0"/>
+                        <a:t>)</a:t>
+                      </a:r>
+                      <a:endParaRPr lang="ko-KR" altLang="en-US" b="1" dirty="0"/>
+                    </a:p>
+                  </a:txBody>
+                  <a:tcPr>
+                    <a:lnR w="12700" cap="flat" cmpd="sng" algn="ctr">
+                      <a:solidFill>
+                        <a:schemeClr val="tx1"/>
+                      </a:solidFill>
+                      <a:prstDash val="solid"/>
+                      <a:round/>
+                      <a:headEnd type="none" w="med" len="med"/>
+                      <a:tailEnd type="none" w="med" len="med"/>
+                    </a:lnR>
+                  </a:tcPr>
+                </a:tc>
+                <a:tc>
+                  <a:txBody>
+                    <a:bodyPr/>
+                    <a:lstStyle/>
+                    <a:p>
+                      <a:pPr marL="285750" indent="-285750" latinLnBrk="1">
+                        <a:lnSpc>
+                          <a:spcPct val="150000"/>
+                        </a:lnSpc>
+                        <a:buFont typeface="Arial" panose="020B0604020202020204" pitchFamily="34" charset="0"/>
+                        <a:buChar char="•"/>
+                      </a:pPr>
+                      <a:r>
+                        <a:rPr lang="ko-KR" altLang="en-US" b="0" dirty="0"/>
+                        <a:t>배열에서 주어진 조건</a:t>
+                      </a:r>
+                      <a:r>
+                        <a:rPr lang="en-US" altLang="ko-KR" b="0" dirty="0"/>
+                        <a:t>1</a:t>
+                      </a:r>
+                      <a:r>
+                        <a:rPr lang="ko-KR" altLang="en-US" b="0" dirty="0"/>
+                        <a:t>과 조건</a:t>
+                      </a:r>
+                      <a:r>
+                        <a:rPr lang="en-US" altLang="ko-KR" b="0" dirty="0"/>
+                        <a:t>2</a:t>
+                      </a:r>
+                      <a:r>
+                        <a:rPr lang="ko-KR" altLang="en-US" b="0" dirty="0"/>
+                        <a:t>를 모두 만족하는 인덱스를 알려줌</a:t>
+                      </a:r>
+                    </a:p>
+                  </a:txBody>
+                  <a:tcPr>
+                    <a:lnL w="12700" cap="flat" cmpd="sng" algn="ctr">
+                      <a:solidFill>
+                        <a:schemeClr val="tx1"/>
+                      </a:solidFill>
+                      <a:prstDash val="solid"/>
+                      <a:round/>
+                      <a:headEnd type="none" w="med" len="med"/>
+                      <a:tailEnd type="none" w="med" len="med"/>
+                    </a:lnL>
+                  </a:tcPr>
+                </a:tc>
+                <a:extLst>
+                  <a:ext uri="{0D108BD9-81ED-4DB2-BD59-A6C34878D82A}">
+                    <a16:rowId xmlns:a16="http://schemas.microsoft.com/office/drawing/2014/main" val="2129893527"/>
+                  </a:ext>
+                </a:extLst>
+              </a:tr>
+              <a:tr h="370840">
+                <a:tc>
+                  <a:txBody>
+                    <a:bodyPr/>
+                    <a:lstStyle/>
+                    <a:p>
+                      <a:pPr latinLnBrk="1">
+                        <a:lnSpc>
+                          <a:spcPct val="150000"/>
+                        </a:lnSpc>
+                      </a:pPr>
+                      <a:r>
+                        <a:rPr lang="en-US" altLang="ko-KR" b="1" dirty="0" err="1"/>
+                        <a:t>np.where</a:t>
+                      </a:r>
+                      <a:r>
+                        <a:rPr lang="en-US" altLang="ko-KR" b="1" dirty="0"/>
+                        <a:t>(</a:t>
+                      </a:r>
+                      <a:r>
+                        <a:rPr lang="en-US" altLang="ko-KR" b="0" dirty="0"/>
+                        <a:t>(</a:t>
+                      </a:r>
+                      <a:r>
+                        <a:rPr lang="ko-KR" altLang="en-US" b="0" dirty="0"/>
+                        <a:t>조건</a:t>
+                      </a:r>
+                      <a:r>
+                        <a:rPr lang="en-US" altLang="ko-KR" b="0" dirty="0"/>
+                        <a:t>1) | (</a:t>
+                      </a:r>
+                      <a:r>
+                        <a:rPr lang="ko-KR" altLang="en-US" b="0" dirty="0"/>
+                        <a:t>조건</a:t>
+                      </a:r>
+                      <a:r>
+                        <a:rPr lang="en-US" altLang="ko-KR" b="0" dirty="0"/>
+                        <a:t>2)</a:t>
+                      </a:r>
+                      <a:r>
+                        <a:rPr lang="en-US" altLang="ko-KR" b="1" dirty="0"/>
+                        <a:t>)</a:t>
+                      </a:r>
+                      <a:endParaRPr lang="ko-KR" altLang="en-US" b="1" dirty="0"/>
+                    </a:p>
+                  </a:txBody>
+                  <a:tcPr>
+                    <a:lnR w="12700" cap="flat" cmpd="sng" algn="ctr">
+                      <a:solidFill>
+                        <a:schemeClr val="tx1"/>
+                      </a:solidFill>
+                      <a:prstDash val="solid"/>
+                      <a:round/>
+                      <a:headEnd type="none" w="med" len="med"/>
+                      <a:tailEnd type="none" w="med" len="med"/>
+                    </a:lnR>
+                  </a:tcPr>
+                </a:tc>
+                <a:tc>
+                  <a:txBody>
+                    <a:bodyPr/>
+                    <a:lstStyle/>
+                    <a:p>
+                      <a:pPr marL="285750" marR="0" lvl="0" indent="-285750" algn="l" defTabSz="914400" rtl="0" eaLnBrk="1" fontAlgn="auto" latinLnBrk="1" hangingPunct="1">
+                        <a:lnSpc>
+                          <a:spcPct val="150000"/>
+                        </a:lnSpc>
+                        <a:spcBef>
+                          <a:spcPts val="0"/>
+                        </a:spcBef>
+                        <a:spcAft>
+                          <a:spcPts val="0"/>
+                        </a:spcAft>
+                        <a:buClrTx/>
+                        <a:buSzTx/>
+                        <a:buFont typeface="Arial" panose="020B0604020202020204" pitchFamily="34" charset="0"/>
+                        <a:buChar char="•"/>
+                        <a:tabLst/>
+                        <a:defRPr/>
+                      </a:pPr>
+                      <a:r>
+                        <a:rPr lang="ko-KR" altLang="en-US" b="0" dirty="0"/>
+                        <a:t>배열에서 주어진 조건</a:t>
+                      </a:r>
+                      <a:r>
+                        <a:rPr lang="en-US" altLang="ko-KR" b="0" dirty="0"/>
+                        <a:t>1</a:t>
+                      </a:r>
+                      <a:r>
+                        <a:rPr lang="ko-KR" altLang="en-US" b="0" dirty="0"/>
+                        <a:t>과 조건</a:t>
+                      </a:r>
+                      <a:r>
+                        <a:rPr lang="en-US" altLang="ko-KR" b="0" dirty="0"/>
+                        <a:t>2</a:t>
+                      </a:r>
+                      <a:r>
+                        <a:rPr lang="ko-KR" altLang="en-US" b="0" dirty="0"/>
+                        <a:t> 중 하나라도 만족하는 인덱스를 알려줌</a:t>
+                      </a:r>
+                    </a:p>
+                  </a:txBody>
+                  <a:tcPr>
+                    <a:lnL w="12700" cap="flat" cmpd="sng" algn="ctr">
+                      <a:solidFill>
+                        <a:schemeClr val="tx1"/>
+                      </a:solidFill>
+                      <a:prstDash val="solid"/>
+                      <a:round/>
+                      <a:headEnd type="none" w="med" len="med"/>
+                      <a:tailEnd type="none" w="med" len="med"/>
+                    </a:lnL>
+                  </a:tcPr>
+                </a:tc>
+                <a:extLst>
+                  <a:ext uri="{0D108BD9-81ED-4DB2-BD59-A6C34878D82A}">
+                    <a16:rowId xmlns:a16="http://schemas.microsoft.com/office/drawing/2014/main" val="2226065939"/>
                   </a:ext>
                 </a:extLst>
               </a:tr>
